--- a/Challenge week/Challenge week CE301 – Countering Drones.pptx
+++ b/Challenge week/Challenge week CE301 – Countering Drones.pptx
@@ -7,6 +7,16 @@
   <p:sldIdLst>
     <p:sldId id="256" r:id="rId2"/>
     <p:sldId id="257" r:id="rId3"/>
+    <p:sldId id="263" r:id="rId4"/>
+    <p:sldId id="264" r:id="rId5"/>
+    <p:sldId id="265" r:id="rId6"/>
+    <p:sldId id="266" r:id="rId7"/>
+    <p:sldId id="267" r:id="rId8"/>
+    <p:sldId id="259" r:id="rId9"/>
+    <p:sldId id="260" r:id="rId10"/>
+    <p:sldId id="261" r:id="rId11"/>
+    <p:sldId id="262" r:id="rId12"/>
+    <p:sldId id="268" r:id="rId13"/>
   </p:sldIdLst>
   <p:sldSz cx="12192000" cy="6858000"/>
   <p:notesSz cx="6858000" cy="9144000"/>
@@ -113,12 +123,20 @@
 </p:presentation>
 </file>
 
+<file path=ppt/revisionInfo.xml><?xml version="1.0" encoding="utf-8"?>
+<p1510:revInfo xmlns:a="http://schemas.openxmlformats.org/drawingml/2006/main" xmlns:r="http://schemas.openxmlformats.org/officeDocument/2006/relationships" xmlns:p1510="http://schemas.microsoft.com/office/powerpoint/2015/10/main">
+  <p1510:revLst>
+    <p1510:client id="{30E27CBC-32DF-416C-A8B8-2EB07932B687}" v="18" dt="2020-10-15T22:39:39.964"/>
+  </p1510:revLst>
+</p1510:revInfo>
+</file>
+
 <file path=ppt/changesInfos/changesInfo1.xml><?xml version="1.0" encoding="utf-8"?>
 <pc:chgInfo xmlns:a="http://schemas.openxmlformats.org/drawingml/2006/main" xmlns:r="http://schemas.openxmlformats.org/officeDocument/2006/relationships" xmlns:ac="http://schemas.microsoft.com/office/drawing/2013/main/command" xmlns:pc="http://schemas.microsoft.com/office/powerpoint/2013/main/command">
   <pc:docChgLst>
     <pc:chgData name="Jonathan Devaux" userId="e6bcb7461c737c24" providerId="LiveId" clId="{30E27CBC-32DF-416C-A8B8-2EB07932B687}"/>
-    <pc:docChg chg="custSel mod addSld modSld addMainMaster delMainMaster">
-      <pc:chgData name="Jonathan Devaux" userId="e6bcb7461c737c24" providerId="LiveId" clId="{30E27CBC-32DF-416C-A8B8-2EB07932B687}" dt="2020-10-15T17:29:46.760" v="161" actId="14100"/>
+    <pc:docChg chg="undo custSel mod addSld delSld modSld sldOrd addMainMaster delMainMaster">
+      <pc:chgData name="Jonathan Devaux" userId="e6bcb7461c737c24" providerId="LiveId" clId="{30E27CBC-32DF-416C-A8B8-2EB07932B687}" dt="2020-10-15T22:43:28.967" v="1247" actId="20577"/>
       <pc:docMkLst>
         <pc:docMk/>
       </pc:docMkLst>
@@ -186,7 +204,7 @@
         </pc:picChg>
       </pc:sldChg>
       <pc:sldChg chg="modSp new mod">
-        <pc:chgData name="Jonathan Devaux" userId="e6bcb7461c737c24" providerId="LiveId" clId="{30E27CBC-32DF-416C-A8B8-2EB07932B687}" dt="2020-10-15T17:29:46.760" v="161" actId="14100"/>
+        <pc:chgData name="Jonathan Devaux" userId="e6bcb7461c737c24" providerId="LiveId" clId="{30E27CBC-32DF-416C-A8B8-2EB07932B687}" dt="2020-10-15T22:41:52.996" v="983" actId="1076"/>
         <pc:sldMkLst>
           <pc:docMk/>
           <pc:sldMk cId="3325855671" sldId="257"/>
@@ -200,11 +218,479 @@
           </ac:spMkLst>
         </pc:spChg>
         <pc:spChg chg="mod">
-          <ac:chgData name="Jonathan Devaux" userId="e6bcb7461c737c24" providerId="LiveId" clId="{30E27CBC-32DF-416C-A8B8-2EB07932B687}" dt="2020-10-15T17:29:46.760" v="161" actId="14100"/>
+          <ac:chgData name="Jonathan Devaux" userId="e6bcb7461c737c24" providerId="LiveId" clId="{30E27CBC-32DF-416C-A8B8-2EB07932B687}" dt="2020-10-15T22:41:52.996" v="983" actId="1076"/>
           <ac:spMkLst>
             <pc:docMk/>
             <pc:sldMk cId="3325855671" sldId="257"/>
             <ac:spMk id="3" creationId="{663373C4-1CCC-4764-B82A-2C6C1057ECE4}"/>
+          </ac:spMkLst>
+        </pc:spChg>
+      </pc:sldChg>
+      <pc:sldChg chg="new del">
+        <pc:chgData name="Jonathan Devaux" userId="e6bcb7461c737c24" providerId="LiveId" clId="{30E27CBC-32DF-416C-A8B8-2EB07932B687}" dt="2020-10-15T18:16:05.608" v="232" actId="47"/>
+        <pc:sldMkLst>
+          <pc:docMk/>
+          <pc:sldMk cId="1743067712" sldId="258"/>
+        </pc:sldMkLst>
+      </pc:sldChg>
+      <pc:sldChg chg="modSp new mod">
+        <pc:chgData name="Jonathan Devaux" userId="e6bcb7461c737c24" providerId="LiveId" clId="{30E27CBC-32DF-416C-A8B8-2EB07932B687}" dt="2020-10-15T22:33:12.513" v="793" actId="27636"/>
+        <pc:sldMkLst>
+          <pc:docMk/>
+          <pc:sldMk cId="2500826057" sldId="259"/>
+        </pc:sldMkLst>
+        <pc:spChg chg="mod">
+          <ac:chgData name="Jonathan Devaux" userId="e6bcb7461c737c24" providerId="LiveId" clId="{30E27CBC-32DF-416C-A8B8-2EB07932B687}" dt="2020-10-15T18:16:14.592" v="252" actId="20577"/>
+          <ac:spMkLst>
+            <pc:docMk/>
+            <pc:sldMk cId="2500826057" sldId="259"/>
+            <ac:spMk id="2" creationId="{A2A4123F-D174-4A68-B86B-3188058758C0}"/>
+          </ac:spMkLst>
+        </pc:spChg>
+        <pc:spChg chg="mod">
+          <ac:chgData name="Jonathan Devaux" userId="e6bcb7461c737c24" providerId="LiveId" clId="{30E27CBC-32DF-416C-A8B8-2EB07932B687}" dt="2020-10-15T22:33:12.513" v="793" actId="27636"/>
+          <ac:spMkLst>
+            <pc:docMk/>
+            <pc:sldMk cId="2500826057" sldId="259"/>
+            <ac:spMk id="3" creationId="{5B74B8A3-2114-402A-9144-4F502776A1B0}"/>
+          </ac:spMkLst>
+        </pc:spChg>
+      </pc:sldChg>
+      <pc:sldChg chg="addSp delSp modSp new mod">
+        <pc:chgData name="Jonathan Devaux" userId="e6bcb7461c737c24" providerId="LiveId" clId="{30E27CBC-32DF-416C-A8B8-2EB07932B687}" dt="2020-10-15T18:18:31.891" v="437" actId="114"/>
+        <pc:sldMkLst>
+          <pc:docMk/>
+          <pc:sldMk cId="608588099" sldId="260"/>
+        </pc:sldMkLst>
+        <pc:spChg chg="mod">
+          <ac:chgData name="Jonathan Devaux" userId="e6bcb7461c737c24" providerId="LiveId" clId="{30E27CBC-32DF-416C-A8B8-2EB07932B687}" dt="2020-10-15T18:16:41.872" v="264" actId="20577"/>
+          <ac:spMkLst>
+            <pc:docMk/>
+            <pc:sldMk cId="608588099" sldId="260"/>
+            <ac:spMk id="2" creationId="{F95086BE-500D-4654-86BC-3C95962AD1EE}"/>
+          </ac:spMkLst>
+        </pc:spChg>
+        <pc:spChg chg="mod">
+          <ac:chgData name="Jonathan Devaux" userId="e6bcb7461c737c24" providerId="LiveId" clId="{30E27CBC-32DF-416C-A8B8-2EB07932B687}" dt="2020-10-15T18:18:31.891" v="437" actId="114"/>
+          <ac:spMkLst>
+            <pc:docMk/>
+            <pc:sldMk cId="608588099" sldId="260"/>
+            <ac:spMk id="3" creationId="{7F9DBA84-5577-4B2B-BD6A-CCAC6E01D120}"/>
+          </ac:spMkLst>
+        </pc:spChg>
+        <pc:spChg chg="add del">
+          <ac:chgData name="Jonathan Devaux" userId="e6bcb7461c737c24" providerId="LiveId" clId="{30E27CBC-32DF-416C-A8B8-2EB07932B687}" dt="2020-10-15T18:16:32.150" v="255" actId="22"/>
+          <ac:spMkLst>
+            <pc:docMk/>
+            <pc:sldMk cId="608588099" sldId="260"/>
+            <ac:spMk id="5" creationId="{28A6A17E-F626-4BB5-9B34-E495ECA59F86}"/>
+          </ac:spMkLst>
+        </pc:spChg>
+        <pc:spChg chg="add mod">
+          <ac:chgData name="Jonathan Devaux" userId="e6bcb7461c737c24" providerId="LiveId" clId="{30E27CBC-32DF-416C-A8B8-2EB07932B687}" dt="2020-10-15T18:18:23.472" v="436" actId="1076"/>
+          <ac:spMkLst>
+            <pc:docMk/>
+            <pc:sldMk cId="608588099" sldId="260"/>
+            <ac:spMk id="6" creationId="{BC849AA4-D4A6-4D6B-A75D-F02170AC153F}"/>
+          </ac:spMkLst>
+        </pc:spChg>
+      </pc:sldChg>
+      <pc:sldChg chg="addSp modSp add mod">
+        <pc:chgData name="Jonathan Devaux" userId="e6bcb7461c737c24" providerId="LiveId" clId="{30E27CBC-32DF-416C-A8B8-2EB07932B687}" dt="2020-10-15T22:39:39.964" v="956"/>
+        <pc:sldMkLst>
+          <pc:docMk/>
+          <pc:sldMk cId="1328004916" sldId="261"/>
+        </pc:sldMkLst>
+        <pc:spChg chg="mod">
+          <ac:chgData name="Jonathan Devaux" userId="e6bcb7461c737c24" providerId="LiveId" clId="{30E27CBC-32DF-416C-A8B8-2EB07932B687}" dt="2020-10-15T18:18:41.132" v="445" actId="20577"/>
+          <ac:spMkLst>
+            <pc:docMk/>
+            <pc:sldMk cId="1328004916" sldId="261"/>
+            <ac:spMk id="2" creationId="{F95086BE-500D-4654-86BC-3C95962AD1EE}"/>
+          </ac:spMkLst>
+        </pc:spChg>
+        <pc:spChg chg="mod">
+          <ac:chgData name="Jonathan Devaux" userId="e6bcb7461c737c24" providerId="LiveId" clId="{30E27CBC-32DF-416C-A8B8-2EB07932B687}" dt="2020-10-15T18:19:36.188" v="504" actId="14100"/>
+          <ac:spMkLst>
+            <pc:docMk/>
+            <pc:sldMk cId="1328004916" sldId="261"/>
+            <ac:spMk id="3" creationId="{7F9DBA84-5577-4B2B-BD6A-CCAC6E01D120}"/>
+          </ac:spMkLst>
+        </pc:spChg>
+        <pc:spChg chg="add mod">
+          <ac:chgData name="Jonathan Devaux" userId="e6bcb7461c737c24" providerId="LiveId" clId="{30E27CBC-32DF-416C-A8B8-2EB07932B687}" dt="2020-10-15T22:39:39.964" v="956"/>
+          <ac:spMkLst>
+            <pc:docMk/>
+            <pc:sldMk cId="1328004916" sldId="261"/>
+            <ac:spMk id="4" creationId="{589C2475-E598-44AF-80DE-493A09EB0AFC}"/>
+          </ac:spMkLst>
+        </pc:spChg>
+      </pc:sldChg>
+      <pc:sldChg chg="modSp new mod">
+        <pc:chgData name="Jonathan Devaux" userId="e6bcb7461c737c24" providerId="LiveId" clId="{30E27CBC-32DF-416C-A8B8-2EB07932B687}" dt="2020-10-15T21:34:45.739" v="631" actId="20577"/>
+        <pc:sldMkLst>
+          <pc:docMk/>
+          <pc:sldMk cId="1645095059" sldId="262"/>
+        </pc:sldMkLst>
+        <pc:spChg chg="mod">
+          <ac:chgData name="Jonathan Devaux" userId="e6bcb7461c737c24" providerId="LiveId" clId="{30E27CBC-32DF-416C-A8B8-2EB07932B687}" dt="2020-10-15T21:32:42.778" v="589" actId="20577"/>
+          <ac:spMkLst>
+            <pc:docMk/>
+            <pc:sldMk cId="1645095059" sldId="262"/>
+            <ac:spMk id="2" creationId="{CED81226-F0F2-429D-9767-797A69ABD971}"/>
+          </ac:spMkLst>
+        </pc:spChg>
+        <pc:spChg chg="mod">
+          <ac:chgData name="Jonathan Devaux" userId="e6bcb7461c737c24" providerId="LiveId" clId="{30E27CBC-32DF-416C-A8B8-2EB07932B687}" dt="2020-10-15T21:34:45.739" v="631" actId="20577"/>
+          <ac:spMkLst>
+            <pc:docMk/>
+            <pc:sldMk cId="1645095059" sldId="262"/>
+            <ac:spMk id="3" creationId="{E7FEEB01-F560-4E89-9D02-4896BE8873FB}"/>
+          </ac:spMkLst>
+        </pc:spChg>
+      </pc:sldChg>
+      <pc:sldChg chg="new del">
+        <pc:chgData name="Jonathan Devaux" userId="e6bcb7461c737c24" providerId="LiveId" clId="{30E27CBC-32DF-416C-A8B8-2EB07932B687}" dt="2020-10-15T21:35:33.669" v="633" actId="2696"/>
+        <pc:sldMkLst>
+          <pc:docMk/>
+          <pc:sldMk cId="2060492095" sldId="263"/>
+        </pc:sldMkLst>
+      </pc:sldChg>
+      <pc:sldChg chg="addSp delSp modSp new mod ord setBg">
+        <pc:chgData name="Jonathan Devaux" userId="e6bcb7461c737c24" providerId="LiveId" clId="{30E27CBC-32DF-416C-A8B8-2EB07932B687}" dt="2020-10-15T22:17:24.534" v="705" actId="14100"/>
+        <pc:sldMkLst>
+          <pc:docMk/>
+          <pc:sldMk cId="3055277719" sldId="263"/>
+        </pc:sldMkLst>
+        <pc:spChg chg="mod">
+          <ac:chgData name="Jonathan Devaux" userId="e6bcb7461c737c24" providerId="LiveId" clId="{30E27CBC-32DF-416C-A8B8-2EB07932B687}" dt="2020-10-15T22:00:35.937" v="695" actId="26606"/>
+          <ac:spMkLst>
+            <pc:docMk/>
+            <pc:sldMk cId="3055277719" sldId="263"/>
+            <ac:spMk id="2" creationId="{3006665D-5666-455C-9400-EE9FAAA94730}"/>
+          </ac:spMkLst>
+        </pc:spChg>
+        <pc:spChg chg="del">
+          <ac:chgData name="Jonathan Devaux" userId="e6bcb7461c737c24" providerId="LiveId" clId="{30E27CBC-32DF-416C-A8B8-2EB07932B687}" dt="2020-10-15T22:00:23.828" v="693" actId="478"/>
+          <ac:spMkLst>
+            <pc:docMk/>
+            <pc:sldMk cId="3055277719" sldId="263"/>
+            <ac:spMk id="3" creationId="{5EAA0F3E-928E-48A7-89F5-E9BD62120314}"/>
+          </ac:spMkLst>
+        </pc:spChg>
+        <pc:spChg chg="add mod">
+          <ac:chgData name="Jonathan Devaux" userId="e6bcb7461c737c24" providerId="LiveId" clId="{30E27CBC-32DF-416C-A8B8-2EB07932B687}" dt="2020-10-15T22:16:52.023" v="701" actId="14100"/>
+          <ac:spMkLst>
+            <pc:docMk/>
+            <pc:sldMk cId="3055277719" sldId="263"/>
+            <ac:spMk id="5" creationId="{1C20DF50-4782-410C-8BD0-40AEC8A72B75}"/>
+          </ac:spMkLst>
+        </pc:spChg>
+        <pc:spChg chg="add mod">
+          <ac:chgData name="Jonathan Devaux" userId="e6bcb7461c737c24" providerId="LiveId" clId="{30E27CBC-32DF-416C-A8B8-2EB07932B687}" dt="2020-10-15T22:17:24.534" v="705" actId="14100"/>
+          <ac:spMkLst>
+            <pc:docMk/>
+            <pc:sldMk cId="3055277719" sldId="263"/>
+            <ac:spMk id="6" creationId="{938C8673-3445-40E7-B9F2-E37A02202850}"/>
+          </ac:spMkLst>
+        </pc:spChg>
+        <pc:spChg chg="add">
+          <ac:chgData name="Jonathan Devaux" userId="e6bcb7461c737c24" providerId="LiveId" clId="{30E27CBC-32DF-416C-A8B8-2EB07932B687}" dt="2020-10-15T22:00:35.937" v="695" actId="26606"/>
+          <ac:spMkLst>
+            <pc:docMk/>
+            <pc:sldMk cId="3055277719" sldId="263"/>
+            <ac:spMk id="70" creationId="{385E1BDC-A9B0-4A87-82E3-F3187F69A802}"/>
+          </ac:spMkLst>
+        </pc:spChg>
+        <pc:spChg chg="add">
+          <ac:chgData name="Jonathan Devaux" userId="e6bcb7461c737c24" providerId="LiveId" clId="{30E27CBC-32DF-416C-A8B8-2EB07932B687}" dt="2020-10-15T22:00:35.937" v="695" actId="26606"/>
+          <ac:spMkLst>
+            <pc:docMk/>
+            <pc:sldMk cId="3055277719" sldId="263"/>
+            <ac:spMk id="72" creationId="{0990C621-3B8B-4820-8328-D47EF7CE823C}"/>
+          </ac:spMkLst>
+        </pc:spChg>
+        <pc:spChg chg="add">
+          <ac:chgData name="Jonathan Devaux" userId="e6bcb7461c737c24" providerId="LiveId" clId="{30E27CBC-32DF-416C-A8B8-2EB07932B687}" dt="2020-10-15T22:00:35.937" v="695" actId="26606"/>
+          <ac:spMkLst>
+            <pc:docMk/>
+            <pc:sldMk cId="3055277719" sldId="263"/>
+            <ac:spMk id="74" creationId="{C1A2385B-1D2A-4E17-84FA-6CB7F0AAE473}"/>
+          </ac:spMkLst>
+        </pc:spChg>
+        <pc:spChg chg="add">
+          <ac:chgData name="Jonathan Devaux" userId="e6bcb7461c737c24" providerId="LiveId" clId="{30E27CBC-32DF-416C-A8B8-2EB07932B687}" dt="2020-10-15T22:00:35.937" v="695" actId="26606"/>
+          <ac:spMkLst>
+            <pc:docMk/>
+            <pc:sldMk cId="3055277719" sldId="263"/>
+            <ac:spMk id="76" creationId="{5E791F2F-79DB-4CC0-9FA1-001E3E91E8B7}"/>
+          </ac:spMkLst>
+        </pc:spChg>
+        <pc:graphicFrameChg chg="add mod ord modGraphic">
+          <ac:chgData name="Jonathan Devaux" userId="e6bcb7461c737c24" providerId="LiveId" clId="{30E27CBC-32DF-416C-A8B8-2EB07932B687}" dt="2020-10-15T22:17:09.920" v="703" actId="1076"/>
+          <ac:graphicFrameMkLst>
+            <pc:docMk/>
+            <pc:sldMk cId="3055277719" sldId="263"/>
+            <ac:graphicFrameMk id="4" creationId="{4635E6F0-698C-4F36-8D9F-FD0594990178}"/>
+          </ac:graphicFrameMkLst>
+        </pc:graphicFrameChg>
+        <pc:picChg chg="add mod">
+          <ac:chgData name="Jonathan Devaux" userId="e6bcb7461c737c24" providerId="LiveId" clId="{30E27CBC-32DF-416C-A8B8-2EB07932B687}" dt="2020-10-15T22:00:47.650" v="697" actId="1076"/>
+          <ac:picMkLst>
+            <pc:docMk/>
+            <pc:sldMk cId="3055277719" sldId="263"/>
+            <ac:picMk id="2049" creationId="{8D509770-7AF3-4064-B3E6-3A15F470BC1E}"/>
+          </ac:picMkLst>
+        </pc:picChg>
+      </pc:sldChg>
+      <pc:sldChg chg="addSp delSp modSp new mod setBg">
+        <pc:chgData name="Jonathan Devaux" userId="e6bcb7461c737c24" providerId="LiveId" clId="{30E27CBC-32DF-416C-A8B8-2EB07932B687}" dt="2020-10-15T22:18:55.209" v="708" actId="26606"/>
+        <pc:sldMkLst>
+          <pc:docMk/>
+          <pc:sldMk cId="2497425287" sldId="264"/>
+        </pc:sldMkLst>
+        <pc:spChg chg="mod">
+          <ac:chgData name="Jonathan Devaux" userId="e6bcb7461c737c24" providerId="LiveId" clId="{30E27CBC-32DF-416C-A8B8-2EB07932B687}" dt="2020-10-15T22:18:55.209" v="708" actId="26606"/>
+          <ac:spMkLst>
+            <pc:docMk/>
+            <pc:sldMk cId="2497425287" sldId="264"/>
+            <ac:spMk id="2" creationId="{0EC95578-8945-4B06-A695-B821E0FC555E}"/>
+          </ac:spMkLst>
+        </pc:spChg>
+        <pc:spChg chg="del">
+          <ac:chgData name="Jonathan Devaux" userId="e6bcb7461c737c24" providerId="LiveId" clId="{30E27CBC-32DF-416C-A8B8-2EB07932B687}" dt="2020-10-15T22:18:48.237" v="707"/>
+          <ac:spMkLst>
+            <pc:docMk/>
+            <pc:sldMk cId="2497425287" sldId="264"/>
+            <ac:spMk id="3" creationId="{C3BCCB9B-2C5A-4154-89E5-332F21356C10}"/>
+          </ac:spMkLst>
+        </pc:spChg>
+        <pc:spChg chg="add del mod">
+          <ac:chgData name="Jonathan Devaux" userId="e6bcb7461c737c24" providerId="LiveId" clId="{30E27CBC-32DF-416C-A8B8-2EB07932B687}" dt="2020-10-15T22:18:55.209" v="708" actId="26606"/>
+          <ac:spMkLst>
+            <pc:docMk/>
+            <pc:sldMk cId="2497425287" sldId="264"/>
+            <ac:spMk id="5" creationId="{7835D5E6-4F12-49EA-AF9F-8AFC0F3B5F8B}"/>
+          </ac:spMkLst>
+        </pc:spChg>
+        <pc:spChg chg="add mod">
+          <ac:chgData name="Jonathan Devaux" userId="e6bcb7461c737c24" providerId="LiveId" clId="{30E27CBC-32DF-416C-A8B8-2EB07932B687}" dt="2020-10-15T22:18:55.209" v="708" actId="26606"/>
+          <ac:spMkLst>
+            <pc:docMk/>
+            <pc:sldMk cId="2497425287" sldId="264"/>
+            <ac:spMk id="6" creationId="{62D9CE01-CAC6-4F4A-A0FD-4E624E5FC408}"/>
+          </ac:spMkLst>
+        </pc:spChg>
+        <pc:spChg chg="add">
+          <ac:chgData name="Jonathan Devaux" userId="e6bcb7461c737c24" providerId="LiveId" clId="{30E27CBC-32DF-416C-A8B8-2EB07932B687}" dt="2020-10-15T22:18:55.209" v="708" actId="26606"/>
+          <ac:spMkLst>
+            <pc:docMk/>
+            <pc:sldMk cId="2497425287" sldId="264"/>
+            <ac:spMk id="70" creationId="{385E1BDC-A9B0-4A87-82E3-F3187F69A802}"/>
+          </ac:spMkLst>
+        </pc:spChg>
+        <pc:spChg chg="add">
+          <ac:chgData name="Jonathan Devaux" userId="e6bcb7461c737c24" providerId="LiveId" clId="{30E27CBC-32DF-416C-A8B8-2EB07932B687}" dt="2020-10-15T22:18:55.209" v="708" actId="26606"/>
+          <ac:spMkLst>
+            <pc:docMk/>
+            <pc:sldMk cId="2497425287" sldId="264"/>
+            <ac:spMk id="72" creationId="{0990C621-3B8B-4820-8328-D47EF7CE823C}"/>
+          </ac:spMkLst>
+        </pc:spChg>
+        <pc:spChg chg="add">
+          <ac:chgData name="Jonathan Devaux" userId="e6bcb7461c737c24" providerId="LiveId" clId="{30E27CBC-32DF-416C-A8B8-2EB07932B687}" dt="2020-10-15T22:18:55.209" v="708" actId="26606"/>
+          <ac:spMkLst>
+            <pc:docMk/>
+            <pc:sldMk cId="2497425287" sldId="264"/>
+            <ac:spMk id="74" creationId="{C1A2385B-1D2A-4E17-84FA-6CB7F0AAE473}"/>
+          </ac:spMkLst>
+        </pc:spChg>
+        <pc:spChg chg="add">
+          <ac:chgData name="Jonathan Devaux" userId="e6bcb7461c737c24" providerId="LiveId" clId="{30E27CBC-32DF-416C-A8B8-2EB07932B687}" dt="2020-10-15T22:18:55.209" v="708" actId="26606"/>
+          <ac:spMkLst>
+            <pc:docMk/>
+            <pc:sldMk cId="2497425287" sldId="264"/>
+            <ac:spMk id="76" creationId="{5E791F2F-79DB-4CC0-9FA1-001E3E91E8B7}"/>
+          </ac:spMkLst>
+        </pc:spChg>
+        <pc:graphicFrameChg chg="add mod ord modGraphic">
+          <ac:chgData name="Jonathan Devaux" userId="e6bcb7461c737c24" providerId="LiveId" clId="{30E27CBC-32DF-416C-A8B8-2EB07932B687}" dt="2020-10-15T22:18:55.209" v="708" actId="26606"/>
+          <ac:graphicFrameMkLst>
+            <pc:docMk/>
+            <pc:sldMk cId="2497425287" sldId="264"/>
+            <ac:graphicFrameMk id="4" creationId="{B3CD43C3-66C0-405E-B987-A5ACBDA63AF4}"/>
+          </ac:graphicFrameMkLst>
+        </pc:graphicFrameChg>
+        <pc:picChg chg="add mod ord">
+          <ac:chgData name="Jonathan Devaux" userId="e6bcb7461c737c24" providerId="LiveId" clId="{30E27CBC-32DF-416C-A8B8-2EB07932B687}" dt="2020-10-15T22:18:55.209" v="708" actId="26606"/>
+          <ac:picMkLst>
+            <pc:docMk/>
+            <pc:sldMk cId="2497425287" sldId="264"/>
+            <ac:picMk id="3073" creationId="{964DA72D-9AD5-4F4D-B7D6-A1E11F721E7E}"/>
+          </ac:picMkLst>
+        </pc:picChg>
+      </pc:sldChg>
+      <pc:sldChg chg="addSp delSp modSp new mod setBg">
+        <pc:chgData name="Jonathan Devaux" userId="e6bcb7461c737c24" providerId="LiveId" clId="{30E27CBC-32DF-416C-A8B8-2EB07932B687}" dt="2020-10-15T22:19:50.985" v="734" actId="478"/>
+        <pc:sldMkLst>
+          <pc:docMk/>
+          <pc:sldMk cId="823297505" sldId="265"/>
+        </pc:sldMkLst>
+        <pc:spChg chg="mod">
+          <ac:chgData name="Jonathan Devaux" userId="e6bcb7461c737c24" providerId="LiveId" clId="{30E27CBC-32DF-416C-A8B8-2EB07932B687}" dt="2020-10-15T22:19:39.360" v="732" actId="20577"/>
+          <ac:spMkLst>
+            <pc:docMk/>
+            <pc:sldMk cId="823297505" sldId="265"/>
+            <ac:spMk id="2" creationId="{6AF6E3F5-D7AA-414F-888E-19E88EBB784F}"/>
+          </ac:spMkLst>
+        </pc:spChg>
+        <pc:spChg chg="del">
+          <ac:chgData name="Jonathan Devaux" userId="e6bcb7461c737c24" providerId="LiveId" clId="{30E27CBC-32DF-416C-A8B8-2EB07932B687}" dt="2020-10-15T22:19:18.038" v="710"/>
+          <ac:spMkLst>
+            <pc:docMk/>
+            <pc:sldMk cId="823297505" sldId="265"/>
+            <ac:spMk id="3" creationId="{EBFCA348-E04C-4D27-BC19-8A84A6F383C5}"/>
+          </ac:spMkLst>
+        </pc:spChg>
+        <pc:spChg chg="add mod">
+          <ac:chgData name="Jonathan Devaux" userId="e6bcb7461c737c24" providerId="LiveId" clId="{30E27CBC-32DF-416C-A8B8-2EB07932B687}" dt="2020-10-15T22:19:48.055" v="733"/>
+          <ac:spMkLst>
+            <pc:docMk/>
+            <pc:sldMk cId="823297505" sldId="265"/>
+            <ac:spMk id="5" creationId="{2377DC3B-511F-4125-AB0C-6650995ABB1B}"/>
+          </ac:spMkLst>
+        </pc:spChg>
+        <pc:spChg chg="add del mod">
+          <ac:chgData name="Jonathan Devaux" userId="e6bcb7461c737c24" providerId="LiveId" clId="{30E27CBC-32DF-416C-A8B8-2EB07932B687}" dt="2020-10-15T22:19:50.985" v="734" actId="478"/>
+          <ac:spMkLst>
+            <pc:docMk/>
+            <pc:sldMk cId="823297505" sldId="265"/>
+            <ac:spMk id="6" creationId="{2B367DEE-91E4-4B2B-B0A6-8BE31E101646}"/>
+          </ac:spMkLst>
+        </pc:spChg>
+        <pc:spChg chg="add">
+          <ac:chgData name="Jonathan Devaux" userId="e6bcb7461c737c24" providerId="LiveId" clId="{30E27CBC-32DF-416C-A8B8-2EB07932B687}" dt="2020-10-15T22:19:27.057" v="711" actId="26606"/>
+          <ac:spMkLst>
+            <pc:docMk/>
+            <pc:sldMk cId="823297505" sldId="265"/>
+            <ac:spMk id="70" creationId="{385E1BDC-A9B0-4A87-82E3-F3187F69A802}"/>
+          </ac:spMkLst>
+        </pc:spChg>
+        <pc:spChg chg="add">
+          <ac:chgData name="Jonathan Devaux" userId="e6bcb7461c737c24" providerId="LiveId" clId="{30E27CBC-32DF-416C-A8B8-2EB07932B687}" dt="2020-10-15T22:19:27.057" v="711" actId="26606"/>
+          <ac:spMkLst>
+            <pc:docMk/>
+            <pc:sldMk cId="823297505" sldId="265"/>
+            <ac:spMk id="72" creationId="{0990C621-3B8B-4820-8328-D47EF7CE823C}"/>
+          </ac:spMkLst>
+        </pc:spChg>
+        <pc:spChg chg="add">
+          <ac:chgData name="Jonathan Devaux" userId="e6bcb7461c737c24" providerId="LiveId" clId="{30E27CBC-32DF-416C-A8B8-2EB07932B687}" dt="2020-10-15T22:19:27.057" v="711" actId="26606"/>
+          <ac:spMkLst>
+            <pc:docMk/>
+            <pc:sldMk cId="823297505" sldId="265"/>
+            <ac:spMk id="74" creationId="{C1A2385B-1D2A-4E17-84FA-6CB7F0AAE473}"/>
+          </ac:spMkLst>
+        </pc:spChg>
+        <pc:spChg chg="add">
+          <ac:chgData name="Jonathan Devaux" userId="e6bcb7461c737c24" providerId="LiveId" clId="{30E27CBC-32DF-416C-A8B8-2EB07932B687}" dt="2020-10-15T22:19:27.057" v="711" actId="26606"/>
+          <ac:spMkLst>
+            <pc:docMk/>
+            <pc:sldMk cId="823297505" sldId="265"/>
+            <ac:spMk id="76" creationId="{5E791F2F-79DB-4CC0-9FA1-001E3E91E8B7}"/>
+          </ac:spMkLst>
+        </pc:spChg>
+        <pc:graphicFrameChg chg="add mod ord modGraphic">
+          <ac:chgData name="Jonathan Devaux" userId="e6bcb7461c737c24" providerId="LiveId" clId="{30E27CBC-32DF-416C-A8B8-2EB07932B687}" dt="2020-10-15T22:19:27.057" v="711" actId="26606"/>
+          <ac:graphicFrameMkLst>
+            <pc:docMk/>
+            <pc:sldMk cId="823297505" sldId="265"/>
+            <ac:graphicFrameMk id="4" creationId="{D52FA03B-08AF-40E2-87FF-1C7DB176F05C}"/>
+          </ac:graphicFrameMkLst>
+        </pc:graphicFrameChg>
+        <pc:picChg chg="add mod">
+          <ac:chgData name="Jonathan Devaux" userId="e6bcb7461c737c24" providerId="LiveId" clId="{30E27CBC-32DF-416C-A8B8-2EB07932B687}" dt="2020-10-15T22:19:27.057" v="711" actId="26606"/>
+          <ac:picMkLst>
+            <pc:docMk/>
+            <pc:sldMk cId="823297505" sldId="265"/>
+            <ac:picMk id="4097" creationId="{8DD0BA9F-A3C5-426C-B19A-52E94B276182}"/>
+          </ac:picMkLst>
+        </pc:picChg>
+      </pc:sldChg>
+      <pc:sldChg chg="addSp delSp modSp new mod">
+        <pc:chgData name="Jonathan Devaux" userId="e6bcb7461c737c24" providerId="LiveId" clId="{30E27CBC-32DF-416C-A8B8-2EB07932B687}" dt="2020-10-15T22:22:48.758" v="764" actId="5793"/>
+        <pc:sldMkLst>
+          <pc:docMk/>
+          <pc:sldMk cId="1923726852" sldId="266"/>
+        </pc:sldMkLst>
+        <pc:spChg chg="mod">
+          <ac:chgData name="Jonathan Devaux" userId="e6bcb7461c737c24" providerId="LiveId" clId="{30E27CBC-32DF-416C-A8B8-2EB07932B687}" dt="2020-10-15T22:22:42.373" v="748" actId="20577"/>
+          <ac:spMkLst>
+            <pc:docMk/>
+            <pc:sldMk cId="1923726852" sldId="266"/>
+            <ac:spMk id="2" creationId="{CD3509EA-C674-422D-9EC3-1E08449BA00E}"/>
+          </ac:spMkLst>
+        </pc:spChg>
+        <pc:spChg chg="mod">
+          <ac:chgData name="Jonathan Devaux" userId="e6bcb7461c737c24" providerId="LiveId" clId="{30E27CBC-32DF-416C-A8B8-2EB07932B687}" dt="2020-10-15T22:22:48.758" v="764" actId="5793"/>
+          <ac:spMkLst>
+            <pc:docMk/>
+            <pc:sldMk cId="1923726852" sldId="266"/>
+            <ac:spMk id="3" creationId="{437E856E-5A73-4046-916C-B7513CD1543E}"/>
+          </ac:spMkLst>
+        </pc:spChg>
+        <pc:spChg chg="add del">
+          <ac:chgData name="Jonathan Devaux" userId="e6bcb7461c737c24" providerId="LiveId" clId="{30E27CBC-32DF-416C-A8B8-2EB07932B687}" dt="2020-10-15T22:22:38.770" v="737" actId="22"/>
+          <ac:spMkLst>
+            <pc:docMk/>
+            <pc:sldMk cId="1923726852" sldId="266"/>
+            <ac:spMk id="5" creationId="{409A23B5-604F-4CD0-AF51-EAB0E6142AF2}"/>
+          </ac:spMkLst>
+        </pc:spChg>
+      </pc:sldChg>
+      <pc:sldChg chg="modSp new mod">
+        <pc:chgData name="Jonathan Devaux" userId="e6bcb7461c737c24" providerId="LiveId" clId="{30E27CBC-32DF-416C-A8B8-2EB07932B687}" dt="2020-10-15T22:23:35.677" v="779"/>
+        <pc:sldMkLst>
+          <pc:docMk/>
+          <pc:sldMk cId="3458708405" sldId="267"/>
+        </pc:sldMkLst>
+        <pc:spChg chg="mod">
+          <ac:chgData name="Jonathan Devaux" userId="e6bcb7461c737c24" providerId="LiveId" clId="{30E27CBC-32DF-416C-A8B8-2EB07932B687}" dt="2020-10-15T22:22:57.619" v="778" actId="20577"/>
+          <ac:spMkLst>
+            <pc:docMk/>
+            <pc:sldMk cId="3458708405" sldId="267"/>
+            <ac:spMk id="2" creationId="{3F53BFCC-9E60-4C59-ADC7-411607538B38}"/>
+          </ac:spMkLst>
+        </pc:spChg>
+        <pc:spChg chg="mod">
+          <ac:chgData name="Jonathan Devaux" userId="e6bcb7461c737c24" providerId="LiveId" clId="{30E27CBC-32DF-416C-A8B8-2EB07932B687}" dt="2020-10-15T22:23:35.677" v="779"/>
+          <ac:spMkLst>
+            <pc:docMk/>
+            <pc:sldMk cId="3458708405" sldId="267"/>
+            <ac:spMk id="3" creationId="{C1E89441-8FBB-4F12-9C92-77D2E3BC5ED1}"/>
+          </ac:spMkLst>
+        </pc:spChg>
+      </pc:sldChg>
+      <pc:sldChg chg="modSp new mod">
+        <pc:chgData name="Jonathan Devaux" userId="e6bcb7461c737c24" providerId="LiveId" clId="{30E27CBC-32DF-416C-A8B8-2EB07932B687}" dt="2020-10-15T22:43:28.967" v="1247" actId="20577"/>
+        <pc:sldMkLst>
+          <pc:docMk/>
+          <pc:sldMk cId="2437309650" sldId="268"/>
+        </pc:sldMkLst>
+        <pc:spChg chg="mod">
+          <ac:chgData name="Jonathan Devaux" userId="e6bcb7461c737c24" providerId="LiveId" clId="{30E27CBC-32DF-416C-A8B8-2EB07932B687}" dt="2020-10-15T22:42:14.537" v="1020" actId="20577"/>
+          <ac:spMkLst>
+            <pc:docMk/>
+            <pc:sldMk cId="2437309650" sldId="268"/>
+            <ac:spMk id="2" creationId="{8F89C02E-58DF-4764-A6AF-16F89966F4BF}"/>
+          </ac:spMkLst>
+        </pc:spChg>
+        <pc:spChg chg="mod">
+          <ac:chgData name="Jonathan Devaux" userId="e6bcb7461c737c24" providerId="LiveId" clId="{30E27CBC-32DF-416C-A8B8-2EB07932B687}" dt="2020-10-15T22:43:28.967" v="1247" actId="20577"/>
+          <ac:spMkLst>
+            <pc:docMk/>
+            <pc:sldMk cId="2437309650" sldId="268"/>
+            <ac:spMk id="3" creationId="{C359CCAD-6F73-4D5C-A28D-6BC5B3535869}"/>
           </ac:spMkLst>
         </pc:spChg>
       </pc:sldChg>
@@ -5826,6 +6312,512 @@
 </p:sld>
 </file>
 
+<file path=ppt/slides/slide10.xml><?xml version="1.0" encoding="utf-8"?>
+<p:sld xmlns:a="http://schemas.openxmlformats.org/drawingml/2006/main" xmlns:r="http://schemas.openxmlformats.org/officeDocument/2006/relationships" xmlns:p="http://schemas.openxmlformats.org/presentationml/2006/main">
+  <p:cSld>
+    <p:spTree>
+      <p:nvGrpSpPr>
+        <p:cNvPr id="1" name=""/>
+        <p:cNvGrpSpPr/>
+        <p:nvPr/>
+      </p:nvGrpSpPr>
+      <p:grpSpPr>
+        <a:xfrm>
+          <a:off x="0" y="0"/>
+          <a:ext cx="0" cy="0"/>
+          <a:chOff x="0" y="0"/>
+          <a:chExt cx="0" cy="0"/>
+        </a:xfrm>
+      </p:grpSpPr>
+      <p:sp>
+        <p:nvSpPr>
+          <p:cNvPr id="2" name="Title 1">
+            <a:extLst>
+              <a:ext uri="{FF2B5EF4-FFF2-40B4-BE49-F238E27FC236}">
+                <a16:creationId xmlns:a16="http://schemas.microsoft.com/office/drawing/2014/main" id="{F95086BE-500D-4654-86BC-3C95962AD1EE}"/>
+              </a:ext>
+            </a:extLst>
+          </p:cNvPr>
+          <p:cNvSpPr>
+            <a:spLocks noGrp="1"/>
+          </p:cNvSpPr>
+          <p:nvPr>
+            <p:ph type="title"/>
+          </p:nvPr>
+        </p:nvSpPr>
+        <p:spPr/>
+        <p:txBody>
+          <a:bodyPr/>
+          <a:lstStyle/>
+          <a:p>
+            <a:r>
+              <a:rPr lang="en-GB" dirty="0"/>
+              <a:t>Decision</a:t>
+            </a:r>
+          </a:p>
+        </p:txBody>
+      </p:sp>
+      <p:sp>
+        <p:nvSpPr>
+          <p:cNvPr id="3" name="Content Placeholder 2">
+            <a:extLst>
+              <a:ext uri="{FF2B5EF4-FFF2-40B4-BE49-F238E27FC236}">
+                <a16:creationId xmlns:a16="http://schemas.microsoft.com/office/drawing/2014/main" id="{7F9DBA84-5577-4B2B-BD6A-CCAC6E01D120}"/>
+              </a:ext>
+            </a:extLst>
+          </p:cNvPr>
+          <p:cNvSpPr>
+            <a:spLocks noGrp="1"/>
+          </p:cNvSpPr>
+          <p:nvPr>
+            <p:ph idx="1"/>
+          </p:nvPr>
+        </p:nvSpPr>
+        <p:spPr>
+          <a:xfrm>
+            <a:off x="1115568" y="2478024"/>
+            <a:ext cx="10168128" cy="2466838"/>
+          </a:xfrm>
+        </p:spPr>
+        <p:txBody>
+          <a:bodyPr/>
+          <a:lstStyle/>
+          <a:p>
+            <a:pPr marL="0" indent="0">
+              <a:buNone/>
+            </a:pPr>
+            <a:r>
+              <a:rPr lang="en-GB" dirty="0"/>
+              <a:t>Choices available:</a:t>
+            </a:r>
+          </a:p>
+          <a:p>
+            <a:pPr marL="514350" indent="-514350">
+              <a:buFont typeface="+mj-lt"/>
+              <a:buAutoNum type="arabicPeriod"/>
+            </a:pPr>
+            <a:r>
+              <a:rPr lang="en-GB" dirty="0"/>
+              <a:t>SDR</a:t>
+            </a:r>
+          </a:p>
+          <a:p>
+            <a:pPr marL="514350" indent="-514350">
+              <a:buFont typeface="+mj-lt"/>
+              <a:buAutoNum type="arabicPeriod"/>
+            </a:pPr>
+            <a:r>
+              <a:rPr lang="en-GB" dirty="0"/>
+              <a:t>Early warning system</a:t>
+            </a:r>
+          </a:p>
+          <a:p>
+            <a:pPr marL="514350" indent="-514350">
+              <a:buFont typeface="+mj-lt"/>
+              <a:buAutoNum type="arabicPeriod"/>
+            </a:pPr>
+            <a:r>
+              <a:rPr lang="en-GB" dirty="0"/>
+              <a:t>GPS spoofing</a:t>
+            </a:r>
+          </a:p>
+        </p:txBody>
+      </p:sp>
+      <p:sp>
+        <p:nvSpPr>
+          <p:cNvPr id="4" name="TextBox 3">
+            <a:extLst>
+              <a:ext uri="{FF2B5EF4-FFF2-40B4-BE49-F238E27FC236}">
+                <a16:creationId xmlns:a16="http://schemas.microsoft.com/office/drawing/2014/main" id="{589C2475-E598-44AF-80DE-493A09EB0AFC}"/>
+              </a:ext>
+            </a:extLst>
+          </p:cNvPr>
+          <p:cNvSpPr txBox="1"/>
+          <p:nvPr/>
+        </p:nvSpPr>
+        <p:spPr>
+          <a:xfrm>
+            <a:off x="7039992" y="3018408"/>
+            <a:ext cx="3107185" cy="1200329"/>
+          </a:xfrm>
+          <a:prstGeom prst="rect">
+            <a:avLst/>
+          </a:prstGeom>
+          <a:noFill/>
+        </p:spPr>
+        <p:txBody>
+          <a:bodyPr wrap="square" rtlCol="0">
+            <a:spAutoFit/>
+          </a:bodyPr>
+          <a:lstStyle/>
+          <a:p>
+            <a:r>
+              <a:rPr lang="en-GB" dirty="0"/>
+              <a:t>At the present time I am stuck between the choosing early warning system and GPS spoofing</a:t>
+            </a:r>
+          </a:p>
+        </p:txBody>
+      </p:sp>
+    </p:spTree>
+    <p:extLst>
+      <p:ext uri="{BB962C8B-B14F-4D97-AF65-F5344CB8AC3E}">
+        <p14:creationId xmlns:p14="http://schemas.microsoft.com/office/powerpoint/2010/main" val="1328004916"/>
+      </p:ext>
+    </p:extLst>
+  </p:cSld>
+  <p:clrMapOvr>
+    <a:masterClrMapping/>
+  </p:clrMapOvr>
+</p:sld>
+</file>
+
+<file path=ppt/slides/slide11.xml><?xml version="1.0" encoding="utf-8"?>
+<p:sld xmlns:a="http://schemas.openxmlformats.org/drawingml/2006/main" xmlns:r="http://schemas.openxmlformats.org/officeDocument/2006/relationships" xmlns:p="http://schemas.openxmlformats.org/presentationml/2006/main">
+  <p:cSld>
+    <p:spTree>
+      <p:nvGrpSpPr>
+        <p:cNvPr id="1" name=""/>
+        <p:cNvGrpSpPr/>
+        <p:nvPr/>
+      </p:nvGrpSpPr>
+      <p:grpSpPr>
+        <a:xfrm>
+          <a:off x="0" y="0"/>
+          <a:ext cx="0" cy="0"/>
+          <a:chOff x="0" y="0"/>
+          <a:chExt cx="0" cy="0"/>
+        </a:xfrm>
+      </p:grpSpPr>
+      <p:sp>
+        <p:nvSpPr>
+          <p:cNvPr id="2" name="Title 1">
+            <a:extLst>
+              <a:ext uri="{FF2B5EF4-FFF2-40B4-BE49-F238E27FC236}">
+                <a16:creationId xmlns:a16="http://schemas.microsoft.com/office/drawing/2014/main" id="{CED81226-F0F2-429D-9767-797A69ABD971}"/>
+              </a:ext>
+            </a:extLst>
+          </p:cNvPr>
+          <p:cNvSpPr>
+            <a:spLocks noGrp="1"/>
+          </p:cNvSpPr>
+          <p:nvPr>
+            <p:ph type="title"/>
+          </p:nvPr>
+        </p:nvSpPr>
+        <p:spPr/>
+        <p:txBody>
+          <a:bodyPr/>
+          <a:lstStyle/>
+          <a:p>
+            <a:r>
+              <a:rPr lang="en-GB" dirty="0"/>
+              <a:t>CAA regulations summary</a:t>
+            </a:r>
+          </a:p>
+        </p:txBody>
+      </p:sp>
+      <p:sp>
+        <p:nvSpPr>
+          <p:cNvPr id="3" name="Content Placeholder 2">
+            <a:extLst>
+              <a:ext uri="{FF2B5EF4-FFF2-40B4-BE49-F238E27FC236}">
+                <a16:creationId xmlns:a16="http://schemas.microsoft.com/office/drawing/2014/main" id="{E7FEEB01-F560-4E89-9D02-4896BE8873FB}"/>
+              </a:ext>
+            </a:extLst>
+          </p:cNvPr>
+          <p:cNvSpPr>
+            <a:spLocks noGrp="1"/>
+          </p:cNvSpPr>
+          <p:nvPr>
+            <p:ph idx="1"/>
+          </p:nvPr>
+        </p:nvSpPr>
+        <p:spPr/>
+        <p:txBody>
+          <a:bodyPr>
+            <a:normAutofit fontScale="77500" lnSpcReduction="20000"/>
+          </a:bodyPr>
+          <a:lstStyle/>
+          <a:p>
+            <a:pPr marL="0" indent="0">
+              <a:lnSpc>
+                <a:spcPct val="107000"/>
+              </a:lnSpc>
+              <a:spcAft>
+                <a:spcPts val="800"/>
+              </a:spcAft>
+              <a:buNone/>
+            </a:pPr>
+            <a:r>
+              <a:rPr lang="en-GB" sz="1800" dirty="0">
+                <a:effectLst/>
+                <a:latin typeface="Calibri" panose="020F0502020204030204" pitchFamily="34" charset="0"/>
+                <a:ea typeface="Calibri" panose="020F0502020204030204" pitchFamily="34" charset="0"/>
+                <a:cs typeface="Times New Roman" panose="02020603050405020304" pitchFamily="18" charset="0"/>
+              </a:rPr>
+              <a:t>Regulations affecting Drones</a:t>
+            </a:r>
+          </a:p>
+          <a:p>
+            <a:pPr>
+              <a:lnSpc>
+                <a:spcPct val="107000"/>
+              </a:lnSpc>
+              <a:spcAft>
+                <a:spcPts val="800"/>
+              </a:spcAft>
+            </a:pPr>
+            <a:r>
+              <a:rPr lang="en-GB" sz="1800" dirty="0">
+                <a:effectLst/>
+                <a:latin typeface="Calibri" panose="020F0502020204030204" pitchFamily="34" charset="0"/>
+                <a:ea typeface="Calibri" panose="020F0502020204030204" pitchFamily="34" charset="0"/>
+                <a:cs typeface="Times New Roman" panose="02020603050405020304" pitchFamily="18" charset="0"/>
+              </a:rPr>
+              <a:t>Article 240 – endangering safety of an aircraft</a:t>
+            </a:r>
+          </a:p>
+          <a:p>
+            <a:pPr>
+              <a:lnSpc>
+                <a:spcPct val="107000"/>
+              </a:lnSpc>
+              <a:spcAft>
+                <a:spcPts val="800"/>
+              </a:spcAft>
+            </a:pPr>
+            <a:r>
+              <a:rPr lang="en-GB" sz="1800" dirty="0">
+                <a:effectLst/>
+                <a:latin typeface="Calibri" panose="020F0502020204030204" pitchFamily="34" charset="0"/>
+                <a:ea typeface="Calibri" panose="020F0502020204030204" pitchFamily="34" charset="0"/>
+                <a:cs typeface="Times New Roman" panose="02020603050405020304" pitchFamily="18" charset="0"/>
+              </a:rPr>
+              <a:t>Article 241 – endangering safety of any person or property</a:t>
+            </a:r>
+          </a:p>
+          <a:p>
+            <a:pPr>
+              <a:lnSpc>
+                <a:spcPct val="107000"/>
+              </a:lnSpc>
+              <a:spcAft>
+                <a:spcPts val="800"/>
+              </a:spcAft>
+            </a:pPr>
+            <a:r>
+              <a:rPr lang="en-GB" sz="1800" dirty="0">
+                <a:effectLst/>
+                <a:latin typeface="Calibri" panose="020F0502020204030204" pitchFamily="34" charset="0"/>
+                <a:ea typeface="Calibri" panose="020F0502020204030204" pitchFamily="34" charset="0"/>
+                <a:cs typeface="Times New Roman" panose="02020603050405020304" pitchFamily="18" charset="0"/>
+              </a:rPr>
+              <a:t>Article 94 – small unmanned aircraft: requirements</a:t>
+            </a:r>
+          </a:p>
+          <a:p>
+            <a:pPr>
+              <a:lnSpc>
+                <a:spcPct val="107000"/>
+              </a:lnSpc>
+              <a:spcAft>
+                <a:spcPts val="800"/>
+              </a:spcAft>
+            </a:pPr>
+            <a:r>
+              <a:rPr lang="en-GB" sz="1800" dirty="0">
+                <a:effectLst/>
+                <a:latin typeface="Calibri" panose="020F0502020204030204" pitchFamily="34" charset="0"/>
+                <a:ea typeface="Calibri" panose="020F0502020204030204" pitchFamily="34" charset="0"/>
+                <a:cs typeface="Times New Roman" panose="02020603050405020304" pitchFamily="18" charset="0"/>
+              </a:rPr>
+              <a:t>Article 94A – small unmanned aircraft; permissions for certain flights</a:t>
+            </a:r>
+          </a:p>
+          <a:p>
+            <a:pPr>
+              <a:lnSpc>
+                <a:spcPct val="107000"/>
+              </a:lnSpc>
+              <a:spcAft>
+                <a:spcPts val="800"/>
+              </a:spcAft>
+            </a:pPr>
+            <a:r>
+              <a:rPr lang="en-GB" sz="1800" dirty="0">
+                <a:effectLst/>
+                <a:latin typeface="Calibri" panose="020F0502020204030204" pitchFamily="34" charset="0"/>
+                <a:ea typeface="Calibri" panose="020F0502020204030204" pitchFamily="34" charset="0"/>
+                <a:cs typeface="Times New Roman" panose="02020603050405020304" pitchFamily="18" charset="0"/>
+              </a:rPr>
+              <a:t>Article 94B – small unmanned aircraft: Interpretation of expressions use in the definition of “flight restriction zone”</a:t>
+            </a:r>
+          </a:p>
+          <a:p>
+            <a:pPr>
+              <a:lnSpc>
+                <a:spcPct val="107000"/>
+              </a:lnSpc>
+              <a:spcAft>
+                <a:spcPts val="800"/>
+              </a:spcAft>
+            </a:pPr>
+            <a:r>
+              <a:rPr lang="en-GB" sz="1800" dirty="0">
+                <a:effectLst/>
+                <a:latin typeface="Calibri" panose="020F0502020204030204" pitchFamily="34" charset="0"/>
+                <a:ea typeface="Calibri" panose="020F0502020204030204" pitchFamily="34" charset="0"/>
+                <a:cs typeface="Times New Roman" panose="02020603050405020304" pitchFamily="18" charset="0"/>
+              </a:rPr>
+              <a:t>Article 95 – small unmanned surveillance aircraft</a:t>
+            </a:r>
+          </a:p>
+          <a:p>
+            <a:pPr>
+              <a:lnSpc>
+                <a:spcPct val="107000"/>
+              </a:lnSpc>
+              <a:spcAft>
+                <a:spcPts val="800"/>
+              </a:spcAft>
+            </a:pPr>
+            <a:endParaRPr lang="en-GB" sz="1800" dirty="0">
+              <a:effectLst/>
+              <a:latin typeface="Calibri" panose="020F0502020204030204" pitchFamily="34" charset="0"/>
+              <a:ea typeface="Calibri" panose="020F0502020204030204" pitchFamily="34" charset="0"/>
+              <a:cs typeface="Times New Roman" panose="02020603050405020304" pitchFamily="18" charset="0"/>
+            </a:endParaRPr>
+          </a:p>
+          <a:p>
+            <a:pPr marL="0" indent="0">
+              <a:lnSpc>
+                <a:spcPct val="107000"/>
+              </a:lnSpc>
+              <a:spcAft>
+                <a:spcPts val="800"/>
+              </a:spcAft>
+              <a:buNone/>
+            </a:pPr>
+            <a:r>
+              <a:rPr lang="en-GB" sz="1800" dirty="0">
+                <a:effectLst/>
+                <a:latin typeface="Calibri" panose="020F0502020204030204" pitchFamily="34" charset="0"/>
+                <a:ea typeface="Calibri" panose="020F0502020204030204" pitchFamily="34" charset="0"/>
+                <a:cs typeface="Times New Roman" panose="02020603050405020304" pitchFamily="18" charset="0"/>
+              </a:rPr>
+              <a:t>In Article 94A there is a height limitation of 400ft for flying drones.</a:t>
+            </a:r>
+          </a:p>
+          <a:p>
+            <a:endParaRPr lang="en-GB" dirty="0"/>
+          </a:p>
+        </p:txBody>
+      </p:sp>
+    </p:spTree>
+    <p:extLst>
+      <p:ext uri="{BB962C8B-B14F-4D97-AF65-F5344CB8AC3E}">
+        <p14:creationId xmlns:p14="http://schemas.microsoft.com/office/powerpoint/2010/main" val="1645095059"/>
+      </p:ext>
+    </p:extLst>
+  </p:cSld>
+  <p:clrMapOvr>
+    <a:masterClrMapping/>
+  </p:clrMapOvr>
+</p:sld>
+</file>
+
+<file path=ppt/slides/slide12.xml><?xml version="1.0" encoding="utf-8"?>
+<p:sld xmlns:a="http://schemas.openxmlformats.org/drawingml/2006/main" xmlns:r="http://schemas.openxmlformats.org/officeDocument/2006/relationships" xmlns:p="http://schemas.openxmlformats.org/presentationml/2006/main">
+  <p:cSld>
+    <p:spTree>
+      <p:nvGrpSpPr>
+        <p:cNvPr id="1" name=""/>
+        <p:cNvGrpSpPr/>
+        <p:nvPr/>
+      </p:nvGrpSpPr>
+      <p:grpSpPr>
+        <a:xfrm>
+          <a:off x="0" y="0"/>
+          <a:ext cx="0" cy="0"/>
+          <a:chOff x="0" y="0"/>
+          <a:chExt cx="0" cy="0"/>
+        </a:xfrm>
+      </p:grpSpPr>
+      <p:sp>
+        <p:nvSpPr>
+          <p:cNvPr id="2" name="Title 1">
+            <a:extLst>
+              <a:ext uri="{FF2B5EF4-FFF2-40B4-BE49-F238E27FC236}">
+                <a16:creationId xmlns:a16="http://schemas.microsoft.com/office/drawing/2014/main" id="{8F89C02E-58DF-4764-A6AF-16F89966F4BF}"/>
+              </a:ext>
+            </a:extLst>
+          </p:cNvPr>
+          <p:cNvSpPr>
+            <a:spLocks noGrp="1"/>
+          </p:cNvSpPr>
+          <p:nvPr>
+            <p:ph type="title"/>
+          </p:nvPr>
+        </p:nvSpPr>
+        <p:spPr/>
+        <p:txBody>
+          <a:bodyPr/>
+          <a:lstStyle/>
+          <a:p>
+            <a:r>
+              <a:rPr lang="en-GB" dirty="0"/>
+              <a:t>Other research conducted</a:t>
+            </a:r>
+          </a:p>
+        </p:txBody>
+      </p:sp>
+      <p:sp>
+        <p:nvSpPr>
+          <p:cNvPr id="3" name="Content Placeholder 2">
+            <a:extLst>
+              <a:ext uri="{FF2B5EF4-FFF2-40B4-BE49-F238E27FC236}">
+                <a16:creationId xmlns:a16="http://schemas.microsoft.com/office/drawing/2014/main" id="{C359CCAD-6F73-4D5C-A28D-6BC5B3535869}"/>
+              </a:ext>
+            </a:extLst>
+          </p:cNvPr>
+          <p:cNvSpPr>
+            <a:spLocks noGrp="1"/>
+          </p:cNvSpPr>
+          <p:nvPr>
+            <p:ph idx="1"/>
+          </p:nvPr>
+        </p:nvSpPr>
+        <p:spPr/>
+        <p:txBody>
+          <a:bodyPr/>
+          <a:lstStyle/>
+          <a:p>
+            <a:r>
+              <a:rPr lang="en-GB" dirty="0"/>
+              <a:t>GPS spoofing this was done through watching YouTube videos and article research</a:t>
+            </a:r>
+          </a:p>
+          <a:p>
+            <a:r>
+              <a:rPr lang="en-GB" dirty="0"/>
+              <a:t>Software defined radio (SDR) was through online articles and websites as well YouTube for examples of practical uses</a:t>
+            </a:r>
+          </a:p>
+        </p:txBody>
+      </p:sp>
+    </p:spTree>
+    <p:extLst>
+      <p:ext uri="{BB962C8B-B14F-4D97-AF65-F5344CB8AC3E}">
+        <p14:creationId xmlns:p14="http://schemas.microsoft.com/office/powerpoint/2010/main" val="2437309650"/>
+      </p:ext>
+    </p:extLst>
+  </p:cSld>
+  <p:clrMapOvr>
+    <a:masterClrMapping/>
+  </p:clrMapOvr>
+</p:sld>
+</file>
+
 <file path=ppt/slides/slide2.xml><?xml version="1.0" encoding="utf-8"?>
 <p:sld xmlns:a="http://schemas.openxmlformats.org/drawingml/2006/main" xmlns:r="http://schemas.openxmlformats.org/officeDocument/2006/relationships" xmlns:p="http://schemas.openxmlformats.org/presentationml/2006/main">
   <p:cSld>
@@ -5896,12 +6888,14 @@
         </p:nvSpPr>
         <p:spPr>
           <a:xfrm>
-            <a:off x="576072" y="2263806"/>
-            <a:ext cx="11036808" cy="2219417"/>
+            <a:off x="576072" y="2237173"/>
+            <a:ext cx="11089186" cy="3266982"/>
           </a:xfrm>
         </p:spPr>
         <p:txBody>
-          <a:bodyPr/>
+          <a:bodyPr>
+            <a:normAutofit fontScale="70000" lnSpcReduction="20000"/>
+          </a:bodyPr>
           <a:lstStyle/>
           <a:p>
             <a:pPr marL="457200" indent="-457200">
@@ -5910,7 +6904,7 @@
             </a:pPr>
             <a:r>
               <a:rPr lang="en-GB" dirty="0"/>
-              <a:t>Complete research on early warning systems</a:t>
+              <a:t>Types of Drones</a:t>
             </a:r>
           </a:p>
           <a:p>
@@ -5920,7 +6914,7 @@
             </a:pPr>
             <a:r>
               <a:rPr lang="en-GB" dirty="0"/>
-              <a:t>Make a start on the abstract</a:t>
+              <a:t>Ethical &amp; Unethical use</a:t>
             </a:r>
           </a:p>
           <a:p>
@@ -5930,7 +6924,57 @@
             </a:pPr>
             <a:r>
               <a:rPr lang="en-GB" dirty="0"/>
-              <a:t>Upload to both CSEE Jira &amp; Gitlab</a:t>
+              <a:t>Research on early warning systems</a:t>
+            </a:r>
+          </a:p>
+          <a:p>
+            <a:pPr marL="457200" indent="-457200">
+              <a:buFont typeface="Arial" panose="020B0604020202020204" pitchFamily="34" charset="0"/>
+              <a:buChar char="•"/>
+            </a:pPr>
+            <a:r>
+              <a:rPr lang="en-GB" dirty="0"/>
+              <a:t>Make a start on the abstract</a:t>
+            </a:r>
+          </a:p>
+          <a:p>
+            <a:pPr marL="457200" indent="-457200">
+              <a:buFont typeface="Arial" panose="020B0604020202020204" pitchFamily="34" charset="0"/>
+              <a:buChar char="•"/>
+            </a:pPr>
+            <a:r>
+              <a:rPr lang="en-GB" dirty="0"/>
+              <a:t>Decision on path I will choose</a:t>
+            </a:r>
+          </a:p>
+          <a:p>
+            <a:pPr marL="457200" indent="-457200">
+              <a:buFont typeface="Arial" panose="020B0604020202020204" pitchFamily="34" charset="0"/>
+              <a:buChar char="•"/>
+            </a:pPr>
+            <a:r>
+              <a:rPr lang="en-GB" dirty="0"/>
+              <a:t>CAA regulations</a:t>
+            </a:r>
+          </a:p>
+          <a:p>
+            <a:pPr marL="457200" indent="-457200">
+              <a:buFont typeface="Arial" panose="020B0604020202020204" pitchFamily="34" charset="0"/>
+              <a:buChar char="•"/>
+            </a:pPr>
+            <a:r>
+              <a:rPr lang="en-GB" dirty="0"/>
+              <a:t>Other research conducted</a:t>
+            </a:r>
+          </a:p>
+          <a:p>
+            <a:pPr marL="457200" indent="-457200">
+              <a:buFont typeface="Arial" panose="020B0604020202020204" pitchFamily="34" charset="0"/>
+              <a:buChar char="•"/>
+            </a:pPr>
+            <a:r>
+              <a:rPr lang="en-GB" dirty="0"/>
+              <a:t>Upload challenge week deliverables to both CSEE Jira &amp; Gitlab</a:t>
             </a:r>
           </a:p>
         </p:txBody>
@@ -5939,6 +6983,3919 @@
     <p:extLst>
       <p:ext uri="{BB962C8B-B14F-4D97-AF65-F5344CB8AC3E}">
         <p14:creationId xmlns:p14="http://schemas.microsoft.com/office/powerpoint/2010/main" val="3325855671"/>
+      </p:ext>
+    </p:extLst>
+  </p:cSld>
+  <p:clrMapOvr>
+    <a:masterClrMapping/>
+  </p:clrMapOvr>
+</p:sld>
+</file>
+
+<file path=ppt/slides/slide3.xml><?xml version="1.0" encoding="utf-8"?>
+<p:sld xmlns:a="http://schemas.openxmlformats.org/drawingml/2006/main" xmlns:r="http://schemas.openxmlformats.org/officeDocument/2006/relationships" xmlns:p="http://schemas.openxmlformats.org/presentationml/2006/main">
+  <p:cSld>
+    <p:bg>
+      <p:bgPr>
+        <a:solidFill>
+          <a:schemeClr val="bg1"/>
+        </a:solidFill>
+        <a:effectLst/>
+      </p:bgPr>
+    </p:bg>
+    <p:spTree>
+      <p:nvGrpSpPr>
+        <p:cNvPr id="1" name=""/>
+        <p:cNvGrpSpPr/>
+        <p:nvPr/>
+      </p:nvGrpSpPr>
+      <p:grpSpPr>
+        <a:xfrm>
+          <a:off x="0" y="0"/>
+          <a:ext cx="0" cy="0"/>
+          <a:chOff x="0" y="0"/>
+          <a:chExt cx="0" cy="0"/>
+        </a:xfrm>
+      </p:grpSpPr>
+      <p:sp useBgFill="1">
+        <p:nvSpPr>
+          <p:cNvPr id="70" name="Rectangle 69">
+            <a:extLst>
+              <a:ext uri="{FF2B5EF4-FFF2-40B4-BE49-F238E27FC236}">
+                <a16:creationId xmlns:a16="http://schemas.microsoft.com/office/drawing/2014/main" id="{385E1BDC-A9B0-4A87-82E3-F3187F69A802}"/>
+              </a:ext>
+              <a:ext uri="{C183D7F6-B498-43B3-948B-1728B52AA6E4}">
+                <adec:decorative xmlns:adec="http://schemas.microsoft.com/office/drawing/2017/decorative" val="1"/>
+              </a:ext>
+            </a:extLst>
+          </p:cNvPr>
+          <p:cNvSpPr>
+            <a:spLocks noGrp="1" noRot="1" noChangeAspect="1" noMove="1" noResize="1" noEditPoints="1" noAdjustHandles="1" noChangeArrowheads="1" noChangeShapeType="1" noTextEdit="1"/>
+          </p:cNvSpPr>
+          <p:nvPr>
+            <p:extLst>
+              <p:ext uri="{386F3935-93C4-4BCD-93E2-E3B085C9AB24}">
+                <p16:designElem xmlns:p16="http://schemas.microsoft.com/office/powerpoint/2015/main" val="1"/>
+              </p:ext>
+            </p:extLst>
+          </p:nvPr>
+        </p:nvSpPr>
+        <p:spPr>
+          <a:xfrm>
+            <a:off x="0" y="0"/>
+            <a:ext cx="12192000" cy="6858000"/>
+          </a:xfrm>
+          <a:prstGeom prst="rect">
+            <a:avLst/>
+          </a:prstGeom>
+          <a:ln>
+            <a:noFill/>
+          </a:ln>
+        </p:spPr>
+        <p:style>
+          <a:lnRef idx="2">
+            <a:schemeClr val="accent1">
+              <a:shade val="50000"/>
+            </a:schemeClr>
+          </a:lnRef>
+          <a:fillRef idx="1">
+            <a:schemeClr val="accent1"/>
+          </a:fillRef>
+          <a:effectRef idx="0">
+            <a:schemeClr val="accent1"/>
+          </a:effectRef>
+          <a:fontRef idx="minor">
+            <a:schemeClr val="lt1"/>
+          </a:fontRef>
+        </p:style>
+        <p:txBody>
+          <a:bodyPr rtlCol="0" anchor="ctr"/>
+          <a:lstStyle/>
+          <a:p>
+            <a:pPr algn="ctr"/>
+            <a:endParaRPr lang="en-US"/>
+          </a:p>
+        </p:txBody>
+      </p:sp>
+      <p:sp useBgFill="1">
+        <p:nvSpPr>
+          <p:cNvPr id="72" name="Rectangle 71">
+            <a:extLst>
+              <a:ext uri="{FF2B5EF4-FFF2-40B4-BE49-F238E27FC236}">
+                <a16:creationId xmlns:a16="http://schemas.microsoft.com/office/drawing/2014/main" id="{0990C621-3B8B-4820-8328-D47EF7CE823C}"/>
+              </a:ext>
+              <a:ext uri="{C183D7F6-B498-43B3-948B-1728B52AA6E4}">
+                <adec:decorative xmlns:adec="http://schemas.microsoft.com/office/drawing/2017/decorative" val="1"/>
+              </a:ext>
+            </a:extLst>
+          </p:cNvPr>
+          <p:cNvSpPr>
+            <a:spLocks noGrp="1" noRot="1" noChangeAspect="1" noMove="1" noResize="1" noEditPoints="1" noAdjustHandles="1" noChangeArrowheads="1" noChangeShapeType="1" noTextEdit="1"/>
+          </p:cNvSpPr>
+          <p:nvPr>
+            <p:extLst>
+              <p:ext uri="{386F3935-93C4-4BCD-93E2-E3B085C9AB24}">
+                <p16:designElem xmlns:p16="http://schemas.microsoft.com/office/powerpoint/2015/main" val="1"/>
+              </p:ext>
+            </p:extLst>
+          </p:nvPr>
+        </p:nvSpPr>
+        <p:spPr>
+          <a:xfrm>
+            <a:off x="554416" y="365125"/>
+            <a:ext cx="11167447" cy="2089317"/>
+          </a:xfrm>
+          <a:prstGeom prst="rect">
+            <a:avLst/>
+          </a:prstGeom>
+          <a:ln w="12700">
+            <a:solidFill>
+              <a:schemeClr val="tx2">
+                <a:lumMod val="10000"/>
+                <a:lumOff val="90000"/>
+              </a:schemeClr>
+            </a:solidFill>
+          </a:ln>
+          <a:effectLst>
+            <a:outerShdw blurRad="50800" dist="38100" dir="2700000" algn="tl" rotWithShape="0">
+              <a:schemeClr val="bg2">
+                <a:lumMod val="85000"/>
+                <a:alpha val="30000"/>
+              </a:schemeClr>
+            </a:outerShdw>
+          </a:effectLst>
+        </p:spPr>
+        <p:style>
+          <a:lnRef idx="2">
+            <a:schemeClr val="accent1">
+              <a:shade val="50000"/>
+            </a:schemeClr>
+          </a:lnRef>
+          <a:fillRef idx="1">
+            <a:schemeClr val="accent1"/>
+          </a:fillRef>
+          <a:effectRef idx="0">
+            <a:schemeClr val="accent1"/>
+          </a:effectRef>
+          <a:fontRef idx="minor">
+            <a:schemeClr val="lt1"/>
+          </a:fontRef>
+        </p:style>
+        <p:txBody>
+          <a:bodyPr rtlCol="0" anchor="ctr"/>
+          <a:lstStyle/>
+          <a:p>
+            <a:pPr marL="0" marR="0" lvl="0" indent="0" algn="ctr" defTabSz="914400" rtl="0" eaLnBrk="1" fontAlgn="auto" latinLnBrk="0" hangingPunct="1">
+              <a:lnSpc>
+                <a:spcPct val="100000"/>
+              </a:lnSpc>
+              <a:spcBef>
+                <a:spcPts val="0"/>
+              </a:spcBef>
+              <a:spcAft>
+                <a:spcPts val="0"/>
+              </a:spcAft>
+              <a:buClrTx/>
+              <a:buSzTx/>
+              <a:buFontTx/>
+              <a:buNone/>
+              <a:tabLst/>
+              <a:defRPr/>
+            </a:pPr>
+            <a:endParaRPr kumimoji="0" lang="en-US" sz="1800" b="0" i="0" u="none" strike="noStrike" kern="1200" cap="none" spc="0" normalizeH="0" baseline="0" noProof="0">
+              <a:ln>
+                <a:noFill/>
+              </a:ln>
+              <a:solidFill>
+                <a:prstClr val="white"/>
+              </a:solidFill>
+              <a:effectLst/>
+              <a:uLnTx/>
+              <a:uFillTx/>
+              <a:latin typeface="Calibri" panose="020F0502020204030204"/>
+              <a:ea typeface="+mn-ea"/>
+              <a:cs typeface="+mn-cs"/>
+            </a:endParaRPr>
+          </a:p>
+        </p:txBody>
+      </p:sp>
+      <p:sp>
+        <p:nvSpPr>
+          <p:cNvPr id="2" name="Title 1">
+            <a:extLst>
+              <a:ext uri="{FF2B5EF4-FFF2-40B4-BE49-F238E27FC236}">
+                <a16:creationId xmlns:a16="http://schemas.microsoft.com/office/drawing/2014/main" id="{3006665D-5666-455C-9400-EE9FAAA94730}"/>
+              </a:ext>
+            </a:extLst>
+          </p:cNvPr>
+          <p:cNvSpPr>
+            <a:spLocks noGrp="1"/>
+          </p:cNvSpPr>
+          <p:nvPr>
+            <p:ph type="title"/>
+          </p:nvPr>
+        </p:nvSpPr>
+        <p:spPr>
+          <a:xfrm>
+            <a:off x="1051560" y="586822"/>
+            <a:ext cx="3538728" cy="1645920"/>
+          </a:xfrm>
+        </p:spPr>
+        <p:txBody>
+          <a:bodyPr vert="horz" lIns="91440" tIns="45720" rIns="91440" bIns="45720" rtlCol="0" anchor="ctr">
+            <a:normAutofit/>
+          </a:bodyPr>
+          <a:lstStyle/>
+          <a:p>
+            <a:r>
+              <a:rPr lang="en-US" sz="3200"/>
+              <a:t>Types of Drones</a:t>
+            </a:r>
+          </a:p>
+        </p:txBody>
+      </p:sp>
+      <p:sp>
+        <p:nvSpPr>
+          <p:cNvPr id="74" name="Rectangle 73">
+            <a:extLst>
+              <a:ext uri="{FF2B5EF4-FFF2-40B4-BE49-F238E27FC236}">
+                <a16:creationId xmlns:a16="http://schemas.microsoft.com/office/drawing/2014/main" id="{C1A2385B-1D2A-4E17-84FA-6CB7F0AAE473}"/>
+              </a:ext>
+              <a:ext uri="{C183D7F6-B498-43B3-948B-1728B52AA6E4}">
+                <adec:decorative xmlns:adec="http://schemas.microsoft.com/office/drawing/2017/decorative" val="1"/>
+              </a:ext>
+            </a:extLst>
+          </p:cNvPr>
+          <p:cNvSpPr>
+            <a:spLocks noGrp="1" noRot="1" noChangeAspect="1" noMove="1" noResize="1" noEditPoints="1" noAdjustHandles="1" noChangeArrowheads="1" noChangeShapeType="1" noTextEdit="1"/>
+          </p:cNvSpPr>
+          <p:nvPr>
+            <p:extLst>
+              <p:ext uri="{386F3935-93C4-4BCD-93E2-E3B085C9AB24}">
+                <p16:designElem xmlns:p16="http://schemas.microsoft.com/office/powerpoint/2015/main" val="1"/>
+              </p:ext>
+            </p:extLst>
+          </p:nvPr>
+        </p:nvSpPr>
+        <p:spPr>
+          <a:xfrm>
+            <a:off x="490408" y="1057739"/>
+            <a:ext cx="128016" cy="704088"/>
+          </a:xfrm>
+          <a:prstGeom prst="rect">
+            <a:avLst/>
+          </a:prstGeom>
+          <a:solidFill>
+            <a:schemeClr val="accent1"/>
+          </a:solidFill>
+          <a:ln>
+            <a:noFill/>
+          </a:ln>
+        </p:spPr>
+        <p:style>
+          <a:lnRef idx="2">
+            <a:schemeClr val="accent1">
+              <a:shade val="50000"/>
+            </a:schemeClr>
+          </a:lnRef>
+          <a:fillRef idx="1">
+            <a:schemeClr val="accent1"/>
+          </a:fillRef>
+          <a:effectRef idx="0">
+            <a:schemeClr val="accent1"/>
+          </a:effectRef>
+          <a:fontRef idx="minor">
+            <a:schemeClr val="lt1"/>
+          </a:fontRef>
+        </p:style>
+        <p:txBody>
+          <a:bodyPr rtlCol="0" anchor="ctr"/>
+          <a:lstStyle/>
+          <a:p>
+            <a:pPr marL="0" marR="0" lvl="0" indent="0" algn="ctr" defTabSz="914400" rtl="0" eaLnBrk="1" fontAlgn="auto" latinLnBrk="0" hangingPunct="1">
+              <a:lnSpc>
+                <a:spcPct val="100000"/>
+              </a:lnSpc>
+              <a:spcBef>
+                <a:spcPts val="0"/>
+              </a:spcBef>
+              <a:spcAft>
+                <a:spcPts val="0"/>
+              </a:spcAft>
+              <a:buClrTx/>
+              <a:buSzTx/>
+              <a:buFontTx/>
+              <a:buNone/>
+              <a:tabLst/>
+              <a:defRPr/>
+            </a:pPr>
+            <a:endParaRPr kumimoji="0" lang="en-US" sz="1800" b="0" i="0" u="none" strike="noStrike" kern="1200" cap="none" spc="0" normalizeH="0" baseline="0" noProof="0" dirty="0">
+              <a:ln>
+                <a:noFill/>
+              </a:ln>
+              <a:solidFill>
+                <a:prstClr val="white"/>
+              </a:solidFill>
+              <a:effectLst/>
+              <a:uLnTx/>
+              <a:uFillTx/>
+              <a:latin typeface="Calibri" panose="020F0502020204030204"/>
+              <a:ea typeface="+mn-ea"/>
+              <a:cs typeface="+mn-cs"/>
+            </a:endParaRPr>
+          </a:p>
+        </p:txBody>
+      </p:sp>
+      <p:sp>
+        <p:nvSpPr>
+          <p:cNvPr id="76" name="Rectangle 75">
+            <a:extLst>
+              <a:ext uri="{FF2B5EF4-FFF2-40B4-BE49-F238E27FC236}">
+                <a16:creationId xmlns:a16="http://schemas.microsoft.com/office/drawing/2014/main" id="{5E791F2F-79DB-4CC0-9FA1-001E3E91E8B7}"/>
+              </a:ext>
+              <a:ext uri="{C183D7F6-B498-43B3-948B-1728B52AA6E4}">
+                <adec:decorative xmlns:adec="http://schemas.microsoft.com/office/drawing/2017/decorative" val="1"/>
+              </a:ext>
+            </a:extLst>
+          </p:cNvPr>
+          <p:cNvSpPr>
+            <a:spLocks noGrp="1" noRot="1" noChangeAspect="1" noMove="1" noResize="1" noEditPoints="1" noAdjustHandles="1" noChangeArrowheads="1" noChangeShapeType="1" noTextEdit="1"/>
+          </p:cNvSpPr>
+          <p:nvPr>
+            <p:extLst>
+              <p:ext uri="{386F3935-93C4-4BCD-93E2-E3B085C9AB24}">
+                <p16:designElem xmlns:p16="http://schemas.microsoft.com/office/powerpoint/2015/main" val="1"/>
+              </p:ext>
+            </p:extLst>
+          </p:nvPr>
+        </p:nvSpPr>
+        <p:spPr>
+          <a:xfrm rot="5400000">
+            <a:off x="4248113" y="1405210"/>
+            <a:ext cx="1463040" cy="9144"/>
+          </a:xfrm>
+          <a:prstGeom prst="rect">
+            <a:avLst/>
+          </a:prstGeom>
+          <a:solidFill>
+            <a:schemeClr val="tx2">
+              <a:lumMod val="25000"/>
+              <a:lumOff val="75000"/>
+            </a:schemeClr>
+          </a:solidFill>
+          <a:ln w="3175">
+            <a:noFill/>
+          </a:ln>
+          <a:effectLst/>
+        </p:spPr>
+        <p:style>
+          <a:lnRef idx="2">
+            <a:schemeClr val="accent1">
+              <a:shade val="50000"/>
+            </a:schemeClr>
+          </a:lnRef>
+          <a:fillRef idx="1">
+            <a:schemeClr val="accent1"/>
+          </a:fillRef>
+          <a:effectRef idx="0">
+            <a:schemeClr val="accent1"/>
+          </a:effectRef>
+          <a:fontRef idx="minor">
+            <a:schemeClr val="lt1"/>
+          </a:fontRef>
+        </p:style>
+        <p:txBody>
+          <a:bodyPr rtlCol="0" anchor="ctr"/>
+          <a:lstStyle/>
+          <a:p>
+            <a:pPr marL="0" marR="0" lvl="0" indent="0" algn="ctr" defTabSz="914400" rtl="0" eaLnBrk="1" fontAlgn="auto" latinLnBrk="0" hangingPunct="1">
+              <a:lnSpc>
+                <a:spcPct val="100000"/>
+              </a:lnSpc>
+              <a:spcBef>
+                <a:spcPts val="0"/>
+              </a:spcBef>
+              <a:spcAft>
+                <a:spcPts val="0"/>
+              </a:spcAft>
+              <a:buClrTx/>
+              <a:buSzTx/>
+              <a:buFontTx/>
+              <a:buNone/>
+              <a:tabLst/>
+              <a:defRPr/>
+            </a:pPr>
+            <a:endParaRPr kumimoji="0" lang="en-US" sz="1800" b="0" i="0" u="none" strike="noStrike" kern="1200" cap="none" spc="0" normalizeH="0" baseline="0" noProof="0">
+              <a:ln>
+                <a:noFill/>
+              </a:ln>
+              <a:solidFill>
+                <a:prstClr val="white"/>
+              </a:solidFill>
+              <a:effectLst/>
+              <a:uLnTx/>
+              <a:uFillTx/>
+              <a:latin typeface="Calibri" panose="020F0502020204030204"/>
+              <a:ea typeface="+mn-ea"/>
+              <a:cs typeface="+mn-cs"/>
+            </a:endParaRPr>
+          </a:p>
+        </p:txBody>
+      </p:sp>
+      <p:sp>
+        <p:nvSpPr>
+          <p:cNvPr id="5" name="Rectangle 2">
+            <a:extLst>
+              <a:ext uri="{FF2B5EF4-FFF2-40B4-BE49-F238E27FC236}">
+                <a16:creationId xmlns:a16="http://schemas.microsoft.com/office/drawing/2014/main" id="{1C20DF50-4782-410C-8BD0-40AEC8A72B75}"/>
+              </a:ext>
+            </a:extLst>
+          </p:cNvPr>
+          <p:cNvSpPr>
+            <a:spLocks noChangeArrowheads="1"/>
+          </p:cNvSpPr>
+          <p:nvPr/>
+        </p:nvSpPr>
+        <p:spPr bwMode="auto">
+          <a:xfrm>
+            <a:off x="5055711" y="678262"/>
+            <a:ext cx="6281184" cy="988613"/>
+          </a:xfrm>
+          <a:prstGeom prst="rect">
+            <a:avLst/>
+          </a:prstGeom>
+          <a:extLst>
+            <a:ext uri="{909E8E84-426E-40DD-AFC4-6F175D3DCCD1}">
+              <a14:hiddenFill xmlns:a14="http://schemas.microsoft.com/office/drawing/2010/main">
+                <a:solidFill>
+                  <a:schemeClr val="accent1"/>
+                </a:solidFill>
+              </a14:hiddenFill>
+            </a:ext>
+            <a:ext uri="{91240B29-F687-4F45-9708-019B960494DF}">
+              <a14:hiddenLine xmlns:a14="http://schemas.microsoft.com/office/drawing/2010/main" w="9525">
+                <a:solidFill>
+                  <a:schemeClr val="tx1"/>
+                </a:solidFill>
+                <a:miter lim="800000"/>
+                <a:headEnd/>
+                <a:tailEnd/>
+              </a14:hiddenLine>
+            </a:ext>
+            <a:ext uri="{AF507438-7753-43E0-B8FC-AC1667EBCBE1}">
+              <a14:hiddenEffects xmlns:a14="http://schemas.microsoft.com/office/drawing/2010/main">
+                <a:effectLst>
+                  <a:outerShdw dist="35921" dir="2700000" algn="ctr" rotWithShape="0">
+                    <a:schemeClr val="bg2"/>
+                  </a:outerShdw>
+                </a:effectLst>
+              </a14:hiddenEffects>
+            </a:ext>
+          </a:extLst>
+        </p:spPr>
+        <p:txBody>
+          <a:bodyPr vert="horz" lIns="91440" tIns="45720" rIns="91440" bIns="45720" numCol="1" rtlCol="0" anchor="ctr" anchorCtr="0" compatLnSpc="1">
+            <a:prstTxWarp prst="textNoShape">
+              <a:avLst/>
+            </a:prstTxWarp>
+            <a:normAutofit/>
+          </a:bodyPr>
+          <a:lstStyle/>
+          <a:p>
+            <a:pPr marL="0" marR="0" lvl="0" indent="-228600" fontAlgn="base">
+              <a:lnSpc>
+                <a:spcPct val="110000"/>
+              </a:lnSpc>
+              <a:spcBef>
+                <a:spcPct val="0"/>
+              </a:spcBef>
+              <a:spcAft>
+                <a:spcPts val="600"/>
+              </a:spcAft>
+              <a:buClrTx/>
+              <a:buSzTx/>
+              <a:buFont typeface="Arial" panose="020B0604020202020204" pitchFamily="34" charset="0"/>
+              <a:buChar char="•"/>
+              <a:tabLst/>
+            </a:pPr>
+            <a:r>
+              <a:rPr kumimoji="0" lang="en-US" altLang="en-US" b="0" i="0" u="sng" strike="noStrike" cap="none" normalizeH="0" baseline="0" dirty="0">
+                <a:ln>
+                  <a:noFill/>
+                </a:ln>
+                <a:effectLst/>
+              </a:rPr>
+              <a:t>M</a:t>
+            </a:r>
+            <a:r>
+              <a:rPr kumimoji="0" lang="en-US" altLang="en-US" b="0" i="0" u="sng" strike="noStrike" cap="none" normalizeH="0" baseline="0" dirty="0" bmk="">
+                <a:ln>
+                  <a:noFill/>
+                </a:ln>
+                <a:effectLst/>
+              </a:rPr>
+              <a:t>ulti-rotor drones</a:t>
+            </a:r>
+            <a:endParaRPr kumimoji="0" lang="en-US" altLang="en-US" b="0" i="0" u="none" strike="noStrike" cap="none" normalizeH="0" baseline="0" dirty="0">
+              <a:ln>
+                <a:noFill/>
+              </a:ln>
+              <a:effectLst/>
+            </a:endParaRPr>
+          </a:p>
+          <a:p>
+            <a:pPr marL="0" marR="0" lvl="0" indent="-228600" fontAlgn="base">
+              <a:lnSpc>
+                <a:spcPct val="110000"/>
+              </a:lnSpc>
+              <a:spcBef>
+                <a:spcPct val="0"/>
+              </a:spcBef>
+              <a:spcAft>
+                <a:spcPts val="600"/>
+              </a:spcAft>
+              <a:buClrTx/>
+              <a:buSzTx/>
+              <a:buFont typeface="Arial" panose="020B0604020202020204" pitchFamily="34" charset="0"/>
+              <a:buChar char="•"/>
+              <a:tabLst/>
+            </a:pPr>
+            <a:endParaRPr kumimoji="0" lang="en-US" altLang="en-US" b="0" i="0" u="none" strike="noStrike" cap="none" normalizeH="0" baseline="0" dirty="0">
+              <a:ln>
+                <a:noFill/>
+              </a:ln>
+              <a:effectLst/>
+            </a:endParaRPr>
+          </a:p>
+        </p:txBody>
+      </p:sp>
+      <p:pic>
+        <p:nvPicPr>
+          <p:cNvPr id="2049" name="Picture 1" descr="multi rotor drones">
+            <a:extLst>
+              <a:ext uri="{FF2B5EF4-FFF2-40B4-BE49-F238E27FC236}">
+                <a16:creationId xmlns:a16="http://schemas.microsoft.com/office/drawing/2014/main" id="{8D509770-7AF3-4064-B3E6-3A15F470BC1E}"/>
+              </a:ext>
+            </a:extLst>
+          </p:cNvPr>
+          <p:cNvPicPr>
+            <a:picLocks noChangeAspect="1" noChangeArrowheads="1"/>
+          </p:cNvPicPr>
+          <p:nvPr/>
+        </p:nvPicPr>
+        <p:blipFill>
+          <a:blip r:embed="rId2">
+            <a:extLst>
+              <a:ext uri="{28A0092B-C50C-407E-A947-70E740481C1C}">
+                <a14:useLocalDpi xmlns:a14="http://schemas.microsoft.com/office/drawing/2010/main" val="0"/>
+              </a:ext>
+            </a:extLst>
+          </a:blip>
+          <a:stretch>
+            <a:fillRect/>
+          </a:stretch>
+        </p:blipFill>
+        <p:spPr bwMode="auto">
+          <a:xfrm>
+            <a:off x="682432" y="2820837"/>
+            <a:ext cx="4645152" cy="3483864"/>
+          </a:xfrm>
+          <a:prstGeom prst="rect">
+            <a:avLst/>
+          </a:prstGeom>
+          <a:noFill/>
+          <a:extLst>
+            <a:ext uri="{909E8E84-426E-40DD-AFC4-6F175D3DCCD1}">
+              <a14:hiddenFill xmlns:a14="http://schemas.microsoft.com/office/drawing/2010/main">
+                <a:solidFill>
+                  <a:srgbClr val="FFFFFF"/>
+                </a:solidFill>
+              </a14:hiddenFill>
+            </a:ext>
+          </a:extLst>
+        </p:spPr>
+      </p:pic>
+      <p:sp>
+        <p:nvSpPr>
+          <p:cNvPr id="6" name="Rectangle 3">
+            <a:extLst>
+              <a:ext uri="{FF2B5EF4-FFF2-40B4-BE49-F238E27FC236}">
+                <a16:creationId xmlns:a16="http://schemas.microsoft.com/office/drawing/2014/main" id="{938C8673-3445-40E7-B9F2-E37A02202850}"/>
+              </a:ext>
+            </a:extLst>
+          </p:cNvPr>
+          <p:cNvSpPr>
+            <a:spLocks noChangeArrowheads="1"/>
+          </p:cNvSpPr>
+          <p:nvPr/>
+        </p:nvSpPr>
+        <p:spPr bwMode="auto">
+          <a:xfrm>
+            <a:off x="5505450" y="2544142"/>
+            <a:ext cx="6216413" cy="1769715"/>
+          </a:xfrm>
+          <a:prstGeom prst="rect">
+            <a:avLst/>
+          </a:prstGeom>
+          <a:noFill/>
+          <a:ln>
+            <a:noFill/>
+          </a:ln>
+          <a:effectLst/>
+          <a:extLst>
+            <a:ext uri="{909E8E84-426E-40DD-AFC4-6F175D3DCCD1}">
+              <a14:hiddenFill xmlns:a14="http://schemas.microsoft.com/office/drawing/2010/main">
+                <a:solidFill>
+                  <a:schemeClr val="accent1"/>
+                </a:solidFill>
+              </a14:hiddenFill>
+            </a:ext>
+            <a:ext uri="{91240B29-F687-4F45-9708-019B960494DF}">
+              <a14:hiddenLine xmlns:a14="http://schemas.microsoft.com/office/drawing/2010/main" w="9525">
+                <a:solidFill>
+                  <a:schemeClr val="tx1"/>
+                </a:solidFill>
+                <a:miter lim="800000"/>
+                <a:headEnd/>
+                <a:tailEnd/>
+              </a14:hiddenLine>
+            </a:ext>
+            <a:ext uri="{AF507438-7753-43E0-B8FC-AC1667EBCBE1}">
+              <a14:hiddenEffects xmlns:a14="http://schemas.microsoft.com/office/drawing/2010/main">
+                <a:effectLst>
+                  <a:outerShdw dist="35921" dir="2700000" algn="ctr" rotWithShape="0">
+                    <a:schemeClr val="bg2"/>
+                  </a:outerShdw>
+                </a:effectLst>
+              </a14:hiddenEffects>
+            </a:ext>
+          </a:extLst>
+        </p:spPr>
+        <p:txBody>
+          <a:bodyPr vert="horz" wrap="square" lIns="91440" tIns="45720" rIns="91440" bIns="45720" numCol="1" anchor="ctr" anchorCtr="0" compatLnSpc="1">
+            <a:prstTxWarp prst="textNoShape">
+              <a:avLst/>
+            </a:prstTxWarp>
+            <a:spAutoFit/>
+          </a:bodyPr>
+          <a:lstStyle>
+            <a:lvl1pPr eaLnBrk="0" fontAlgn="base" hangingPunct="0">
+              <a:spcBef>
+                <a:spcPct val="0"/>
+              </a:spcBef>
+              <a:spcAft>
+                <a:spcPct val="0"/>
+              </a:spcAft>
+              <a:defRPr>
+                <a:solidFill>
+                  <a:schemeClr val="tx1"/>
+                </a:solidFill>
+                <a:latin typeface="Arial" panose="020B0604020202020204" pitchFamily="34" charset="0"/>
+              </a:defRPr>
+            </a:lvl1pPr>
+            <a:lvl2pPr eaLnBrk="0" fontAlgn="base" hangingPunct="0">
+              <a:spcBef>
+                <a:spcPct val="0"/>
+              </a:spcBef>
+              <a:spcAft>
+                <a:spcPct val="0"/>
+              </a:spcAft>
+              <a:defRPr>
+                <a:solidFill>
+                  <a:schemeClr val="tx1"/>
+                </a:solidFill>
+                <a:latin typeface="Arial" panose="020B0604020202020204" pitchFamily="34" charset="0"/>
+              </a:defRPr>
+            </a:lvl2pPr>
+            <a:lvl3pPr eaLnBrk="0" fontAlgn="base" hangingPunct="0">
+              <a:spcBef>
+                <a:spcPct val="0"/>
+              </a:spcBef>
+              <a:spcAft>
+                <a:spcPct val="0"/>
+              </a:spcAft>
+              <a:defRPr>
+                <a:solidFill>
+                  <a:schemeClr val="tx1"/>
+                </a:solidFill>
+                <a:latin typeface="Arial" panose="020B0604020202020204" pitchFamily="34" charset="0"/>
+              </a:defRPr>
+            </a:lvl3pPr>
+            <a:lvl4pPr eaLnBrk="0" fontAlgn="base" hangingPunct="0">
+              <a:spcBef>
+                <a:spcPct val="0"/>
+              </a:spcBef>
+              <a:spcAft>
+                <a:spcPct val="0"/>
+              </a:spcAft>
+              <a:defRPr>
+                <a:solidFill>
+                  <a:schemeClr val="tx1"/>
+                </a:solidFill>
+                <a:latin typeface="Arial" panose="020B0604020202020204" pitchFamily="34" charset="0"/>
+              </a:defRPr>
+            </a:lvl4pPr>
+            <a:lvl5pPr eaLnBrk="0" fontAlgn="base" hangingPunct="0">
+              <a:spcBef>
+                <a:spcPct val="0"/>
+              </a:spcBef>
+              <a:spcAft>
+                <a:spcPct val="0"/>
+              </a:spcAft>
+              <a:defRPr>
+                <a:solidFill>
+                  <a:schemeClr val="tx1"/>
+                </a:solidFill>
+                <a:latin typeface="Arial" panose="020B0604020202020204" pitchFamily="34" charset="0"/>
+              </a:defRPr>
+            </a:lvl5pPr>
+            <a:lvl6pPr eaLnBrk="0" fontAlgn="base" hangingPunct="0">
+              <a:spcBef>
+                <a:spcPct val="0"/>
+              </a:spcBef>
+              <a:spcAft>
+                <a:spcPct val="0"/>
+              </a:spcAft>
+              <a:defRPr>
+                <a:solidFill>
+                  <a:schemeClr val="tx1"/>
+                </a:solidFill>
+                <a:latin typeface="Arial" panose="020B0604020202020204" pitchFamily="34" charset="0"/>
+              </a:defRPr>
+            </a:lvl6pPr>
+            <a:lvl7pPr eaLnBrk="0" fontAlgn="base" hangingPunct="0">
+              <a:spcBef>
+                <a:spcPct val="0"/>
+              </a:spcBef>
+              <a:spcAft>
+                <a:spcPct val="0"/>
+              </a:spcAft>
+              <a:defRPr>
+                <a:solidFill>
+                  <a:schemeClr val="tx1"/>
+                </a:solidFill>
+                <a:latin typeface="Arial" panose="020B0604020202020204" pitchFamily="34" charset="0"/>
+              </a:defRPr>
+            </a:lvl7pPr>
+            <a:lvl8pPr eaLnBrk="0" fontAlgn="base" hangingPunct="0">
+              <a:spcBef>
+                <a:spcPct val="0"/>
+              </a:spcBef>
+              <a:spcAft>
+                <a:spcPct val="0"/>
+              </a:spcAft>
+              <a:defRPr>
+                <a:solidFill>
+                  <a:schemeClr val="tx1"/>
+                </a:solidFill>
+                <a:latin typeface="Arial" panose="020B0604020202020204" pitchFamily="34" charset="0"/>
+              </a:defRPr>
+            </a:lvl8pPr>
+            <a:lvl9pPr eaLnBrk="0" fontAlgn="base" hangingPunct="0">
+              <a:spcBef>
+                <a:spcPct val="0"/>
+              </a:spcBef>
+              <a:spcAft>
+                <a:spcPct val="0"/>
+              </a:spcAft>
+              <a:defRPr>
+                <a:solidFill>
+                  <a:schemeClr val="tx1"/>
+                </a:solidFill>
+                <a:latin typeface="Arial" panose="020B0604020202020204" pitchFamily="34" charset="0"/>
+              </a:defRPr>
+            </a:lvl9pPr>
+          </a:lstStyle>
+          <a:p>
+            <a:pPr marL="0" marR="0" lvl="0" indent="0" algn="l" defTabSz="914400" rtl="0" eaLnBrk="0" fontAlgn="base" latinLnBrk="0" hangingPunct="0">
+              <a:spcBef>
+                <a:spcPct val="0"/>
+              </a:spcBef>
+              <a:spcAft>
+                <a:spcPts val="600"/>
+              </a:spcAft>
+              <a:buClrTx/>
+              <a:buSzTx/>
+              <a:buFontTx/>
+              <a:buNone/>
+              <a:tabLst/>
+            </a:pPr>
+            <a:r>
+              <a:rPr kumimoji="0" lang="en-GB" altLang="en-US" sz="1100" b="0" i="0" u="none" strike="noStrike" cap="none" normalizeH="0" baseline="0" dirty="0">
+                <a:ln>
+                  <a:noFill/>
+                </a:ln>
+                <a:solidFill>
+                  <a:schemeClr val="tx1"/>
+                </a:solidFill>
+                <a:effectLst/>
+                <a:latin typeface="Calibri" panose="020F0502020204030204" pitchFamily="34" charset="0"/>
+                <a:ea typeface="Calibri" panose="020F0502020204030204" pitchFamily="34" charset="0"/>
+                <a:cs typeface="Times New Roman" panose="02020603050405020304" pitchFamily="18" charset="0"/>
+              </a:rPr>
+              <a:t>This type of drone is the most common type of drone used amongst consumers. There uses include aerial photography, aerial video surveillance and amateur drone racing as well as leisure flying.</a:t>
+            </a:r>
+            <a:endParaRPr kumimoji="0" lang="en-GB" altLang="en-US" sz="800" b="0" i="0" u="none" strike="noStrike" cap="none" normalizeH="0" baseline="0" dirty="0">
+              <a:ln>
+                <a:noFill/>
+              </a:ln>
+              <a:solidFill>
+                <a:schemeClr val="tx1"/>
+              </a:solidFill>
+              <a:effectLst/>
+            </a:endParaRPr>
+          </a:p>
+          <a:p>
+            <a:pPr marL="0" marR="0" lvl="0" indent="0" algn="l" defTabSz="914400" rtl="0" eaLnBrk="0" fontAlgn="base" latinLnBrk="0" hangingPunct="0">
+              <a:spcBef>
+                <a:spcPct val="0"/>
+              </a:spcBef>
+              <a:spcAft>
+                <a:spcPts val="600"/>
+              </a:spcAft>
+              <a:buClrTx/>
+              <a:buSzTx/>
+              <a:buFontTx/>
+              <a:buChar char="•"/>
+              <a:tabLst/>
+            </a:pPr>
+            <a:r>
+              <a:rPr kumimoji="0" lang="en-GB" altLang="en-US" sz="1100" b="0" i="0" u="none" strike="noStrike" cap="none" normalizeH="0" baseline="0" dirty="0">
+                <a:ln>
+                  <a:noFill/>
+                </a:ln>
+                <a:solidFill>
+                  <a:schemeClr val="tx1"/>
+                </a:solidFill>
+                <a:effectLst/>
+                <a:latin typeface="Calibri" panose="020F0502020204030204" pitchFamily="34" charset="0"/>
+                <a:ea typeface="Calibri" panose="020F0502020204030204" pitchFamily="34" charset="0"/>
+                <a:cs typeface="Times New Roman" panose="02020603050405020304" pitchFamily="18" charset="0"/>
+              </a:rPr>
+              <a:t>Tricopter – 3 rotors</a:t>
+            </a:r>
+            <a:endParaRPr kumimoji="0" lang="en-GB" altLang="en-US" sz="800" b="0" i="0" u="none" strike="noStrike" cap="none" normalizeH="0" baseline="0" dirty="0">
+              <a:ln>
+                <a:noFill/>
+              </a:ln>
+              <a:solidFill>
+                <a:schemeClr val="tx1"/>
+              </a:solidFill>
+              <a:effectLst/>
+            </a:endParaRPr>
+          </a:p>
+          <a:p>
+            <a:pPr marL="0" marR="0" lvl="0" indent="0" algn="l" defTabSz="914400" rtl="0" eaLnBrk="0" fontAlgn="base" latinLnBrk="0" hangingPunct="0">
+              <a:spcBef>
+                <a:spcPct val="0"/>
+              </a:spcBef>
+              <a:spcAft>
+                <a:spcPts val="600"/>
+              </a:spcAft>
+              <a:buClrTx/>
+              <a:buSzTx/>
+              <a:buFontTx/>
+              <a:buChar char="•"/>
+              <a:tabLst/>
+            </a:pPr>
+            <a:r>
+              <a:rPr kumimoji="0" lang="en-GB" altLang="en-US" sz="1100" b="0" i="0" u="none" strike="noStrike" cap="none" normalizeH="0" baseline="0" dirty="0">
+                <a:ln>
+                  <a:noFill/>
+                </a:ln>
+                <a:solidFill>
+                  <a:schemeClr val="tx1"/>
+                </a:solidFill>
+                <a:effectLst/>
+                <a:latin typeface="Calibri" panose="020F0502020204030204" pitchFamily="34" charset="0"/>
+                <a:ea typeface="Calibri" panose="020F0502020204030204" pitchFamily="34" charset="0"/>
+                <a:cs typeface="Times New Roman" panose="02020603050405020304" pitchFamily="18" charset="0"/>
+              </a:rPr>
+              <a:t>Quadcopter – 4 rotors (most common type)</a:t>
+            </a:r>
+            <a:endParaRPr kumimoji="0" lang="en-GB" altLang="en-US" sz="800" b="0" i="0" u="none" strike="noStrike" cap="none" normalizeH="0" baseline="0" dirty="0">
+              <a:ln>
+                <a:noFill/>
+              </a:ln>
+              <a:solidFill>
+                <a:schemeClr val="tx1"/>
+              </a:solidFill>
+              <a:effectLst/>
+            </a:endParaRPr>
+          </a:p>
+          <a:p>
+            <a:pPr marL="0" marR="0" lvl="0" indent="0" algn="l" defTabSz="914400" rtl="0" eaLnBrk="0" fontAlgn="base" latinLnBrk="0" hangingPunct="0">
+              <a:spcBef>
+                <a:spcPct val="0"/>
+              </a:spcBef>
+              <a:spcAft>
+                <a:spcPts val="600"/>
+              </a:spcAft>
+              <a:buClrTx/>
+              <a:buSzTx/>
+              <a:buFontTx/>
+              <a:buChar char="•"/>
+              <a:tabLst/>
+            </a:pPr>
+            <a:r>
+              <a:rPr kumimoji="0" lang="en-GB" altLang="en-US" sz="1100" b="0" i="0" u="none" strike="noStrike" cap="none" normalizeH="0" baseline="0" dirty="0" err="1">
+                <a:ln>
+                  <a:noFill/>
+                </a:ln>
+                <a:solidFill>
+                  <a:schemeClr val="tx1"/>
+                </a:solidFill>
+                <a:effectLst/>
+                <a:latin typeface="Calibri" panose="020F0502020204030204" pitchFamily="34" charset="0"/>
+                <a:ea typeface="Calibri" panose="020F0502020204030204" pitchFamily="34" charset="0"/>
+                <a:cs typeface="Times New Roman" panose="02020603050405020304" pitchFamily="18" charset="0"/>
+              </a:rPr>
+              <a:t>Hexacopter</a:t>
+            </a:r>
+            <a:r>
+              <a:rPr kumimoji="0" lang="en-GB" altLang="en-US" sz="1100" b="0" i="0" u="none" strike="noStrike" cap="none" normalizeH="0" baseline="0" dirty="0">
+                <a:ln>
+                  <a:noFill/>
+                </a:ln>
+                <a:solidFill>
+                  <a:schemeClr val="tx1"/>
+                </a:solidFill>
+                <a:effectLst/>
+                <a:latin typeface="Calibri" panose="020F0502020204030204" pitchFamily="34" charset="0"/>
+                <a:ea typeface="Calibri" panose="020F0502020204030204" pitchFamily="34" charset="0"/>
+                <a:cs typeface="Times New Roman" panose="02020603050405020304" pitchFamily="18" charset="0"/>
+              </a:rPr>
+              <a:t> – 6 rotors</a:t>
+            </a:r>
+            <a:endParaRPr kumimoji="0" lang="en-GB" altLang="en-US" sz="800" b="0" i="0" u="none" strike="noStrike" cap="none" normalizeH="0" baseline="0" dirty="0">
+              <a:ln>
+                <a:noFill/>
+              </a:ln>
+              <a:solidFill>
+                <a:schemeClr val="tx1"/>
+              </a:solidFill>
+              <a:effectLst/>
+            </a:endParaRPr>
+          </a:p>
+          <a:p>
+            <a:pPr marL="0" marR="0" lvl="0" indent="0" algn="l" defTabSz="914400" rtl="0" eaLnBrk="0" fontAlgn="base" latinLnBrk="0" hangingPunct="0">
+              <a:spcBef>
+                <a:spcPct val="0"/>
+              </a:spcBef>
+              <a:spcAft>
+                <a:spcPts val="600"/>
+              </a:spcAft>
+              <a:buClrTx/>
+              <a:buSzTx/>
+              <a:buFontTx/>
+              <a:buChar char="•"/>
+              <a:tabLst/>
+            </a:pPr>
+            <a:r>
+              <a:rPr kumimoji="0" lang="en-GB" altLang="en-US" sz="1100" b="0" i="0" u="none" strike="noStrike" cap="none" normalizeH="0" baseline="0" dirty="0">
+                <a:ln>
+                  <a:noFill/>
+                </a:ln>
+                <a:solidFill>
+                  <a:schemeClr val="tx1"/>
+                </a:solidFill>
+                <a:effectLst/>
+                <a:latin typeface="Calibri" panose="020F0502020204030204" pitchFamily="34" charset="0"/>
+                <a:ea typeface="Calibri" panose="020F0502020204030204" pitchFamily="34" charset="0"/>
+                <a:cs typeface="Times New Roman" panose="02020603050405020304" pitchFamily="18" charset="0"/>
+              </a:rPr>
+              <a:t>Octocopter – 8 rotors</a:t>
+            </a:r>
+            <a:endParaRPr kumimoji="0" lang="en-GB" altLang="en-US" sz="800" b="0" i="0" u="none" strike="noStrike" cap="none" normalizeH="0" baseline="0" dirty="0">
+              <a:ln>
+                <a:noFill/>
+              </a:ln>
+              <a:solidFill>
+                <a:schemeClr val="tx1"/>
+              </a:solidFill>
+              <a:effectLst/>
+            </a:endParaRPr>
+          </a:p>
+          <a:p>
+            <a:pPr marL="0" marR="0" lvl="0" indent="0" algn="l" defTabSz="914400" rtl="0" eaLnBrk="0" fontAlgn="base" latinLnBrk="0" hangingPunct="0">
+              <a:spcBef>
+                <a:spcPct val="0"/>
+              </a:spcBef>
+              <a:spcAft>
+                <a:spcPts val="600"/>
+              </a:spcAft>
+              <a:buClrTx/>
+              <a:buSzTx/>
+              <a:buFontTx/>
+              <a:buNone/>
+              <a:tabLst/>
+            </a:pPr>
+            <a:endParaRPr kumimoji="0" lang="en-GB" altLang="en-US" sz="1800" b="0" i="0" u="none" strike="noStrike" cap="none" normalizeH="0" baseline="0" dirty="0">
+              <a:ln>
+                <a:noFill/>
+              </a:ln>
+              <a:solidFill>
+                <a:schemeClr val="tx1"/>
+              </a:solidFill>
+              <a:effectLst/>
+              <a:latin typeface="Arial" panose="020B0604020202020204" pitchFamily="34" charset="0"/>
+            </a:endParaRPr>
+          </a:p>
+        </p:txBody>
+      </p:sp>
+      <p:graphicFrame>
+        <p:nvGraphicFramePr>
+          <p:cNvPr id="4" name="Table 3">
+            <a:extLst>
+              <a:ext uri="{FF2B5EF4-FFF2-40B4-BE49-F238E27FC236}">
+                <a16:creationId xmlns:a16="http://schemas.microsoft.com/office/drawing/2014/main" id="{4635E6F0-698C-4F36-8D9F-FD0594990178}"/>
+              </a:ext>
+            </a:extLst>
+          </p:cNvPr>
+          <p:cNvGraphicFramePr>
+            <a:graphicFrameLocks noGrp="1"/>
+          </p:cNvGraphicFramePr>
+          <p:nvPr>
+            <p:extLst>
+              <p:ext uri="{D42A27DB-BD31-4B8C-83A1-F6EECF244321}">
+                <p14:modId xmlns:p14="http://schemas.microsoft.com/office/powerpoint/2010/main" val="2291637008"/>
+              </p:ext>
+            </p:extLst>
+          </p:nvPr>
+        </p:nvGraphicFramePr>
+        <p:xfrm>
+          <a:off x="5905252" y="4000145"/>
+          <a:ext cx="5523083" cy="2492730"/>
+        </p:xfrm>
+        <a:graphic>
+          <a:graphicData uri="http://schemas.openxmlformats.org/drawingml/2006/table">
+            <a:tbl>
+              <a:tblPr firstRow="1" firstCol="1" bandRow="1">
+                <a:tableStyleId>{5C22544A-7EE6-4342-B048-85BDC9FD1C3A}</a:tableStyleId>
+              </a:tblPr>
+              <a:tblGrid>
+                <a:gridCol w="2599515">
+                  <a:extLst>
+                    <a:ext uri="{9D8B030D-6E8A-4147-A177-3AD203B41FA5}">
+                      <a16:colId xmlns:a16="http://schemas.microsoft.com/office/drawing/2014/main" val="594937158"/>
+                    </a:ext>
+                  </a:extLst>
+                </a:gridCol>
+                <a:gridCol w="2923568">
+                  <a:extLst>
+                    <a:ext uri="{9D8B030D-6E8A-4147-A177-3AD203B41FA5}">
+                      <a16:colId xmlns:a16="http://schemas.microsoft.com/office/drawing/2014/main" val="2535995408"/>
+                    </a:ext>
+                  </a:extLst>
+                </a:gridCol>
+              </a:tblGrid>
+              <a:tr h="350306">
+                <a:tc>
+                  <a:txBody>
+                    <a:bodyPr/>
+                    <a:lstStyle/>
+                    <a:p>
+                      <a:r>
+                        <a:rPr lang="en-GB" sz="1900">
+                          <a:effectLst/>
+                        </a:rPr>
+                        <a:t>Advantages</a:t>
+                      </a:r>
+                      <a:endParaRPr lang="en-GB" sz="1900">
+                        <a:effectLst/>
+                        <a:latin typeface="Calibri" panose="020F0502020204030204" pitchFamily="34" charset="0"/>
+                        <a:ea typeface="Calibri" panose="020F0502020204030204" pitchFamily="34" charset="0"/>
+                        <a:cs typeface="Times New Roman" panose="02020603050405020304" pitchFamily="18" charset="0"/>
+                      </a:endParaRPr>
+                    </a:p>
+                  </a:txBody>
+                  <a:tcPr marL="117640" marR="117640" marT="0" marB="0"/>
+                </a:tc>
+                <a:tc>
+                  <a:txBody>
+                    <a:bodyPr/>
+                    <a:lstStyle/>
+                    <a:p>
+                      <a:r>
+                        <a:rPr lang="en-GB" sz="1900">
+                          <a:effectLst/>
+                        </a:rPr>
+                        <a:t>Disadvantages</a:t>
+                      </a:r>
+                      <a:endParaRPr lang="en-GB" sz="1900">
+                        <a:effectLst/>
+                        <a:latin typeface="Calibri" panose="020F0502020204030204" pitchFamily="34" charset="0"/>
+                        <a:ea typeface="Calibri" panose="020F0502020204030204" pitchFamily="34" charset="0"/>
+                        <a:cs typeface="Times New Roman" panose="02020603050405020304" pitchFamily="18" charset="0"/>
+                      </a:endParaRPr>
+                    </a:p>
+                  </a:txBody>
+                  <a:tcPr marL="117640" marR="117640" marT="0" marB="0"/>
+                </a:tc>
+                <a:extLst>
+                  <a:ext uri="{0D108BD9-81ED-4DB2-BD59-A6C34878D82A}">
+                    <a16:rowId xmlns:a16="http://schemas.microsoft.com/office/drawing/2014/main" val="1620443785"/>
+                  </a:ext>
+                </a:extLst>
+              </a:tr>
+              <a:tr h="350306">
+                <a:tc>
+                  <a:txBody>
+                    <a:bodyPr/>
+                    <a:lstStyle/>
+                    <a:p>
+                      <a:r>
+                        <a:rPr lang="en-GB" sz="1900">
+                          <a:effectLst/>
+                        </a:rPr>
+                        <a:t>Easy to manufacture</a:t>
+                      </a:r>
+                      <a:endParaRPr lang="en-GB" sz="1900">
+                        <a:effectLst/>
+                        <a:latin typeface="Calibri" panose="020F0502020204030204" pitchFamily="34" charset="0"/>
+                        <a:ea typeface="Calibri" panose="020F0502020204030204" pitchFamily="34" charset="0"/>
+                        <a:cs typeface="Times New Roman" panose="02020603050405020304" pitchFamily="18" charset="0"/>
+                      </a:endParaRPr>
+                    </a:p>
+                  </a:txBody>
+                  <a:tcPr marL="117640" marR="117640" marT="0" marB="0"/>
+                </a:tc>
+                <a:tc>
+                  <a:txBody>
+                    <a:bodyPr/>
+                    <a:lstStyle/>
+                    <a:p>
+                      <a:r>
+                        <a:rPr lang="en-GB" sz="1900">
+                          <a:effectLst/>
+                        </a:rPr>
+                        <a:t>Limited flight time</a:t>
+                      </a:r>
+                      <a:endParaRPr lang="en-GB" sz="1900">
+                        <a:effectLst/>
+                        <a:latin typeface="Calibri" panose="020F0502020204030204" pitchFamily="34" charset="0"/>
+                        <a:ea typeface="Calibri" panose="020F0502020204030204" pitchFamily="34" charset="0"/>
+                        <a:cs typeface="Times New Roman" panose="02020603050405020304" pitchFamily="18" charset="0"/>
+                      </a:endParaRPr>
+                    </a:p>
+                  </a:txBody>
+                  <a:tcPr marL="117640" marR="117640" marT="0" marB="0"/>
+                </a:tc>
+                <a:extLst>
+                  <a:ext uri="{0D108BD9-81ED-4DB2-BD59-A6C34878D82A}">
+                    <a16:rowId xmlns:a16="http://schemas.microsoft.com/office/drawing/2014/main" val="613218679"/>
+                  </a:ext>
+                </a:extLst>
+              </a:tr>
+              <a:tr h="637870">
+                <a:tc>
+                  <a:txBody>
+                    <a:bodyPr/>
+                    <a:lstStyle/>
+                    <a:p>
+                      <a:r>
+                        <a:rPr lang="en-GB" sz="1900">
+                          <a:effectLst/>
+                        </a:rPr>
+                        <a:t>Cheaper price</a:t>
+                      </a:r>
+                      <a:endParaRPr lang="en-GB" sz="1900">
+                        <a:effectLst/>
+                        <a:latin typeface="Calibri" panose="020F0502020204030204" pitchFamily="34" charset="0"/>
+                        <a:ea typeface="Calibri" panose="020F0502020204030204" pitchFamily="34" charset="0"/>
+                        <a:cs typeface="Times New Roman" panose="02020603050405020304" pitchFamily="18" charset="0"/>
+                      </a:endParaRPr>
+                    </a:p>
+                  </a:txBody>
+                  <a:tcPr marL="117640" marR="117640" marT="0" marB="0"/>
+                </a:tc>
+                <a:tc>
+                  <a:txBody>
+                    <a:bodyPr/>
+                    <a:lstStyle/>
+                    <a:p>
+                      <a:r>
+                        <a:rPr lang="en-GB" sz="1900">
+                          <a:effectLst/>
+                        </a:rPr>
+                        <a:t>Limited endurance &amp; speed</a:t>
+                      </a:r>
+                      <a:endParaRPr lang="en-GB" sz="1900">
+                        <a:effectLst/>
+                        <a:latin typeface="Calibri" panose="020F0502020204030204" pitchFamily="34" charset="0"/>
+                        <a:ea typeface="Calibri" panose="020F0502020204030204" pitchFamily="34" charset="0"/>
+                        <a:cs typeface="Times New Roman" panose="02020603050405020304" pitchFamily="18" charset="0"/>
+                      </a:endParaRPr>
+                    </a:p>
+                  </a:txBody>
+                  <a:tcPr marL="117640" marR="117640" marT="0" marB="0"/>
+                </a:tc>
+                <a:extLst>
+                  <a:ext uri="{0D108BD9-81ED-4DB2-BD59-A6C34878D82A}">
+                    <a16:rowId xmlns:a16="http://schemas.microsoft.com/office/drawing/2014/main" val="3384125790"/>
+                  </a:ext>
+                </a:extLst>
+              </a:tr>
+              <a:tr h="925434">
+                <a:tc>
+                  <a:txBody>
+                    <a:bodyPr/>
+                    <a:lstStyle/>
+                    <a:p>
+                      <a:r>
+                        <a:rPr lang="en-GB" sz="1900">
+                          <a:effectLst/>
+                        </a:rPr>
+                        <a:t>Easy to use</a:t>
+                      </a:r>
+                      <a:endParaRPr lang="en-GB" sz="1900">
+                        <a:effectLst/>
+                        <a:latin typeface="Calibri" panose="020F0502020204030204" pitchFamily="34" charset="0"/>
+                        <a:ea typeface="Calibri" panose="020F0502020204030204" pitchFamily="34" charset="0"/>
+                        <a:cs typeface="Times New Roman" panose="02020603050405020304" pitchFamily="18" charset="0"/>
+                      </a:endParaRPr>
+                    </a:p>
+                  </a:txBody>
+                  <a:tcPr marL="117640" marR="117640" marT="0" marB="0"/>
+                </a:tc>
+                <a:tc>
+                  <a:txBody>
+                    <a:bodyPr/>
+                    <a:lstStyle/>
+                    <a:p>
+                      <a:r>
+                        <a:rPr lang="en-GB" sz="1900" dirty="0">
+                          <a:effectLst/>
+                        </a:rPr>
+                        <a:t>Uses large portion of energy to hover/stabilise in the air</a:t>
+                      </a:r>
+                      <a:endParaRPr lang="en-GB" sz="1900" dirty="0">
+                        <a:effectLst/>
+                        <a:latin typeface="Calibri" panose="020F0502020204030204" pitchFamily="34" charset="0"/>
+                        <a:ea typeface="Calibri" panose="020F0502020204030204" pitchFamily="34" charset="0"/>
+                        <a:cs typeface="Times New Roman" panose="02020603050405020304" pitchFamily="18" charset="0"/>
+                      </a:endParaRPr>
+                    </a:p>
+                  </a:txBody>
+                  <a:tcPr marL="117640" marR="117640" marT="0" marB="0"/>
+                </a:tc>
+                <a:extLst>
+                  <a:ext uri="{0D108BD9-81ED-4DB2-BD59-A6C34878D82A}">
+                    <a16:rowId xmlns:a16="http://schemas.microsoft.com/office/drawing/2014/main" val="2060610522"/>
+                  </a:ext>
+                </a:extLst>
+              </a:tr>
+            </a:tbl>
+          </a:graphicData>
+        </a:graphic>
+      </p:graphicFrame>
+    </p:spTree>
+    <p:extLst>
+      <p:ext uri="{BB962C8B-B14F-4D97-AF65-F5344CB8AC3E}">
+        <p14:creationId xmlns:p14="http://schemas.microsoft.com/office/powerpoint/2010/main" val="3055277719"/>
+      </p:ext>
+    </p:extLst>
+  </p:cSld>
+  <p:clrMapOvr>
+    <a:masterClrMapping/>
+  </p:clrMapOvr>
+</p:sld>
+</file>
+
+<file path=ppt/slides/slide4.xml><?xml version="1.0" encoding="utf-8"?>
+<p:sld xmlns:a="http://schemas.openxmlformats.org/drawingml/2006/main" xmlns:r="http://schemas.openxmlformats.org/officeDocument/2006/relationships" xmlns:p="http://schemas.openxmlformats.org/presentationml/2006/main">
+  <p:cSld>
+    <p:bg>
+      <p:bgPr>
+        <a:solidFill>
+          <a:schemeClr val="bg1"/>
+        </a:solidFill>
+        <a:effectLst/>
+      </p:bgPr>
+    </p:bg>
+    <p:spTree>
+      <p:nvGrpSpPr>
+        <p:cNvPr id="1" name=""/>
+        <p:cNvGrpSpPr/>
+        <p:nvPr/>
+      </p:nvGrpSpPr>
+      <p:grpSpPr>
+        <a:xfrm>
+          <a:off x="0" y="0"/>
+          <a:ext cx="0" cy="0"/>
+          <a:chOff x="0" y="0"/>
+          <a:chExt cx="0" cy="0"/>
+        </a:xfrm>
+      </p:grpSpPr>
+      <p:sp useBgFill="1">
+        <p:nvSpPr>
+          <p:cNvPr id="70" name="Rectangle 69">
+            <a:extLst>
+              <a:ext uri="{FF2B5EF4-FFF2-40B4-BE49-F238E27FC236}">
+                <a16:creationId xmlns:a16="http://schemas.microsoft.com/office/drawing/2014/main" id="{385E1BDC-A9B0-4A87-82E3-F3187F69A802}"/>
+              </a:ext>
+              <a:ext uri="{C183D7F6-B498-43B3-948B-1728B52AA6E4}">
+                <adec:decorative xmlns:adec="http://schemas.microsoft.com/office/drawing/2017/decorative" val="1"/>
+              </a:ext>
+            </a:extLst>
+          </p:cNvPr>
+          <p:cNvSpPr>
+            <a:spLocks noGrp="1" noRot="1" noChangeAspect="1" noMove="1" noResize="1" noEditPoints="1" noAdjustHandles="1" noChangeArrowheads="1" noChangeShapeType="1" noTextEdit="1"/>
+          </p:cNvSpPr>
+          <p:nvPr>
+            <p:extLst>
+              <p:ext uri="{386F3935-93C4-4BCD-93E2-E3B085C9AB24}">
+                <p16:designElem xmlns:p16="http://schemas.microsoft.com/office/powerpoint/2015/main" val="1"/>
+              </p:ext>
+            </p:extLst>
+          </p:nvPr>
+        </p:nvSpPr>
+        <p:spPr>
+          <a:xfrm>
+            <a:off x="0" y="0"/>
+            <a:ext cx="12192000" cy="6858000"/>
+          </a:xfrm>
+          <a:prstGeom prst="rect">
+            <a:avLst/>
+          </a:prstGeom>
+          <a:ln>
+            <a:noFill/>
+          </a:ln>
+        </p:spPr>
+        <p:style>
+          <a:lnRef idx="2">
+            <a:schemeClr val="accent1">
+              <a:shade val="50000"/>
+            </a:schemeClr>
+          </a:lnRef>
+          <a:fillRef idx="1">
+            <a:schemeClr val="accent1"/>
+          </a:fillRef>
+          <a:effectRef idx="0">
+            <a:schemeClr val="accent1"/>
+          </a:effectRef>
+          <a:fontRef idx="minor">
+            <a:schemeClr val="lt1"/>
+          </a:fontRef>
+        </p:style>
+        <p:txBody>
+          <a:bodyPr rtlCol="0" anchor="ctr"/>
+          <a:lstStyle/>
+          <a:p>
+            <a:pPr algn="ctr"/>
+            <a:endParaRPr lang="en-US"/>
+          </a:p>
+        </p:txBody>
+      </p:sp>
+      <p:sp useBgFill="1">
+        <p:nvSpPr>
+          <p:cNvPr id="72" name="Rectangle 71">
+            <a:extLst>
+              <a:ext uri="{FF2B5EF4-FFF2-40B4-BE49-F238E27FC236}">
+                <a16:creationId xmlns:a16="http://schemas.microsoft.com/office/drawing/2014/main" id="{0990C621-3B8B-4820-8328-D47EF7CE823C}"/>
+              </a:ext>
+              <a:ext uri="{C183D7F6-B498-43B3-948B-1728B52AA6E4}">
+                <adec:decorative xmlns:adec="http://schemas.microsoft.com/office/drawing/2017/decorative" val="1"/>
+              </a:ext>
+            </a:extLst>
+          </p:cNvPr>
+          <p:cNvSpPr>
+            <a:spLocks noGrp="1" noRot="1" noChangeAspect="1" noMove="1" noResize="1" noEditPoints="1" noAdjustHandles="1" noChangeArrowheads="1" noChangeShapeType="1" noTextEdit="1"/>
+          </p:cNvSpPr>
+          <p:nvPr>
+            <p:extLst>
+              <p:ext uri="{386F3935-93C4-4BCD-93E2-E3B085C9AB24}">
+                <p16:designElem xmlns:p16="http://schemas.microsoft.com/office/powerpoint/2015/main" val="1"/>
+              </p:ext>
+            </p:extLst>
+          </p:nvPr>
+        </p:nvSpPr>
+        <p:spPr>
+          <a:xfrm>
+            <a:off x="554416" y="365125"/>
+            <a:ext cx="11167447" cy="2089317"/>
+          </a:xfrm>
+          <a:prstGeom prst="rect">
+            <a:avLst/>
+          </a:prstGeom>
+          <a:ln w="12700">
+            <a:solidFill>
+              <a:schemeClr val="tx2">
+                <a:lumMod val="10000"/>
+                <a:lumOff val="90000"/>
+              </a:schemeClr>
+            </a:solidFill>
+          </a:ln>
+          <a:effectLst>
+            <a:outerShdw blurRad="50800" dist="38100" dir="2700000" algn="tl" rotWithShape="0">
+              <a:schemeClr val="bg2">
+                <a:lumMod val="85000"/>
+                <a:alpha val="30000"/>
+              </a:schemeClr>
+            </a:outerShdw>
+          </a:effectLst>
+        </p:spPr>
+        <p:style>
+          <a:lnRef idx="2">
+            <a:schemeClr val="accent1">
+              <a:shade val="50000"/>
+            </a:schemeClr>
+          </a:lnRef>
+          <a:fillRef idx="1">
+            <a:schemeClr val="accent1"/>
+          </a:fillRef>
+          <a:effectRef idx="0">
+            <a:schemeClr val="accent1"/>
+          </a:effectRef>
+          <a:fontRef idx="minor">
+            <a:schemeClr val="lt1"/>
+          </a:fontRef>
+        </p:style>
+        <p:txBody>
+          <a:bodyPr rtlCol="0" anchor="ctr"/>
+          <a:lstStyle/>
+          <a:p>
+            <a:pPr marL="0" marR="0" lvl="0" indent="0" algn="ctr" defTabSz="914400" rtl="0" eaLnBrk="1" fontAlgn="auto" latinLnBrk="0" hangingPunct="1">
+              <a:lnSpc>
+                <a:spcPct val="100000"/>
+              </a:lnSpc>
+              <a:spcBef>
+                <a:spcPts val="0"/>
+              </a:spcBef>
+              <a:spcAft>
+                <a:spcPts val="0"/>
+              </a:spcAft>
+              <a:buClrTx/>
+              <a:buSzTx/>
+              <a:buFontTx/>
+              <a:buNone/>
+              <a:tabLst/>
+              <a:defRPr/>
+            </a:pPr>
+            <a:endParaRPr kumimoji="0" lang="en-US" sz="1800" b="0" i="0" u="none" strike="noStrike" kern="1200" cap="none" spc="0" normalizeH="0" baseline="0" noProof="0">
+              <a:ln>
+                <a:noFill/>
+              </a:ln>
+              <a:solidFill>
+                <a:prstClr val="white"/>
+              </a:solidFill>
+              <a:effectLst/>
+              <a:uLnTx/>
+              <a:uFillTx/>
+              <a:latin typeface="Calibri" panose="020F0502020204030204"/>
+              <a:ea typeface="+mn-ea"/>
+              <a:cs typeface="+mn-cs"/>
+            </a:endParaRPr>
+          </a:p>
+        </p:txBody>
+      </p:sp>
+      <p:sp>
+        <p:nvSpPr>
+          <p:cNvPr id="2" name="Title 1">
+            <a:extLst>
+              <a:ext uri="{FF2B5EF4-FFF2-40B4-BE49-F238E27FC236}">
+                <a16:creationId xmlns:a16="http://schemas.microsoft.com/office/drawing/2014/main" id="{0EC95578-8945-4B06-A695-B821E0FC555E}"/>
+              </a:ext>
+            </a:extLst>
+          </p:cNvPr>
+          <p:cNvSpPr>
+            <a:spLocks noGrp="1"/>
+          </p:cNvSpPr>
+          <p:nvPr>
+            <p:ph type="title"/>
+          </p:nvPr>
+        </p:nvSpPr>
+        <p:spPr>
+          <a:xfrm>
+            <a:off x="1051560" y="586822"/>
+            <a:ext cx="3538728" cy="1645920"/>
+          </a:xfrm>
+        </p:spPr>
+        <p:txBody>
+          <a:bodyPr vert="horz" lIns="91440" tIns="45720" rIns="91440" bIns="45720" rtlCol="0" anchor="ctr">
+            <a:normAutofit/>
+          </a:bodyPr>
+          <a:lstStyle/>
+          <a:p>
+            <a:pPr marL="0" marR="0" lvl="0" indent="0" fontAlgn="base">
+              <a:spcAft>
+                <a:spcPct val="0"/>
+              </a:spcAft>
+              <a:buClrTx/>
+              <a:buSzTx/>
+              <a:tabLst/>
+            </a:pPr>
+            <a:r>
+              <a:rPr kumimoji="0" lang="en-US" altLang="en-US" sz="3200" b="0" i="0" u="sng" strike="noStrike" cap="none" normalizeH="0" baseline="0">
+                <a:ln>
+                  <a:noFill/>
+                </a:ln>
+                <a:effectLst/>
+              </a:rPr>
+              <a:t>F</a:t>
+            </a:r>
+            <a:r>
+              <a:rPr kumimoji="0" lang="en-US" altLang="en-US" sz="3200" b="0" i="0" u="sng" strike="noStrike" cap="none" normalizeH="0" baseline="0" bmk="">
+                <a:ln>
+                  <a:noFill/>
+                </a:ln>
+                <a:effectLst/>
+              </a:rPr>
+              <a:t>ixed wing drones</a:t>
+            </a:r>
+            <a:endParaRPr kumimoji="0" lang="en-US" altLang="en-US" sz="3200" b="0" i="0" u="none" strike="noStrike" cap="none" normalizeH="0" baseline="0">
+              <a:ln>
+                <a:noFill/>
+              </a:ln>
+              <a:effectLst/>
+            </a:endParaRPr>
+          </a:p>
+          <a:p>
+            <a:pPr marL="0" marR="0" lvl="0" indent="0" fontAlgn="base">
+              <a:spcAft>
+                <a:spcPct val="0"/>
+              </a:spcAft>
+              <a:buClrTx/>
+              <a:buSzTx/>
+              <a:tabLst/>
+            </a:pPr>
+            <a:endParaRPr kumimoji="0" lang="en-US" altLang="en-US" sz="3200" b="0" i="0" u="none" strike="noStrike" cap="none" normalizeH="0" baseline="0">
+              <a:ln>
+                <a:noFill/>
+              </a:ln>
+              <a:effectLst/>
+            </a:endParaRPr>
+          </a:p>
+        </p:txBody>
+      </p:sp>
+      <p:sp>
+        <p:nvSpPr>
+          <p:cNvPr id="74" name="Rectangle 73">
+            <a:extLst>
+              <a:ext uri="{FF2B5EF4-FFF2-40B4-BE49-F238E27FC236}">
+                <a16:creationId xmlns:a16="http://schemas.microsoft.com/office/drawing/2014/main" id="{C1A2385B-1D2A-4E17-84FA-6CB7F0AAE473}"/>
+              </a:ext>
+              <a:ext uri="{C183D7F6-B498-43B3-948B-1728B52AA6E4}">
+                <adec:decorative xmlns:adec="http://schemas.microsoft.com/office/drawing/2017/decorative" val="1"/>
+              </a:ext>
+            </a:extLst>
+          </p:cNvPr>
+          <p:cNvSpPr>
+            <a:spLocks noGrp="1" noRot="1" noChangeAspect="1" noMove="1" noResize="1" noEditPoints="1" noAdjustHandles="1" noChangeArrowheads="1" noChangeShapeType="1" noTextEdit="1"/>
+          </p:cNvSpPr>
+          <p:nvPr>
+            <p:extLst>
+              <p:ext uri="{386F3935-93C4-4BCD-93E2-E3B085C9AB24}">
+                <p16:designElem xmlns:p16="http://schemas.microsoft.com/office/powerpoint/2015/main" val="1"/>
+              </p:ext>
+            </p:extLst>
+          </p:nvPr>
+        </p:nvSpPr>
+        <p:spPr>
+          <a:xfrm>
+            <a:off x="490408" y="1057739"/>
+            <a:ext cx="128016" cy="704088"/>
+          </a:xfrm>
+          <a:prstGeom prst="rect">
+            <a:avLst/>
+          </a:prstGeom>
+          <a:solidFill>
+            <a:schemeClr val="accent1"/>
+          </a:solidFill>
+          <a:ln>
+            <a:noFill/>
+          </a:ln>
+        </p:spPr>
+        <p:style>
+          <a:lnRef idx="2">
+            <a:schemeClr val="accent1">
+              <a:shade val="50000"/>
+            </a:schemeClr>
+          </a:lnRef>
+          <a:fillRef idx="1">
+            <a:schemeClr val="accent1"/>
+          </a:fillRef>
+          <a:effectRef idx="0">
+            <a:schemeClr val="accent1"/>
+          </a:effectRef>
+          <a:fontRef idx="minor">
+            <a:schemeClr val="lt1"/>
+          </a:fontRef>
+        </p:style>
+        <p:txBody>
+          <a:bodyPr rtlCol="0" anchor="ctr"/>
+          <a:lstStyle/>
+          <a:p>
+            <a:pPr marL="0" marR="0" lvl="0" indent="0" algn="ctr" defTabSz="914400" rtl="0" eaLnBrk="1" fontAlgn="auto" latinLnBrk="0" hangingPunct="1">
+              <a:lnSpc>
+                <a:spcPct val="100000"/>
+              </a:lnSpc>
+              <a:spcBef>
+                <a:spcPts val="0"/>
+              </a:spcBef>
+              <a:spcAft>
+                <a:spcPts val="0"/>
+              </a:spcAft>
+              <a:buClrTx/>
+              <a:buSzTx/>
+              <a:buFontTx/>
+              <a:buNone/>
+              <a:tabLst/>
+              <a:defRPr/>
+            </a:pPr>
+            <a:endParaRPr kumimoji="0" lang="en-US" sz="1800" b="0" i="0" u="none" strike="noStrike" kern="1200" cap="none" spc="0" normalizeH="0" baseline="0" noProof="0" dirty="0">
+              <a:ln>
+                <a:noFill/>
+              </a:ln>
+              <a:solidFill>
+                <a:prstClr val="white"/>
+              </a:solidFill>
+              <a:effectLst/>
+              <a:uLnTx/>
+              <a:uFillTx/>
+              <a:latin typeface="Calibri" panose="020F0502020204030204"/>
+              <a:ea typeface="+mn-ea"/>
+              <a:cs typeface="+mn-cs"/>
+            </a:endParaRPr>
+          </a:p>
+        </p:txBody>
+      </p:sp>
+      <p:sp>
+        <p:nvSpPr>
+          <p:cNvPr id="76" name="Rectangle 75">
+            <a:extLst>
+              <a:ext uri="{FF2B5EF4-FFF2-40B4-BE49-F238E27FC236}">
+                <a16:creationId xmlns:a16="http://schemas.microsoft.com/office/drawing/2014/main" id="{5E791F2F-79DB-4CC0-9FA1-001E3E91E8B7}"/>
+              </a:ext>
+              <a:ext uri="{C183D7F6-B498-43B3-948B-1728B52AA6E4}">
+                <adec:decorative xmlns:adec="http://schemas.microsoft.com/office/drawing/2017/decorative" val="1"/>
+              </a:ext>
+            </a:extLst>
+          </p:cNvPr>
+          <p:cNvSpPr>
+            <a:spLocks noGrp="1" noRot="1" noChangeAspect="1" noMove="1" noResize="1" noEditPoints="1" noAdjustHandles="1" noChangeArrowheads="1" noChangeShapeType="1" noTextEdit="1"/>
+          </p:cNvSpPr>
+          <p:nvPr>
+            <p:extLst>
+              <p:ext uri="{386F3935-93C4-4BCD-93E2-E3B085C9AB24}">
+                <p16:designElem xmlns:p16="http://schemas.microsoft.com/office/powerpoint/2015/main" val="1"/>
+              </p:ext>
+            </p:extLst>
+          </p:nvPr>
+        </p:nvSpPr>
+        <p:spPr>
+          <a:xfrm rot="5400000">
+            <a:off x="4248113" y="1405210"/>
+            <a:ext cx="1463040" cy="9144"/>
+          </a:xfrm>
+          <a:prstGeom prst="rect">
+            <a:avLst/>
+          </a:prstGeom>
+          <a:solidFill>
+            <a:schemeClr val="tx2">
+              <a:lumMod val="25000"/>
+              <a:lumOff val="75000"/>
+            </a:schemeClr>
+          </a:solidFill>
+          <a:ln w="3175">
+            <a:noFill/>
+          </a:ln>
+          <a:effectLst/>
+        </p:spPr>
+        <p:style>
+          <a:lnRef idx="2">
+            <a:schemeClr val="accent1">
+              <a:shade val="50000"/>
+            </a:schemeClr>
+          </a:lnRef>
+          <a:fillRef idx="1">
+            <a:schemeClr val="accent1"/>
+          </a:fillRef>
+          <a:effectRef idx="0">
+            <a:schemeClr val="accent1"/>
+          </a:effectRef>
+          <a:fontRef idx="minor">
+            <a:schemeClr val="lt1"/>
+          </a:fontRef>
+        </p:style>
+        <p:txBody>
+          <a:bodyPr rtlCol="0" anchor="ctr"/>
+          <a:lstStyle/>
+          <a:p>
+            <a:pPr marL="0" marR="0" lvl="0" indent="0" algn="ctr" defTabSz="914400" rtl="0" eaLnBrk="1" fontAlgn="auto" latinLnBrk="0" hangingPunct="1">
+              <a:lnSpc>
+                <a:spcPct val="100000"/>
+              </a:lnSpc>
+              <a:spcBef>
+                <a:spcPts val="0"/>
+              </a:spcBef>
+              <a:spcAft>
+                <a:spcPts val="0"/>
+              </a:spcAft>
+              <a:buClrTx/>
+              <a:buSzTx/>
+              <a:buFontTx/>
+              <a:buNone/>
+              <a:tabLst/>
+              <a:defRPr/>
+            </a:pPr>
+            <a:endParaRPr kumimoji="0" lang="en-US" sz="1800" b="0" i="0" u="none" strike="noStrike" kern="1200" cap="none" spc="0" normalizeH="0" baseline="0" noProof="0">
+              <a:ln>
+                <a:noFill/>
+              </a:ln>
+              <a:solidFill>
+                <a:prstClr val="white"/>
+              </a:solidFill>
+              <a:effectLst/>
+              <a:uLnTx/>
+              <a:uFillTx/>
+              <a:latin typeface="Calibri" panose="020F0502020204030204"/>
+              <a:ea typeface="+mn-ea"/>
+              <a:cs typeface="+mn-cs"/>
+            </a:endParaRPr>
+          </a:p>
+        </p:txBody>
+      </p:sp>
+      <p:sp>
+        <p:nvSpPr>
+          <p:cNvPr id="6" name="Rectangle 3">
+            <a:extLst>
+              <a:ext uri="{FF2B5EF4-FFF2-40B4-BE49-F238E27FC236}">
+                <a16:creationId xmlns:a16="http://schemas.microsoft.com/office/drawing/2014/main" id="{62D9CE01-CAC6-4F4A-A0FD-4E624E5FC408}"/>
+              </a:ext>
+            </a:extLst>
+          </p:cNvPr>
+          <p:cNvSpPr>
+            <a:spLocks noChangeArrowheads="1"/>
+          </p:cNvSpPr>
+          <p:nvPr/>
+        </p:nvSpPr>
+        <p:spPr bwMode="auto">
+          <a:xfrm>
+            <a:off x="5349240" y="586822"/>
+            <a:ext cx="6007608" cy="1645920"/>
+          </a:xfrm>
+          <a:prstGeom prst="rect">
+            <a:avLst/>
+          </a:prstGeom>
+          <a:extLst>
+            <a:ext uri="{909E8E84-426E-40DD-AFC4-6F175D3DCCD1}">
+              <a14:hiddenFill xmlns:a14="http://schemas.microsoft.com/office/drawing/2010/main">
+                <a:solidFill>
+                  <a:schemeClr val="accent1"/>
+                </a:solidFill>
+              </a14:hiddenFill>
+            </a:ext>
+            <a:ext uri="{91240B29-F687-4F45-9708-019B960494DF}">
+              <a14:hiddenLine xmlns:a14="http://schemas.microsoft.com/office/drawing/2010/main" w="9525">
+                <a:solidFill>
+                  <a:schemeClr val="tx1"/>
+                </a:solidFill>
+                <a:miter lim="800000"/>
+                <a:headEnd/>
+                <a:tailEnd/>
+              </a14:hiddenLine>
+            </a:ext>
+            <a:ext uri="{AF507438-7753-43E0-B8FC-AC1667EBCBE1}">
+              <a14:hiddenEffects xmlns:a14="http://schemas.microsoft.com/office/drawing/2010/main">
+                <a:effectLst>
+                  <a:outerShdw dist="35921" dir="2700000" algn="ctr" rotWithShape="0">
+                    <a:schemeClr val="bg2"/>
+                  </a:outerShdw>
+                </a:effectLst>
+              </a14:hiddenEffects>
+            </a:ext>
+          </a:extLst>
+        </p:spPr>
+        <p:txBody>
+          <a:bodyPr vert="horz" lIns="91440" tIns="45720" rIns="91440" bIns="45720" numCol="1" rtlCol="0" anchor="ctr" anchorCtr="0" compatLnSpc="1">
+            <a:prstTxWarp prst="textNoShape">
+              <a:avLst/>
+            </a:prstTxWarp>
+            <a:normAutofit/>
+          </a:bodyPr>
+          <a:lstStyle/>
+          <a:p>
+            <a:pPr marL="0" marR="0" lvl="0" indent="-228600" fontAlgn="base">
+              <a:lnSpc>
+                <a:spcPct val="110000"/>
+              </a:lnSpc>
+              <a:spcBef>
+                <a:spcPct val="0"/>
+              </a:spcBef>
+              <a:spcAft>
+                <a:spcPts val="600"/>
+              </a:spcAft>
+              <a:buClrTx/>
+              <a:buSzTx/>
+              <a:buFont typeface="Arial" panose="020B0604020202020204" pitchFamily="34" charset="0"/>
+              <a:buChar char="•"/>
+              <a:tabLst/>
+            </a:pPr>
+            <a:r>
+              <a:rPr kumimoji="0" lang="en-US" altLang="en-US" b="0" i="0" u="none" strike="noStrike" cap="none" normalizeH="0" baseline="0">
+                <a:ln>
+                  <a:noFill/>
+                </a:ln>
+                <a:effectLst/>
+              </a:rPr>
+              <a:t>Fixed wing drones are designed similar to how airplanes are designed, and they do not need to utilise energy to remain in the air instead it glides.</a:t>
+            </a:r>
+          </a:p>
+          <a:p>
+            <a:pPr marL="0" marR="0" lvl="0" indent="-228600" fontAlgn="base">
+              <a:lnSpc>
+                <a:spcPct val="110000"/>
+              </a:lnSpc>
+              <a:spcBef>
+                <a:spcPct val="0"/>
+              </a:spcBef>
+              <a:spcAft>
+                <a:spcPts val="600"/>
+              </a:spcAft>
+              <a:buClrTx/>
+              <a:buSzTx/>
+              <a:buFont typeface="Arial" panose="020B0604020202020204" pitchFamily="34" charset="0"/>
+              <a:buChar char="•"/>
+              <a:tabLst/>
+            </a:pPr>
+            <a:endParaRPr kumimoji="0" lang="en-US" altLang="en-US" b="0" i="0" u="none" strike="noStrike" cap="none" normalizeH="0" baseline="0">
+              <a:ln>
+                <a:noFill/>
+              </a:ln>
+              <a:effectLst/>
+            </a:endParaRPr>
+          </a:p>
+        </p:txBody>
+      </p:sp>
+      <p:pic>
+        <p:nvPicPr>
+          <p:cNvPr id="3073" name="Picture 2" descr="Fixed Wing UAS &amp; Gyro Stabilized Gimbals for Surveillance &amp; Inspections">
+            <a:extLst>
+              <a:ext uri="{FF2B5EF4-FFF2-40B4-BE49-F238E27FC236}">
+                <a16:creationId xmlns:a16="http://schemas.microsoft.com/office/drawing/2014/main" id="{964DA72D-9AD5-4F4D-B7D6-A1E11F721E7E}"/>
+              </a:ext>
+            </a:extLst>
+          </p:cNvPr>
+          <p:cNvPicPr>
+            <a:picLocks noChangeAspect="1" noChangeArrowheads="1"/>
+          </p:cNvPicPr>
+          <p:nvPr/>
+        </p:nvPicPr>
+        <p:blipFill>
+          <a:blip r:embed="rId2">
+            <a:extLst>
+              <a:ext uri="{28A0092B-C50C-407E-A947-70E740481C1C}">
+                <a14:useLocalDpi xmlns:a14="http://schemas.microsoft.com/office/drawing/2010/main" val="0"/>
+              </a:ext>
+            </a:extLst>
+          </a:blip>
+          <a:stretch>
+            <a:fillRect/>
+          </a:stretch>
+        </p:blipFill>
+        <p:spPr bwMode="auto">
+          <a:xfrm>
+            <a:off x="557783" y="3258545"/>
+            <a:ext cx="5481509" cy="2425567"/>
+          </a:xfrm>
+          <a:prstGeom prst="rect">
+            <a:avLst/>
+          </a:prstGeom>
+          <a:noFill/>
+          <a:extLst>
+            <a:ext uri="{909E8E84-426E-40DD-AFC4-6F175D3DCCD1}">
+              <a14:hiddenFill xmlns:a14="http://schemas.microsoft.com/office/drawing/2010/main">
+                <a:solidFill>
+                  <a:srgbClr val="FFFFFF"/>
+                </a:solidFill>
+              </a14:hiddenFill>
+            </a:ext>
+          </a:extLst>
+        </p:spPr>
+      </p:pic>
+      <p:graphicFrame>
+        <p:nvGraphicFramePr>
+          <p:cNvPr id="4" name="Content Placeholder 3">
+            <a:extLst>
+              <a:ext uri="{FF2B5EF4-FFF2-40B4-BE49-F238E27FC236}">
+                <a16:creationId xmlns:a16="http://schemas.microsoft.com/office/drawing/2014/main" id="{B3CD43C3-66C0-405E-B987-A5ACBDA63AF4}"/>
+              </a:ext>
+            </a:extLst>
+          </p:cNvPr>
+          <p:cNvGraphicFramePr>
+            <a:graphicFrameLocks noGrp="1"/>
+          </p:cNvGraphicFramePr>
+          <p:nvPr>
+            <p:ph idx="1"/>
+            <p:extLst>
+              <p:ext uri="{D42A27DB-BD31-4B8C-83A1-F6EECF244321}">
+                <p14:modId xmlns:p14="http://schemas.microsoft.com/office/powerpoint/2010/main" val="3103418003"/>
+              </p:ext>
+            </p:extLst>
+          </p:nvPr>
+        </p:nvGraphicFramePr>
+        <p:xfrm>
+          <a:off x="6198781" y="2898745"/>
+          <a:ext cx="5523083" cy="3145171"/>
+        </p:xfrm>
+        <a:graphic>
+          <a:graphicData uri="http://schemas.openxmlformats.org/drawingml/2006/table">
+            <a:tbl>
+              <a:tblPr firstRow="1" firstCol="1" bandRow="1">
+                <a:tableStyleId>{5C22544A-7EE6-4342-B048-85BDC9FD1C3A}</a:tableStyleId>
+              </a:tblPr>
+              <a:tblGrid>
+                <a:gridCol w="2730795">
+                  <a:extLst>
+                    <a:ext uri="{9D8B030D-6E8A-4147-A177-3AD203B41FA5}">
+                      <a16:colId xmlns:a16="http://schemas.microsoft.com/office/drawing/2014/main" val="1553302086"/>
+                    </a:ext>
+                  </a:extLst>
+                </a:gridCol>
+                <a:gridCol w="2792288">
+                  <a:extLst>
+                    <a:ext uri="{9D8B030D-6E8A-4147-A177-3AD203B41FA5}">
+                      <a16:colId xmlns:a16="http://schemas.microsoft.com/office/drawing/2014/main" val="3702235209"/>
+                    </a:ext>
+                  </a:extLst>
+                </a:gridCol>
+              </a:tblGrid>
+              <a:tr h="308321">
+                <a:tc>
+                  <a:txBody>
+                    <a:bodyPr/>
+                    <a:lstStyle/>
+                    <a:p>
+                      <a:pPr>
+                        <a:lnSpc>
+                          <a:spcPct val="107000"/>
+                        </a:lnSpc>
+                        <a:spcAft>
+                          <a:spcPts val="800"/>
+                        </a:spcAft>
+                      </a:pPr>
+                      <a:r>
+                        <a:rPr lang="en-GB" sz="1600">
+                          <a:effectLst/>
+                        </a:rPr>
+                        <a:t>Advantages</a:t>
+                      </a:r>
+                      <a:endParaRPr lang="en-GB" sz="1600">
+                        <a:effectLst/>
+                        <a:latin typeface="Calibri" panose="020F0502020204030204" pitchFamily="34" charset="0"/>
+                        <a:ea typeface="Calibri" panose="020F0502020204030204" pitchFamily="34" charset="0"/>
+                        <a:cs typeface="Times New Roman" panose="02020603050405020304" pitchFamily="18" charset="0"/>
+                      </a:endParaRPr>
+                    </a:p>
+                  </a:txBody>
+                  <a:tcPr marL="102174" marR="102174" marT="0" marB="0"/>
+                </a:tc>
+                <a:tc>
+                  <a:txBody>
+                    <a:bodyPr/>
+                    <a:lstStyle/>
+                    <a:p>
+                      <a:pPr>
+                        <a:lnSpc>
+                          <a:spcPct val="107000"/>
+                        </a:lnSpc>
+                        <a:spcAft>
+                          <a:spcPts val="800"/>
+                        </a:spcAft>
+                      </a:pPr>
+                      <a:r>
+                        <a:rPr lang="en-GB" sz="1600">
+                          <a:effectLst/>
+                        </a:rPr>
+                        <a:t>Disadvantages</a:t>
+                      </a:r>
+                      <a:endParaRPr lang="en-GB" sz="1600">
+                        <a:effectLst/>
+                        <a:latin typeface="Calibri" panose="020F0502020204030204" pitchFamily="34" charset="0"/>
+                        <a:ea typeface="Calibri" panose="020F0502020204030204" pitchFamily="34" charset="0"/>
+                        <a:cs typeface="Times New Roman" panose="02020603050405020304" pitchFamily="18" charset="0"/>
+                      </a:endParaRPr>
+                    </a:p>
+                  </a:txBody>
+                  <a:tcPr marL="102174" marR="102174" marT="0" marB="0"/>
+                </a:tc>
+                <a:extLst>
+                  <a:ext uri="{0D108BD9-81ED-4DB2-BD59-A6C34878D82A}">
+                    <a16:rowId xmlns:a16="http://schemas.microsoft.com/office/drawing/2014/main" val="2400085408"/>
+                  </a:ext>
+                </a:extLst>
+              </a:tr>
+              <a:tr h="1110104">
+                <a:tc>
+                  <a:txBody>
+                    <a:bodyPr/>
+                    <a:lstStyle/>
+                    <a:p>
+                      <a:pPr>
+                        <a:lnSpc>
+                          <a:spcPct val="107000"/>
+                        </a:lnSpc>
+                        <a:spcAft>
+                          <a:spcPts val="800"/>
+                        </a:spcAft>
+                      </a:pPr>
+                      <a:r>
+                        <a:rPr lang="en-GB" sz="1600">
+                          <a:effectLst/>
+                        </a:rPr>
+                        <a:t>Can fly for a couple hours although the gas engine powered version can fly longer</a:t>
+                      </a:r>
+                      <a:endParaRPr lang="en-GB" sz="1600">
+                        <a:effectLst/>
+                        <a:latin typeface="Calibri" panose="020F0502020204030204" pitchFamily="34" charset="0"/>
+                        <a:ea typeface="Calibri" panose="020F0502020204030204" pitchFamily="34" charset="0"/>
+                        <a:cs typeface="Times New Roman" panose="02020603050405020304" pitchFamily="18" charset="0"/>
+                      </a:endParaRPr>
+                    </a:p>
+                  </a:txBody>
+                  <a:tcPr marL="102174" marR="102174" marT="0" marB="0"/>
+                </a:tc>
+                <a:tc>
+                  <a:txBody>
+                    <a:bodyPr/>
+                    <a:lstStyle/>
+                    <a:p>
+                      <a:pPr>
+                        <a:lnSpc>
+                          <a:spcPct val="107000"/>
+                        </a:lnSpc>
+                        <a:spcAft>
+                          <a:spcPts val="800"/>
+                        </a:spcAft>
+                      </a:pPr>
+                      <a:r>
+                        <a:rPr lang="en-GB" sz="1600">
+                          <a:effectLst/>
+                        </a:rPr>
+                        <a:t>Cannot hover in the air</a:t>
+                      </a:r>
+                      <a:endParaRPr lang="en-GB" sz="1600">
+                        <a:effectLst/>
+                        <a:latin typeface="Calibri" panose="020F0502020204030204" pitchFamily="34" charset="0"/>
+                        <a:ea typeface="Calibri" panose="020F0502020204030204" pitchFamily="34" charset="0"/>
+                        <a:cs typeface="Times New Roman" panose="02020603050405020304" pitchFamily="18" charset="0"/>
+                      </a:endParaRPr>
+                    </a:p>
+                  </a:txBody>
+                  <a:tcPr marL="102174" marR="102174" marT="0" marB="0"/>
+                </a:tc>
+                <a:extLst>
+                  <a:ext uri="{0D108BD9-81ED-4DB2-BD59-A6C34878D82A}">
+                    <a16:rowId xmlns:a16="http://schemas.microsoft.com/office/drawing/2014/main" val="1312171600"/>
+                  </a:ext>
+                </a:extLst>
+              </a:tr>
+              <a:tr h="575582">
+                <a:tc>
+                  <a:txBody>
+                    <a:bodyPr/>
+                    <a:lstStyle/>
+                    <a:p>
+                      <a:pPr>
+                        <a:lnSpc>
+                          <a:spcPct val="107000"/>
+                        </a:lnSpc>
+                        <a:spcAft>
+                          <a:spcPts val="800"/>
+                        </a:spcAft>
+                      </a:pPr>
+                      <a:r>
+                        <a:rPr lang="en-GB" sz="1600">
+                          <a:effectLst/>
+                        </a:rPr>
+                        <a:t>Good for long distance flying</a:t>
+                      </a:r>
+                      <a:endParaRPr lang="en-GB" sz="1600">
+                        <a:effectLst/>
+                        <a:latin typeface="Calibri" panose="020F0502020204030204" pitchFamily="34" charset="0"/>
+                        <a:ea typeface="Calibri" panose="020F0502020204030204" pitchFamily="34" charset="0"/>
+                        <a:cs typeface="Times New Roman" panose="02020603050405020304" pitchFamily="18" charset="0"/>
+                      </a:endParaRPr>
+                    </a:p>
+                  </a:txBody>
+                  <a:tcPr marL="102174" marR="102174" marT="0" marB="0"/>
+                </a:tc>
+                <a:tc>
+                  <a:txBody>
+                    <a:bodyPr/>
+                    <a:lstStyle/>
+                    <a:p>
+                      <a:pPr>
+                        <a:lnSpc>
+                          <a:spcPct val="107000"/>
+                        </a:lnSpc>
+                        <a:spcAft>
+                          <a:spcPts val="800"/>
+                        </a:spcAft>
+                      </a:pPr>
+                      <a:r>
+                        <a:rPr lang="en-GB" sz="1600">
+                          <a:effectLst/>
+                        </a:rPr>
+                        <a:t>Cannot be used for aerial photography</a:t>
+                      </a:r>
+                      <a:endParaRPr lang="en-GB" sz="1600">
+                        <a:effectLst/>
+                        <a:latin typeface="Calibri" panose="020F0502020204030204" pitchFamily="34" charset="0"/>
+                        <a:ea typeface="Calibri" panose="020F0502020204030204" pitchFamily="34" charset="0"/>
+                        <a:cs typeface="Times New Roman" panose="02020603050405020304" pitchFamily="18" charset="0"/>
+                      </a:endParaRPr>
+                    </a:p>
+                  </a:txBody>
+                  <a:tcPr marL="102174" marR="102174" marT="0" marB="0"/>
+                </a:tc>
+                <a:extLst>
+                  <a:ext uri="{0D108BD9-81ED-4DB2-BD59-A6C34878D82A}">
+                    <a16:rowId xmlns:a16="http://schemas.microsoft.com/office/drawing/2014/main" val="15786979"/>
+                  </a:ext>
+                </a:extLst>
+              </a:tr>
+              <a:tr h="575582">
+                <a:tc>
+                  <a:txBody>
+                    <a:bodyPr/>
+                    <a:lstStyle/>
+                    <a:p>
+                      <a:pPr>
+                        <a:lnSpc>
+                          <a:spcPct val="107000"/>
+                        </a:lnSpc>
+                        <a:spcAft>
+                          <a:spcPts val="800"/>
+                        </a:spcAft>
+                      </a:pPr>
+                      <a:r>
+                        <a:rPr lang="en-GB" sz="1600">
+                          <a:effectLst/>
+                        </a:rPr>
+                        <a:t> </a:t>
+                      </a:r>
+                      <a:endParaRPr lang="en-GB" sz="1600">
+                        <a:effectLst/>
+                        <a:latin typeface="Calibri" panose="020F0502020204030204" pitchFamily="34" charset="0"/>
+                        <a:ea typeface="Calibri" panose="020F0502020204030204" pitchFamily="34" charset="0"/>
+                        <a:cs typeface="Times New Roman" panose="02020603050405020304" pitchFamily="18" charset="0"/>
+                      </a:endParaRPr>
+                    </a:p>
+                  </a:txBody>
+                  <a:tcPr marL="102174" marR="102174" marT="0" marB="0"/>
+                </a:tc>
+                <a:tc>
+                  <a:txBody>
+                    <a:bodyPr/>
+                    <a:lstStyle/>
+                    <a:p>
+                      <a:pPr>
+                        <a:lnSpc>
+                          <a:spcPct val="107000"/>
+                        </a:lnSpc>
+                        <a:spcAft>
+                          <a:spcPts val="800"/>
+                        </a:spcAft>
+                      </a:pPr>
+                      <a:r>
+                        <a:rPr lang="en-GB" sz="1600">
+                          <a:effectLst/>
+                        </a:rPr>
+                        <a:t>High cost and requires skill training</a:t>
+                      </a:r>
+                      <a:endParaRPr lang="en-GB" sz="1600">
+                        <a:effectLst/>
+                        <a:latin typeface="Calibri" panose="020F0502020204030204" pitchFamily="34" charset="0"/>
+                        <a:ea typeface="Calibri" panose="020F0502020204030204" pitchFamily="34" charset="0"/>
+                        <a:cs typeface="Times New Roman" panose="02020603050405020304" pitchFamily="18" charset="0"/>
+                      </a:endParaRPr>
+                    </a:p>
+                  </a:txBody>
+                  <a:tcPr marL="102174" marR="102174" marT="0" marB="0"/>
+                </a:tc>
+                <a:extLst>
+                  <a:ext uri="{0D108BD9-81ED-4DB2-BD59-A6C34878D82A}">
+                    <a16:rowId xmlns:a16="http://schemas.microsoft.com/office/drawing/2014/main" val="3759168702"/>
+                  </a:ext>
+                </a:extLst>
+              </a:tr>
+              <a:tr h="575582">
+                <a:tc>
+                  <a:txBody>
+                    <a:bodyPr/>
+                    <a:lstStyle/>
+                    <a:p>
+                      <a:pPr>
+                        <a:lnSpc>
+                          <a:spcPct val="107000"/>
+                        </a:lnSpc>
+                        <a:spcAft>
+                          <a:spcPts val="800"/>
+                        </a:spcAft>
+                      </a:pPr>
+                      <a:r>
+                        <a:rPr lang="en-GB" sz="1600">
+                          <a:effectLst/>
+                        </a:rPr>
+                        <a:t> </a:t>
+                      </a:r>
+                      <a:endParaRPr lang="en-GB" sz="1600">
+                        <a:effectLst/>
+                        <a:latin typeface="Calibri" panose="020F0502020204030204" pitchFamily="34" charset="0"/>
+                        <a:ea typeface="Calibri" panose="020F0502020204030204" pitchFamily="34" charset="0"/>
+                        <a:cs typeface="Times New Roman" panose="02020603050405020304" pitchFamily="18" charset="0"/>
+                      </a:endParaRPr>
+                    </a:p>
+                  </a:txBody>
+                  <a:tcPr marL="102174" marR="102174" marT="0" marB="0"/>
+                </a:tc>
+                <a:tc>
+                  <a:txBody>
+                    <a:bodyPr/>
+                    <a:lstStyle/>
+                    <a:p>
+                      <a:pPr>
+                        <a:lnSpc>
+                          <a:spcPct val="107000"/>
+                        </a:lnSpc>
+                        <a:spcAft>
+                          <a:spcPts val="800"/>
+                        </a:spcAft>
+                      </a:pPr>
+                      <a:r>
+                        <a:rPr lang="en-GB" sz="1600">
+                          <a:effectLst/>
+                        </a:rPr>
+                        <a:t>Requires the use of a runway or catapult laucher</a:t>
+                      </a:r>
+                      <a:endParaRPr lang="en-GB" sz="1600">
+                        <a:effectLst/>
+                        <a:latin typeface="Calibri" panose="020F0502020204030204" pitchFamily="34" charset="0"/>
+                        <a:ea typeface="Calibri" panose="020F0502020204030204" pitchFamily="34" charset="0"/>
+                        <a:cs typeface="Times New Roman" panose="02020603050405020304" pitchFamily="18" charset="0"/>
+                      </a:endParaRPr>
+                    </a:p>
+                  </a:txBody>
+                  <a:tcPr marL="102174" marR="102174" marT="0" marB="0"/>
+                </a:tc>
+                <a:extLst>
+                  <a:ext uri="{0D108BD9-81ED-4DB2-BD59-A6C34878D82A}">
+                    <a16:rowId xmlns:a16="http://schemas.microsoft.com/office/drawing/2014/main" val="323999363"/>
+                  </a:ext>
+                </a:extLst>
+              </a:tr>
+            </a:tbl>
+          </a:graphicData>
+        </a:graphic>
+      </p:graphicFrame>
+    </p:spTree>
+    <p:extLst>
+      <p:ext uri="{BB962C8B-B14F-4D97-AF65-F5344CB8AC3E}">
+        <p14:creationId xmlns:p14="http://schemas.microsoft.com/office/powerpoint/2010/main" val="2497425287"/>
+      </p:ext>
+    </p:extLst>
+  </p:cSld>
+  <p:clrMapOvr>
+    <a:masterClrMapping/>
+  </p:clrMapOvr>
+</p:sld>
+</file>
+
+<file path=ppt/slides/slide5.xml><?xml version="1.0" encoding="utf-8"?>
+<p:sld xmlns:a="http://schemas.openxmlformats.org/drawingml/2006/main" xmlns:r="http://schemas.openxmlformats.org/officeDocument/2006/relationships" xmlns:p="http://schemas.openxmlformats.org/presentationml/2006/main">
+  <p:cSld>
+    <p:bg>
+      <p:bgPr>
+        <a:solidFill>
+          <a:schemeClr val="bg1"/>
+        </a:solidFill>
+        <a:effectLst/>
+      </p:bgPr>
+    </p:bg>
+    <p:spTree>
+      <p:nvGrpSpPr>
+        <p:cNvPr id="1" name=""/>
+        <p:cNvGrpSpPr/>
+        <p:nvPr/>
+      </p:nvGrpSpPr>
+      <p:grpSpPr>
+        <a:xfrm>
+          <a:off x="0" y="0"/>
+          <a:ext cx="0" cy="0"/>
+          <a:chOff x="0" y="0"/>
+          <a:chExt cx="0" cy="0"/>
+        </a:xfrm>
+      </p:grpSpPr>
+      <p:sp useBgFill="1">
+        <p:nvSpPr>
+          <p:cNvPr id="70" name="Rectangle 69">
+            <a:extLst>
+              <a:ext uri="{FF2B5EF4-FFF2-40B4-BE49-F238E27FC236}">
+                <a16:creationId xmlns:a16="http://schemas.microsoft.com/office/drawing/2014/main" id="{385E1BDC-A9B0-4A87-82E3-F3187F69A802}"/>
+              </a:ext>
+              <a:ext uri="{C183D7F6-B498-43B3-948B-1728B52AA6E4}">
+                <adec:decorative xmlns:adec="http://schemas.microsoft.com/office/drawing/2017/decorative" val="1"/>
+              </a:ext>
+            </a:extLst>
+          </p:cNvPr>
+          <p:cNvSpPr>
+            <a:spLocks noGrp="1" noRot="1" noChangeAspect="1" noMove="1" noResize="1" noEditPoints="1" noAdjustHandles="1" noChangeArrowheads="1" noChangeShapeType="1" noTextEdit="1"/>
+          </p:cNvSpPr>
+          <p:nvPr>
+            <p:extLst>
+              <p:ext uri="{386F3935-93C4-4BCD-93E2-E3B085C9AB24}">
+                <p16:designElem xmlns:p16="http://schemas.microsoft.com/office/powerpoint/2015/main" val="1"/>
+              </p:ext>
+            </p:extLst>
+          </p:nvPr>
+        </p:nvSpPr>
+        <p:spPr>
+          <a:xfrm>
+            <a:off x="0" y="0"/>
+            <a:ext cx="12192000" cy="6858000"/>
+          </a:xfrm>
+          <a:prstGeom prst="rect">
+            <a:avLst/>
+          </a:prstGeom>
+          <a:ln>
+            <a:noFill/>
+          </a:ln>
+        </p:spPr>
+        <p:style>
+          <a:lnRef idx="2">
+            <a:schemeClr val="accent1">
+              <a:shade val="50000"/>
+            </a:schemeClr>
+          </a:lnRef>
+          <a:fillRef idx="1">
+            <a:schemeClr val="accent1"/>
+          </a:fillRef>
+          <a:effectRef idx="0">
+            <a:schemeClr val="accent1"/>
+          </a:effectRef>
+          <a:fontRef idx="minor">
+            <a:schemeClr val="lt1"/>
+          </a:fontRef>
+        </p:style>
+        <p:txBody>
+          <a:bodyPr rtlCol="0" anchor="ctr"/>
+          <a:lstStyle/>
+          <a:p>
+            <a:pPr algn="ctr"/>
+            <a:endParaRPr lang="en-US"/>
+          </a:p>
+        </p:txBody>
+      </p:sp>
+      <p:sp useBgFill="1">
+        <p:nvSpPr>
+          <p:cNvPr id="72" name="Rectangle 71">
+            <a:extLst>
+              <a:ext uri="{FF2B5EF4-FFF2-40B4-BE49-F238E27FC236}">
+                <a16:creationId xmlns:a16="http://schemas.microsoft.com/office/drawing/2014/main" id="{0990C621-3B8B-4820-8328-D47EF7CE823C}"/>
+              </a:ext>
+              <a:ext uri="{C183D7F6-B498-43B3-948B-1728B52AA6E4}">
+                <adec:decorative xmlns:adec="http://schemas.microsoft.com/office/drawing/2017/decorative" val="1"/>
+              </a:ext>
+            </a:extLst>
+          </p:cNvPr>
+          <p:cNvSpPr>
+            <a:spLocks noGrp="1" noRot="1" noChangeAspect="1" noMove="1" noResize="1" noEditPoints="1" noAdjustHandles="1" noChangeArrowheads="1" noChangeShapeType="1" noTextEdit="1"/>
+          </p:cNvSpPr>
+          <p:nvPr>
+            <p:extLst>
+              <p:ext uri="{386F3935-93C4-4BCD-93E2-E3B085C9AB24}">
+                <p16:designElem xmlns:p16="http://schemas.microsoft.com/office/powerpoint/2015/main" val="1"/>
+              </p:ext>
+            </p:extLst>
+          </p:nvPr>
+        </p:nvSpPr>
+        <p:spPr>
+          <a:xfrm>
+            <a:off x="554416" y="365125"/>
+            <a:ext cx="11167447" cy="2089317"/>
+          </a:xfrm>
+          <a:prstGeom prst="rect">
+            <a:avLst/>
+          </a:prstGeom>
+          <a:ln w="12700">
+            <a:solidFill>
+              <a:schemeClr val="tx2">
+                <a:lumMod val="10000"/>
+                <a:lumOff val="90000"/>
+              </a:schemeClr>
+            </a:solidFill>
+          </a:ln>
+          <a:effectLst>
+            <a:outerShdw blurRad="50800" dist="38100" dir="2700000" algn="tl" rotWithShape="0">
+              <a:schemeClr val="bg2">
+                <a:lumMod val="85000"/>
+                <a:alpha val="30000"/>
+              </a:schemeClr>
+            </a:outerShdw>
+          </a:effectLst>
+        </p:spPr>
+        <p:style>
+          <a:lnRef idx="2">
+            <a:schemeClr val="accent1">
+              <a:shade val="50000"/>
+            </a:schemeClr>
+          </a:lnRef>
+          <a:fillRef idx="1">
+            <a:schemeClr val="accent1"/>
+          </a:fillRef>
+          <a:effectRef idx="0">
+            <a:schemeClr val="accent1"/>
+          </a:effectRef>
+          <a:fontRef idx="minor">
+            <a:schemeClr val="lt1"/>
+          </a:fontRef>
+        </p:style>
+        <p:txBody>
+          <a:bodyPr rtlCol="0" anchor="ctr"/>
+          <a:lstStyle/>
+          <a:p>
+            <a:pPr marL="0" marR="0" lvl="0" indent="0" algn="ctr" defTabSz="914400" rtl="0" eaLnBrk="1" fontAlgn="auto" latinLnBrk="0" hangingPunct="1">
+              <a:lnSpc>
+                <a:spcPct val="100000"/>
+              </a:lnSpc>
+              <a:spcBef>
+                <a:spcPts val="0"/>
+              </a:spcBef>
+              <a:spcAft>
+                <a:spcPts val="0"/>
+              </a:spcAft>
+              <a:buClrTx/>
+              <a:buSzTx/>
+              <a:buFontTx/>
+              <a:buNone/>
+              <a:tabLst/>
+              <a:defRPr/>
+            </a:pPr>
+            <a:endParaRPr kumimoji="0" lang="en-US" sz="1800" b="0" i="0" u="none" strike="noStrike" kern="1200" cap="none" spc="0" normalizeH="0" baseline="0" noProof="0">
+              <a:ln>
+                <a:noFill/>
+              </a:ln>
+              <a:solidFill>
+                <a:prstClr val="white"/>
+              </a:solidFill>
+              <a:effectLst/>
+              <a:uLnTx/>
+              <a:uFillTx/>
+              <a:latin typeface="Calibri" panose="020F0502020204030204"/>
+              <a:ea typeface="+mn-ea"/>
+              <a:cs typeface="+mn-cs"/>
+            </a:endParaRPr>
+          </a:p>
+        </p:txBody>
+      </p:sp>
+      <p:sp>
+        <p:nvSpPr>
+          <p:cNvPr id="2" name="Title 1">
+            <a:extLst>
+              <a:ext uri="{FF2B5EF4-FFF2-40B4-BE49-F238E27FC236}">
+                <a16:creationId xmlns:a16="http://schemas.microsoft.com/office/drawing/2014/main" id="{6AF6E3F5-D7AA-414F-888E-19E88EBB784F}"/>
+              </a:ext>
+            </a:extLst>
+          </p:cNvPr>
+          <p:cNvSpPr>
+            <a:spLocks noGrp="1"/>
+          </p:cNvSpPr>
+          <p:nvPr>
+            <p:ph type="title"/>
+          </p:nvPr>
+        </p:nvSpPr>
+        <p:spPr>
+          <a:xfrm>
+            <a:off x="1051560" y="586822"/>
+            <a:ext cx="3538728" cy="1645920"/>
+          </a:xfrm>
+        </p:spPr>
+        <p:txBody>
+          <a:bodyPr vert="horz" lIns="91440" tIns="45720" rIns="91440" bIns="45720" rtlCol="0" anchor="ctr">
+            <a:normAutofit/>
+          </a:bodyPr>
+          <a:lstStyle/>
+          <a:p>
+            <a:r>
+              <a:rPr lang="en-US" sz="3200" dirty="0"/>
+              <a:t>Single rotor drones</a:t>
+            </a:r>
+          </a:p>
+        </p:txBody>
+      </p:sp>
+      <p:sp>
+        <p:nvSpPr>
+          <p:cNvPr id="74" name="Rectangle 73">
+            <a:extLst>
+              <a:ext uri="{FF2B5EF4-FFF2-40B4-BE49-F238E27FC236}">
+                <a16:creationId xmlns:a16="http://schemas.microsoft.com/office/drawing/2014/main" id="{C1A2385B-1D2A-4E17-84FA-6CB7F0AAE473}"/>
+              </a:ext>
+              <a:ext uri="{C183D7F6-B498-43B3-948B-1728B52AA6E4}">
+                <adec:decorative xmlns:adec="http://schemas.microsoft.com/office/drawing/2017/decorative" val="1"/>
+              </a:ext>
+            </a:extLst>
+          </p:cNvPr>
+          <p:cNvSpPr>
+            <a:spLocks noGrp="1" noRot="1" noChangeAspect="1" noMove="1" noResize="1" noEditPoints="1" noAdjustHandles="1" noChangeArrowheads="1" noChangeShapeType="1" noTextEdit="1"/>
+          </p:cNvSpPr>
+          <p:nvPr>
+            <p:extLst>
+              <p:ext uri="{386F3935-93C4-4BCD-93E2-E3B085C9AB24}">
+                <p16:designElem xmlns:p16="http://schemas.microsoft.com/office/powerpoint/2015/main" val="1"/>
+              </p:ext>
+            </p:extLst>
+          </p:nvPr>
+        </p:nvSpPr>
+        <p:spPr>
+          <a:xfrm>
+            <a:off x="490408" y="1057739"/>
+            <a:ext cx="128016" cy="704088"/>
+          </a:xfrm>
+          <a:prstGeom prst="rect">
+            <a:avLst/>
+          </a:prstGeom>
+          <a:solidFill>
+            <a:schemeClr val="accent1"/>
+          </a:solidFill>
+          <a:ln>
+            <a:noFill/>
+          </a:ln>
+        </p:spPr>
+        <p:style>
+          <a:lnRef idx="2">
+            <a:schemeClr val="accent1">
+              <a:shade val="50000"/>
+            </a:schemeClr>
+          </a:lnRef>
+          <a:fillRef idx="1">
+            <a:schemeClr val="accent1"/>
+          </a:fillRef>
+          <a:effectRef idx="0">
+            <a:schemeClr val="accent1"/>
+          </a:effectRef>
+          <a:fontRef idx="minor">
+            <a:schemeClr val="lt1"/>
+          </a:fontRef>
+        </p:style>
+        <p:txBody>
+          <a:bodyPr rtlCol="0" anchor="ctr"/>
+          <a:lstStyle/>
+          <a:p>
+            <a:pPr marL="0" marR="0" lvl="0" indent="0" algn="ctr" defTabSz="914400" rtl="0" eaLnBrk="1" fontAlgn="auto" latinLnBrk="0" hangingPunct="1">
+              <a:lnSpc>
+                <a:spcPct val="100000"/>
+              </a:lnSpc>
+              <a:spcBef>
+                <a:spcPts val="0"/>
+              </a:spcBef>
+              <a:spcAft>
+                <a:spcPts val="0"/>
+              </a:spcAft>
+              <a:buClrTx/>
+              <a:buSzTx/>
+              <a:buFontTx/>
+              <a:buNone/>
+              <a:tabLst/>
+              <a:defRPr/>
+            </a:pPr>
+            <a:endParaRPr kumimoji="0" lang="en-US" sz="1800" b="0" i="0" u="none" strike="noStrike" kern="1200" cap="none" spc="0" normalizeH="0" baseline="0" noProof="0" dirty="0">
+              <a:ln>
+                <a:noFill/>
+              </a:ln>
+              <a:solidFill>
+                <a:prstClr val="white"/>
+              </a:solidFill>
+              <a:effectLst/>
+              <a:uLnTx/>
+              <a:uFillTx/>
+              <a:latin typeface="Calibri" panose="020F0502020204030204"/>
+              <a:ea typeface="+mn-ea"/>
+              <a:cs typeface="+mn-cs"/>
+            </a:endParaRPr>
+          </a:p>
+        </p:txBody>
+      </p:sp>
+      <p:sp>
+        <p:nvSpPr>
+          <p:cNvPr id="76" name="Rectangle 75">
+            <a:extLst>
+              <a:ext uri="{FF2B5EF4-FFF2-40B4-BE49-F238E27FC236}">
+                <a16:creationId xmlns:a16="http://schemas.microsoft.com/office/drawing/2014/main" id="{5E791F2F-79DB-4CC0-9FA1-001E3E91E8B7}"/>
+              </a:ext>
+              <a:ext uri="{C183D7F6-B498-43B3-948B-1728B52AA6E4}">
+                <adec:decorative xmlns:adec="http://schemas.microsoft.com/office/drawing/2017/decorative" val="1"/>
+              </a:ext>
+            </a:extLst>
+          </p:cNvPr>
+          <p:cNvSpPr>
+            <a:spLocks noGrp="1" noRot="1" noChangeAspect="1" noMove="1" noResize="1" noEditPoints="1" noAdjustHandles="1" noChangeArrowheads="1" noChangeShapeType="1" noTextEdit="1"/>
+          </p:cNvSpPr>
+          <p:nvPr>
+            <p:extLst>
+              <p:ext uri="{386F3935-93C4-4BCD-93E2-E3B085C9AB24}">
+                <p16:designElem xmlns:p16="http://schemas.microsoft.com/office/powerpoint/2015/main" val="1"/>
+              </p:ext>
+            </p:extLst>
+          </p:nvPr>
+        </p:nvSpPr>
+        <p:spPr>
+          <a:xfrm rot="5400000">
+            <a:off x="4248113" y="1405210"/>
+            <a:ext cx="1463040" cy="9144"/>
+          </a:xfrm>
+          <a:prstGeom prst="rect">
+            <a:avLst/>
+          </a:prstGeom>
+          <a:solidFill>
+            <a:schemeClr val="tx2">
+              <a:lumMod val="25000"/>
+              <a:lumOff val="75000"/>
+            </a:schemeClr>
+          </a:solidFill>
+          <a:ln w="3175">
+            <a:noFill/>
+          </a:ln>
+          <a:effectLst/>
+        </p:spPr>
+        <p:style>
+          <a:lnRef idx="2">
+            <a:schemeClr val="accent1">
+              <a:shade val="50000"/>
+            </a:schemeClr>
+          </a:lnRef>
+          <a:fillRef idx="1">
+            <a:schemeClr val="accent1"/>
+          </a:fillRef>
+          <a:effectRef idx="0">
+            <a:schemeClr val="accent1"/>
+          </a:effectRef>
+          <a:fontRef idx="minor">
+            <a:schemeClr val="lt1"/>
+          </a:fontRef>
+        </p:style>
+        <p:txBody>
+          <a:bodyPr rtlCol="0" anchor="ctr"/>
+          <a:lstStyle/>
+          <a:p>
+            <a:pPr marL="0" marR="0" lvl="0" indent="0" algn="ctr" defTabSz="914400" rtl="0" eaLnBrk="1" fontAlgn="auto" latinLnBrk="0" hangingPunct="1">
+              <a:lnSpc>
+                <a:spcPct val="100000"/>
+              </a:lnSpc>
+              <a:spcBef>
+                <a:spcPts val="0"/>
+              </a:spcBef>
+              <a:spcAft>
+                <a:spcPts val="0"/>
+              </a:spcAft>
+              <a:buClrTx/>
+              <a:buSzTx/>
+              <a:buFontTx/>
+              <a:buNone/>
+              <a:tabLst/>
+              <a:defRPr/>
+            </a:pPr>
+            <a:endParaRPr kumimoji="0" lang="en-US" sz="1800" b="0" i="0" u="none" strike="noStrike" kern="1200" cap="none" spc="0" normalizeH="0" baseline="0" noProof="0">
+              <a:ln>
+                <a:noFill/>
+              </a:ln>
+              <a:solidFill>
+                <a:prstClr val="white"/>
+              </a:solidFill>
+              <a:effectLst/>
+              <a:uLnTx/>
+              <a:uFillTx/>
+              <a:latin typeface="Calibri" panose="020F0502020204030204"/>
+              <a:ea typeface="+mn-ea"/>
+              <a:cs typeface="+mn-cs"/>
+            </a:endParaRPr>
+          </a:p>
+        </p:txBody>
+      </p:sp>
+      <p:sp>
+        <p:nvSpPr>
+          <p:cNvPr id="5" name="Rectangle 2">
+            <a:extLst>
+              <a:ext uri="{FF2B5EF4-FFF2-40B4-BE49-F238E27FC236}">
+                <a16:creationId xmlns:a16="http://schemas.microsoft.com/office/drawing/2014/main" id="{2377DC3B-511F-4125-AB0C-6650995ABB1B}"/>
+              </a:ext>
+            </a:extLst>
+          </p:cNvPr>
+          <p:cNvSpPr>
+            <a:spLocks noChangeArrowheads="1"/>
+          </p:cNvSpPr>
+          <p:nvPr/>
+        </p:nvSpPr>
+        <p:spPr bwMode="auto">
+          <a:xfrm>
+            <a:off x="5349240" y="586822"/>
+            <a:ext cx="6007608" cy="1645920"/>
+          </a:xfrm>
+          <a:prstGeom prst="rect">
+            <a:avLst/>
+          </a:prstGeom>
+          <a:extLst>
+            <a:ext uri="{909E8E84-426E-40DD-AFC4-6F175D3DCCD1}">
+              <a14:hiddenFill xmlns:a14="http://schemas.microsoft.com/office/drawing/2010/main">
+                <a:solidFill>
+                  <a:schemeClr val="accent1"/>
+                </a:solidFill>
+              </a14:hiddenFill>
+            </a:ext>
+            <a:ext uri="{91240B29-F687-4F45-9708-019B960494DF}">
+              <a14:hiddenLine xmlns:a14="http://schemas.microsoft.com/office/drawing/2010/main" w="9525">
+                <a:solidFill>
+                  <a:schemeClr val="tx1"/>
+                </a:solidFill>
+                <a:miter lim="800000"/>
+                <a:headEnd/>
+                <a:tailEnd/>
+              </a14:hiddenLine>
+            </a:ext>
+            <a:ext uri="{AF507438-7753-43E0-B8FC-AC1667EBCBE1}">
+              <a14:hiddenEffects xmlns:a14="http://schemas.microsoft.com/office/drawing/2010/main">
+                <a:effectLst>
+                  <a:outerShdw dist="35921" dir="2700000" algn="ctr" rotWithShape="0">
+                    <a:schemeClr val="bg2"/>
+                  </a:outerShdw>
+                </a:effectLst>
+              </a14:hiddenEffects>
+            </a:ext>
+          </a:extLst>
+        </p:spPr>
+        <p:txBody>
+          <a:bodyPr vert="horz" lIns="91440" tIns="45720" rIns="91440" bIns="45720" numCol="1" rtlCol="0" anchor="ctr" anchorCtr="0" compatLnSpc="1">
+            <a:prstTxWarp prst="textNoShape">
+              <a:avLst/>
+            </a:prstTxWarp>
+            <a:normAutofit/>
+          </a:bodyPr>
+          <a:lstStyle/>
+          <a:p>
+            <a:pPr marL="0" marR="0" lvl="0" indent="0" algn="l" defTabSz="914400" rtl="0" eaLnBrk="0" fontAlgn="base" latinLnBrk="0" hangingPunct="0">
+              <a:spcBef>
+                <a:spcPct val="0"/>
+              </a:spcBef>
+              <a:spcAft>
+                <a:spcPts val="600"/>
+              </a:spcAft>
+              <a:buClrTx/>
+              <a:buSzTx/>
+              <a:buFontTx/>
+              <a:buNone/>
+              <a:tabLst/>
+            </a:pPr>
+            <a:r>
+              <a:rPr kumimoji="0" lang="en-GB" altLang="en-US" sz="1800" b="0" i="0" u="none" strike="noStrike" cap="none" normalizeH="0" baseline="0" dirty="0">
+                <a:ln>
+                  <a:noFill/>
+                </a:ln>
+                <a:solidFill>
+                  <a:schemeClr val="tx1"/>
+                </a:solidFill>
+                <a:effectLst/>
+                <a:latin typeface="Calibri" panose="020F0502020204030204" pitchFamily="34" charset="0"/>
+                <a:ea typeface="Calibri" panose="020F0502020204030204" pitchFamily="34" charset="0"/>
+                <a:cs typeface="Times New Roman" panose="02020603050405020304" pitchFamily="18" charset="0"/>
+              </a:rPr>
+              <a:t>Similar design to a helicopter, has a big rotor and small rotor at the tail to control the heading</a:t>
+            </a:r>
+            <a:endParaRPr kumimoji="0" lang="en-GB" altLang="en-US" sz="1100" b="0" i="0" u="none" strike="noStrike" cap="none" normalizeH="0" baseline="0" dirty="0">
+              <a:ln>
+                <a:noFill/>
+              </a:ln>
+              <a:solidFill>
+                <a:schemeClr val="tx1"/>
+              </a:solidFill>
+              <a:effectLst/>
+            </a:endParaRPr>
+          </a:p>
+          <a:p>
+            <a:pPr marL="0" marR="0" lvl="0" indent="-228600" fontAlgn="base">
+              <a:lnSpc>
+                <a:spcPct val="110000"/>
+              </a:lnSpc>
+              <a:spcBef>
+                <a:spcPct val="0"/>
+              </a:spcBef>
+              <a:spcAft>
+                <a:spcPts val="600"/>
+              </a:spcAft>
+              <a:buClrTx/>
+              <a:buSzTx/>
+              <a:buFont typeface="Arial" panose="020B0604020202020204" pitchFamily="34" charset="0"/>
+              <a:buChar char="•"/>
+              <a:tabLst/>
+            </a:pPr>
+            <a:endParaRPr kumimoji="0" lang="en-US" altLang="en-US" b="0" i="0" u="none" strike="noStrike" cap="none" normalizeH="0" baseline="0" dirty="0">
+              <a:ln>
+                <a:noFill/>
+              </a:ln>
+              <a:effectLst/>
+            </a:endParaRPr>
+          </a:p>
+        </p:txBody>
+      </p:sp>
+      <p:pic>
+        <p:nvPicPr>
+          <p:cNvPr id="4097" name="Picture 3">
+            <a:extLst>
+              <a:ext uri="{FF2B5EF4-FFF2-40B4-BE49-F238E27FC236}">
+                <a16:creationId xmlns:a16="http://schemas.microsoft.com/office/drawing/2014/main" id="{8DD0BA9F-A3C5-426C-B19A-52E94B276182}"/>
+              </a:ext>
+            </a:extLst>
+          </p:cNvPr>
+          <p:cNvPicPr>
+            <a:picLocks noChangeAspect="1" noChangeArrowheads="1"/>
+          </p:cNvPicPr>
+          <p:nvPr/>
+        </p:nvPicPr>
+        <p:blipFill>
+          <a:blip r:embed="rId2">
+            <a:extLst>
+              <a:ext uri="{28A0092B-C50C-407E-A947-70E740481C1C}">
+                <a14:useLocalDpi xmlns:a14="http://schemas.microsoft.com/office/drawing/2010/main" val="0"/>
+              </a:ext>
+            </a:extLst>
+          </a:blip>
+          <a:stretch>
+            <a:fillRect/>
+          </a:stretch>
+        </p:blipFill>
+        <p:spPr bwMode="auto">
+          <a:xfrm>
+            <a:off x="1556605" y="2729397"/>
+            <a:ext cx="3483864" cy="3483864"/>
+          </a:xfrm>
+          <a:prstGeom prst="rect">
+            <a:avLst/>
+          </a:prstGeom>
+          <a:noFill/>
+          <a:extLst>
+            <a:ext uri="{909E8E84-426E-40DD-AFC4-6F175D3DCCD1}">
+              <a14:hiddenFill xmlns:a14="http://schemas.microsoft.com/office/drawing/2010/main">
+                <a:solidFill>
+                  <a:srgbClr val="FFFFFF"/>
+                </a:solidFill>
+              </a14:hiddenFill>
+            </a:ext>
+          </a:extLst>
+        </p:spPr>
+      </p:pic>
+      <p:graphicFrame>
+        <p:nvGraphicFramePr>
+          <p:cNvPr id="4" name="Content Placeholder 3">
+            <a:extLst>
+              <a:ext uri="{FF2B5EF4-FFF2-40B4-BE49-F238E27FC236}">
+                <a16:creationId xmlns:a16="http://schemas.microsoft.com/office/drawing/2014/main" id="{D52FA03B-08AF-40E2-87FF-1C7DB176F05C}"/>
+              </a:ext>
+            </a:extLst>
+          </p:cNvPr>
+          <p:cNvGraphicFramePr>
+            <a:graphicFrameLocks noGrp="1"/>
+          </p:cNvGraphicFramePr>
+          <p:nvPr>
+            <p:ph idx="1"/>
+            <p:extLst>
+              <p:ext uri="{D42A27DB-BD31-4B8C-83A1-F6EECF244321}">
+                <p14:modId xmlns:p14="http://schemas.microsoft.com/office/powerpoint/2010/main" val="2598500718"/>
+              </p:ext>
+            </p:extLst>
+          </p:nvPr>
+        </p:nvGraphicFramePr>
+        <p:xfrm>
+          <a:off x="6198781" y="3178683"/>
+          <a:ext cx="5523083" cy="2862394"/>
+        </p:xfrm>
+        <a:graphic>
+          <a:graphicData uri="http://schemas.openxmlformats.org/drawingml/2006/table">
+            <a:tbl>
+              <a:tblPr firstRow="1" firstCol="1" bandRow="1">
+                <a:tableStyleId>{5C22544A-7EE6-4342-B048-85BDC9FD1C3A}</a:tableStyleId>
+              </a:tblPr>
+              <a:tblGrid>
+                <a:gridCol w="2624831">
+                  <a:extLst>
+                    <a:ext uri="{9D8B030D-6E8A-4147-A177-3AD203B41FA5}">
+                      <a16:colId xmlns:a16="http://schemas.microsoft.com/office/drawing/2014/main" val="808635351"/>
+                    </a:ext>
+                  </a:extLst>
+                </a:gridCol>
+                <a:gridCol w="2898252">
+                  <a:extLst>
+                    <a:ext uri="{9D8B030D-6E8A-4147-A177-3AD203B41FA5}">
+                      <a16:colId xmlns:a16="http://schemas.microsoft.com/office/drawing/2014/main" val="951419079"/>
+                    </a:ext>
+                  </a:extLst>
+                </a:gridCol>
+              </a:tblGrid>
+              <a:tr h="391683">
+                <a:tc>
+                  <a:txBody>
+                    <a:bodyPr/>
+                    <a:lstStyle/>
+                    <a:p>
+                      <a:pPr>
+                        <a:lnSpc>
+                          <a:spcPct val="107000"/>
+                        </a:lnSpc>
+                        <a:spcAft>
+                          <a:spcPts val="800"/>
+                        </a:spcAft>
+                      </a:pPr>
+                      <a:r>
+                        <a:rPr lang="en-GB" sz="2100">
+                          <a:effectLst/>
+                        </a:rPr>
+                        <a:t>Advantages</a:t>
+                      </a:r>
+                      <a:endParaRPr lang="en-GB" sz="2100">
+                        <a:effectLst/>
+                        <a:latin typeface="Calibri" panose="020F0502020204030204" pitchFamily="34" charset="0"/>
+                        <a:ea typeface="Calibri" panose="020F0502020204030204" pitchFamily="34" charset="0"/>
+                        <a:cs typeface="Times New Roman" panose="02020603050405020304" pitchFamily="18" charset="0"/>
+                      </a:endParaRPr>
+                    </a:p>
+                  </a:txBody>
+                  <a:tcPr marL="129799" marR="129799" marT="0" marB="0"/>
+                </a:tc>
+                <a:tc>
+                  <a:txBody>
+                    <a:bodyPr/>
+                    <a:lstStyle/>
+                    <a:p>
+                      <a:pPr>
+                        <a:lnSpc>
+                          <a:spcPct val="107000"/>
+                        </a:lnSpc>
+                        <a:spcAft>
+                          <a:spcPts val="800"/>
+                        </a:spcAft>
+                      </a:pPr>
+                      <a:r>
+                        <a:rPr lang="en-GB" sz="2100">
+                          <a:effectLst/>
+                        </a:rPr>
+                        <a:t>Disadvantages</a:t>
+                      </a:r>
+                      <a:endParaRPr lang="en-GB" sz="2100">
+                        <a:effectLst/>
+                        <a:latin typeface="Calibri" panose="020F0502020204030204" pitchFamily="34" charset="0"/>
+                        <a:ea typeface="Calibri" panose="020F0502020204030204" pitchFamily="34" charset="0"/>
+                        <a:cs typeface="Times New Roman" panose="02020603050405020304" pitchFamily="18" charset="0"/>
+                      </a:endParaRPr>
+                    </a:p>
+                  </a:txBody>
+                  <a:tcPr marL="129799" marR="129799" marT="0" marB="0"/>
+                </a:tc>
+                <a:extLst>
+                  <a:ext uri="{0D108BD9-81ED-4DB2-BD59-A6C34878D82A}">
+                    <a16:rowId xmlns:a16="http://schemas.microsoft.com/office/drawing/2014/main" val="2512323945"/>
+                  </a:ext>
+                </a:extLst>
+              </a:tr>
+              <a:tr h="391683">
+                <a:tc>
+                  <a:txBody>
+                    <a:bodyPr/>
+                    <a:lstStyle/>
+                    <a:p>
+                      <a:pPr>
+                        <a:lnSpc>
+                          <a:spcPct val="107000"/>
+                        </a:lnSpc>
+                        <a:spcAft>
+                          <a:spcPts val="800"/>
+                        </a:spcAft>
+                      </a:pPr>
+                      <a:r>
+                        <a:rPr lang="en-GB" sz="2100">
+                          <a:effectLst/>
+                        </a:rPr>
+                        <a:t>Higher flying times</a:t>
+                      </a:r>
+                      <a:endParaRPr lang="en-GB" sz="2100">
+                        <a:effectLst/>
+                        <a:latin typeface="Calibri" panose="020F0502020204030204" pitchFamily="34" charset="0"/>
+                        <a:ea typeface="Calibri" panose="020F0502020204030204" pitchFamily="34" charset="0"/>
+                        <a:cs typeface="Times New Roman" panose="02020603050405020304" pitchFamily="18" charset="0"/>
+                      </a:endParaRPr>
+                    </a:p>
+                  </a:txBody>
+                  <a:tcPr marL="129799" marR="129799" marT="0" marB="0"/>
+                </a:tc>
+                <a:tc>
+                  <a:txBody>
+                    <a:bodyPr/>
+                    <a:lstStyle/>
+                    <a:p>
+                      <a:pPr>
+                        <a:lnSpc>
+                          <a:spcPct val="107000"/>
+                        </a:lnSpc>
+                        <a:spcAft>
+                          <a:spcPts val="800"/>
+                        </a:spcAft>
+                      </a:pPr>
+                      <a:r>
+                        <a:rPr lang="en-GB" sz="2100">
+                          <a:effectLst/>
+                        </a:rPr>
+                        <a:t>Costs</a:t>
+                      </a:r>
+                      <a:endParaRPr lang="en-GB" sz="2100">
+                        <a:effectLst/>
+                        <a:latin typeface="Calibri" panose="020F0502020204030204" pitchFamily="34" charset="0"/>
+                        <a:ea typeface="Calibri" panose="020F0502020204030204" pitchFamily="34" charset="0"/>
+                        <a:cs typeface="Times New Roman" panose="02020603050405020304" pitchFamily="18" charset="0"/>
+                      </a:endParaRPr>
+                    </a:p>
+                  </a:txBody>
+                  <a:tcPr marL="129799" marR="129799" marT="0" marB="0"/>
+                </a:tc>
+                <a:extLst>
+                  <a:ext uri="{0D108BD9-81ED-4DB2-BD59-A6C34878D82A}">
+                    <a16:rowId xmlns:a16="http://schemas.microsoft.com/office/drawing/2014/main" val="1642194085"/>
+                  </a:ext>
+                </a:extLst>
+              </a:tr>
+              <a:tr h="1070726">
+                <a:tc>
+                  <a:txBody>
+                    <a:bodyPr/>
+                    <a:lstStyle/>
+                    <a:p>
+                      <a:pPr>
+                        <a:lnSpc>
+                          <a:spcPct val="107000"/>
+                        </a:lnSpc>
+                        <a:spcAft>
+                          <a:spcPts val="800"/>
+                        </a:spcAft>
+                      </a:pPr>
+                      <a:r>
+                        <a:rPr lang="en-GB" sz="2100">
+                          <a:effectLst/>
+                        </a:rPr>
+                        <a:t>Does not need a runway or catapult launcher</a:t>
+                      </a:r>
+                      <a:endParaRPr lang="en-GB" sz="2100">
+                        <a:effectLst/>
+                        <a:latin typeface="Calibri" panose="020F0502020204030204" pitchFamily="34" charset="0"/>
+                        <a:ea typeface="Calibri" panose="020F0502020204030204" pitchFamily="34" charset="0"/>
+                        <a:cs typeface="Times New Roman" panose="02020603050405020304" pitchFamily="18" charset="0"/>
+                      </a:endParaRPr>
+                    </a:p>
+                  </a:txBody>
+                  <a:tcPr marL="129799" marR="129799" marT="0" marB="0"/>
+                </a:tc>
+                <a:tc>
+                  <a:txBody>
+                    <a:bodyPr/>
+                    <a:lstStyle/>
+                    <a:p>
+                      <a:pPr>
+                        <a:lnSpc>
+                          <a:spcPct val="107000"/>
+                        </a:lnSpc>
+                        <a:spcAft>
+                          <a:spcPts val="800"/>
+                        </a:spcAft>
+                      </a:pPr>
+                      <a:r>
+                        <a:rPr lang="en-GB" sz="2100">
+                          <a:effectLst/>
+                        </a:rPr>
+                        <a:t>Complexity &amp; operational risks e.g. fatal injuries</a:t>
+                      </a:r>
+                      <a:endParaRPr lang="en-GB" sz="2100">
+                        <a:effectLst/>
+                        <a:latin typeface="Calibri" panose="020F0502020204030204" pitchFamily="34" charset="0"/>
+                        <a:ea typeface="Calibri" panose="020F0502020204030204" pitchFamily="34" charset="0"/>
+                        <a:cs typeface="Times New Roman" panose="02020603050405020304" pitchFamily="18" charset="0"/>
+                      </a:endParaRPr>
+                    </a:p>
+                  </a:txBody>
+                  <a:tcPr marL="129799" marR="129799" marT="0" marB="0"/>
+                </a:tc>
+                <a:extLst>
+                  <a:ext uri="{0D108BD9-81ED-4DB2-BD59-A6C34878D82A}">
+                    <a16:rowId xmlns:a16="http://schemas.microsoft.com/office/drawing/2014/main" val="3259336022"/>
+                  </a:ext>
+                </a:extLst>
+              </a:tr>
+              <a:tr h="731203">
+                <a:tc>
+                  <a:txBody>
+                    <a:bodyPr/>
+                    <a:lstStyle/>
+                    <a:p>
+                      <a:pPr>
+                        <a:lnSpc>
+                          <a:spcPct val="107000"/>
+                        </a:lnSpc>
+                        <a:spcAft>
+                          <a:spcPts val="800"/>
+                        </a:spcAft>
+                      </a:pPr>
+                      <a:r>
+                        <a:rPr lang="en-GB" sz="2100">
+                          <a:effectLst/>
+                        </a:rPr>
+                        <a:t>Can hover</a:t>
+                      </a:r>
+                      <a:endParaRPr lang="en-GB" sz="2100">
+                        <a:effectLst/>
+                        <a:latin typeface="Calibri" panose="020F0502020204030204" pitchFamily="34" charset="0"/>
+                        <a:ea typeface="Calibri" panose="020F0502020204030204" pitchFamily="34" charset="0"/>
+                        <a:cs typeface="Times New Roman" panose="02020603050405020304" pitchFamily="18" charset="0"/>
+                      </a:endParaRPr>
+                    </a:p>
+                  </a:txBody>
+                  <a:tcPr marL="129799" marR="129799" marT="0" marB="0"/>
+                </a:tc>
+                <a:tc>
+                  <a:txBody>
+                    <a:bodyPr/>
+                    <a:lstStyle/>
+                    <a:p>
+                      <a:pPr>
+                        <a:lnSpc>
+                          <a:spcPct val="107000"/>
+                        </a:lnSpc>
+                        <a:spcAft>
+                          <a:spcPts val="800"/>
+                        </a:spcAft>
+                      </a:pPr>
+                      <a:r>
+                        <a:rPr lang="en-GB" sz="2100">
+                          <a:effectLst/>
+                        </a:rPr>
+                        <a:t>Special training required</a:t>
+                      </a:r>
+                      <a:endParaRPr lang="en-GB" sz="2100">
+                        <a:effectLst/>
+                        <a:latin typeface="Calibri" panose="020F0502020204030204" pitchFamily="34" charset="0"/>
+                        <a:ea typeface="Calibri" panose="020F0502020204030204" pitchFamily="34" charset="0"/>
+                        <a:cs typeface="Times New Roman" panose="02020603050405020304" pitchFamily="18" charset="0"/>
+                      </a:endParaRPr>
+                    </a:p>
+                  </a:txBody>
+                  <a:tcPr marL="129799" marR="129799" marT="0" marB="0"/>
+                </a:tc>
+                <a:extLst>
+                  <a:ext uri="{0D108BD9-81ED-4DB2-BD59-A6C34878D82A}">
+                    <a16:rowId xmlns:a16="http://schemas.microsoft.com/office/drawing/2014/main" val="1139005550"/>
+                  </a:ext>
+                </a:extLst>
+              </a:tr>
+            </a:tbl>
+          </a:graphicData>
+        </a:graphic>
+      </p:graphicFrame>
+    </p:spTree>
+    <p:extLst>
+      <p:ext uri="{BB962C8B-B14F-4D97-AF65-F5344CB8AC3E}">
+        <p14:creationId xmlns:p14="http://schemas.microsoft.com/office/powerpoint/2010/main" val="823297505"/>
+      </p:ext>
+    </p:extLst>
+  </p:cSld>
+  <p:clrMapOvr>
+    <a:masterClrMapping/>
+  </p:clrMapOvr>
+</p:sld>
+</file>
+
+<file path=ppt/slides/slide6.xml><?xml version="1.0" encoding="utf-8"?>
+<p:sld xmlns:a="http://schemas.openxmlformats.org/drawingml/2006/main" xmlns:r="http://schemas.openxmlformats.org/officeDocument/2006/relationships" xmlns:p="http://schemas.openxmlformats.org/presentationml/2006/main">
+  <p:cSld>
+    <p:spTree>
+      <p:nvGrpSpPr>
+        <p:cNvPr id="1" name=""/>
+        <p:cNvGrpSpPr/>
+        <p:nvPr/>
+      </p:nvGrpSpPr>
+      <p:grpSpPr>
+        <a:xfrm>
+          <a:off x="0" y="0"/>
+          <a:ext cx="0" cy="0"/>
+          <a:chOff x="0" y="0"/>
+          <a:chExt cx="0" cy="0"/>
+        </a:xfrm>
+      </p:grpSpPr>
+      <p:sp>
+        <p:nvSpPr>
+          <p:cNvPr id="2" name="Title 1">
+            <a:extLst>
+              <a:ext uri="{FF2B5EF4-FFF2-40B4-BE49-F238E27FC236}">
+                <a16:creationId xmlns:a16="http://schemas.microsoft.com/office/drawing/2014/main" id="{CD3509EA-C674-422D-9EC3-1E08449BA00E}"/>
+              </a:ext>
+            </a:extLst>
+          </p:cNvPr>
+          <p:cNvSpPr>
+            <a:spLocks noGrp="1"/>
+          </p:cNvSpPr>
+          <p:nvPr>
+            <p:ph type="title"/>
+          </p:nvPr>
+        </p:nvSpPr>
+        <p:spPr/>
+        <p:txBody>
+          <a:bodyPr/>
+          <a:lstStyle/>
+          <a:p>
+            <a:r>
+              <a:rPr lang="en-GB" dirty="0"/>
+              <a:t>Ethical use</a:t>
+            </a:r>
+          </a:p>
+        </p:txBody>
+      </p:sp>
+      <p:sp>
+        <p:nvSpPr>
+          <p:cNvPr id="3" name="Content Placeholder 2">
+            <a:extLst>
+              <a:ext uri="{FF2B5EF4-FFF2-40B4-BE49-F238E27FC236}">
+                <a16:creationId xmlns:a16="http://schemas.microsoft.com/office/drawing/2014/main" id="{437E856E-5A73-4046-916C-B7513CD1543E}"/>
+              </a:ext>
+            </a:extLst>
+          </p:cNvPr>
+          <p:cNvSpPr>
+            <a:spLocks noGrp="1"/>
+          </p:cNvSpPr>
+          <p:nvPr>
+            <p:ph idx="1"/>
+          </p:nvPr>
+        </p:nvSpPr>
+        <p:spPr/>
+        <p:txBody>
+          <a:bodyPr/>
+          <a:lstStyle/>
+          <a:p>
+            <a:pPr marL="0" indent="0">
+              <a:lnSpc>
+                <a:spcPct val="107000"/>
+              </a:lnSpc>
+              <a:spcBef>
+                <a:spcPts val="1200"/>
+              </a:spcBef>
+              <a:buNone/>
+            </a:pPr>
+            <a:endParaRPr lang="en-GB" sz="1800" dirty="0">
+              <a:effectLst/>
+              <a:latin typeface="Calibri" panose="020F0502020204030204" pitchFamily="34" charset="0"/>
+              <a:ea typeface="Calibri" panose="020F0502020204030204" pitchFamily="34" charset="0"/>
+              <a:cs typeface="Times New Roman" panose="02020603050405020304" pitchFamily="18" charset="0"/>
+            </a:endParaRPr>
+          </a:p>
+          <a:p>
+            <a:pPr>
+              <a:lnSpc>
+                <a:spcPct val="107000"/>
+              </a:lnSpc>
+              <a:spcAft>
+                <a:spcPts val="800"/>
+              </a:spcAft>
+            </a:pPr>
+            <a:r>
+              <a:rPr lang="en-GB" sz="1800" dirty="0">
+                <a:effectLst/>
+                <a:latin typeface="Calibri" panose="020F0502020204030204" pitchFamily="34" charset="0"/>
+                <a:ea typeface="Calibri" panose="020F0502020204030204" pitchFamily="34" charset="0"/>
+                <a:cs typeface="Times New Roman" panose="02020603050405020304" pitchFamily="18" charset="0"/>
+              </a:rPr>
+              <a:t>Drones are often used for personal/company use. Sometimes a company may use drones to gain a bird’s eye view of an area of operation so they can monitor an area of operation e.g. solar panel farms, mining operations.</a:t>
+            </a:r>
+          </a:p>
+          <a:p>
+            <a:pPr>
+              <a:lnSpc>
+                <a:spcPct val="107000"/>
+              </a:lnSpc>
+              <a:spcAft>
+                <a:spcPts val="800"/>
+              </a:spcAft>
+            </a:pPr>
+            <a:r>
+              <a:rPr lang="en-GB" sz="1800" dirty="0">
+                <a:effectLst/>
+                <a:latin typeface="Calibri" panose="020F0502020204030204" pitchFamily="34" charset="0"/>
+                <a:ea typeface="Calibri" panose="020F0502020204030204" pitchFamily="34" charset="0"/>
+                <a:cs typeface="Times New Roman" panose="02020603050405020304" pitchFamily="18" charset="0"/>
+              </a:rPr>
+              <a:t>Drones are used sometimes when manned aircraft cannot be used due to many factors such as air traffic, potential danger for a manned pilot. Therefore, a drone can be used instead as drones are smaller and cheap to replace and maintain compared to a manned aircraft pilot.</a:t>
+            </a:r>
+          </a:p>
+          <a:p>
+            <a:endParaRPr lang="en-GB" dirty="0"/>
+          </a:p>
+        </p:txBody>
+      </p:sp>
+    </p:spTree>
+    <p:extLst>
+      <p:ext uri="{BB962C8B-B14F-4D97-AF65-F5344CB8AC3E}">
+        <p14:creationId xmlns:p14="http://schemas.microsoft.com/office/powerpoint/2010/main" val="1923726852"/>
+      </p:ext>
+    </p:extLst>
+  </p:cSld>
+  <p:clrMapOvr>
+    <a:masterClrMapping/>
+  </p:clrMapOvr>
+</p:sld>
+</file>
+
+<file path=ppt/slides/slide7.xml><?xml version="1.0" encoding="utf-8"?>
+<p:sld xmlns:a="http://schemas.openxmlformats.org/drawingml/2006/main" xmlns:r="http://schemas.openxmlformats.org/officeDocument/2006/relationships" xmlns:p="http://schemas.openxmlformats.org/presentationml/2006/main">
+  <p:cSld>
+    <p:spTree>
+      <p:nvGrpSpPr>
+        <p:cNvPr id="1" name=""/>
+        <p:cNvGrpSpPr/>
+        <p:nvPr/>
+      </p:nvGrpSpPr>
+      <p:grpSpPr>
+        <a:xfrm>
+          <a:off x="0" y="0"/>
+          <a:ext cx="0" cy="0"/>
+          <a:chOff x="0" y="0"/>
+          <a:chExt cx="0" cy="0"/>
+        </a:xfrm>
+      </p:grpSpPr>
+      <p:sp>
+        <p:nvSpPr>
+          <p:cNvPr id="2" name="Title 1">
+            <a:extLst>
+              <a:ext uri="{FF2B5EF4-FFF2-40B4-BE49-F238E27FC236}">
+                <a16:creationId xmlns:a16="http://schemas.microsoft.com/office/drawing/2014/main" id="{3F53BFCC-9E60-4C59-ADC7-411607538B38}"/>
+              </a:ext>
+            </a:extLst>
+          </p:cNvPr>
+          <p:cNvSpPr>
+            <a:spLocks noGrp="1"/>
+          </p:cNvSpPr>
+          <p:nvPr>
+            <p:ph type="title"/>
+          </p:nvPr>
+        </p:nvSpPr>
+        <p:spPr/>
+        <p:txBody>
+          <a:bodyPr/>
+          <a:lstStyle/>
+          <a:p>
+            <a:r>
+              <a:rPr lang="en-GB" dirty="0"/>
+              <a:t>Unethical use</a:t>
+            </a:r>
+          </a:p>
+        </p:txBody>
+      </p:sp>
+      <p:sp>
+        <p:nvSpPr>
+          <p:cNvPr id="3" name="Content Placeholder 2">
+            <a:extLst>
+              <a:ext uri="{FF2B5EF4-FFF2-40B4-BE49-F238E27FC236}">
+                <a16:creationId xmlns:a16="http://schemas.microsoft.com/office/drawing/2014/main" id="{C1E89441-8FBB-4F12-9C92-77D2E3BC5ED1}"/>
+              </a:ext>
+            </a:extLst>
+          </p:cNvPr>
+          <p:cNvSpPr>
+            <a:spLocks noGrp="1"/>
+          </p:cNvSpPr>
+          <p:nvPr>
+            <p:ph idx="1"/>
+          </p:nvPr>
+        </p:nvSpPr>
+        <p:spPr/>
+        <p:txBody>
+          <a:bodyPr/>
+          <a:lstStyle/>
+          <a:p>
+            <a:pPr>
+              <a:lnSpc>
+                <a:spcPct val="107000"/>
+              </a:lnSpc>
+              <a:spcAft>
+                <a:spcPts val="800"/>
+              </a:spcAft>
+            </a:pPr>
+            <a:r>
+              <a:rPr lang="en-GB" sz="1800" dirty="0">
+                <a:effectLst/>
+                <a:latin typeface="Calibri" panose="020F0502020204030204" pitchFamily="34" charset="0"/>
+                <a:ea typeface="Calibri" panose="020F0502020204030204" pitchFamily="34" charset="0"/>
+                <a:cs typeface="Times New Roman" panose="02020603050405020304" pitchFamily="18" charset="0"/>
+              </a:rPr>
+              <a:t>There has been reports made of unethical use of drones e.g. used to stalk/monitor people. A primary concern is safety as most drones fly at low attitude which can cause a danger to life if used in a populated area.</a:t>
+            </a:r>
+          </a:p>
+          <a:p>
+            <a:pPr>
+              <a:lnSpc>
+                <a:spcPct val="107000"/>
+              </a:lnSpc>
+              <a:spcAft>
+                <a:spcPts val="800"/>
+              </a:spcAft>
+            </a:pPr>
+            <a:r>
+              <a:rPr lang="en-GB" sz="1800" dirty="0">
+                <a:effectLst/>
+                <a:latin typeface="Calibri" panose="020F0502020204030204" pitchFamily="34" charset="0"/>
+                <a:ea typeface="Calibri" panose="020F0502020204030204" pitchFamily="34" charset="0"/>
+                <a:cs typeface="Times New Roman" panose="02020603050405020304" pitchFamily="18" charset="0"/>
+              </a:rPr>
+              <a:t>Military use of drones has been a topic such as the use of UAV’s as they have the potential to cause collateral damage and risk the potential of being hacked</a:t>
+            </a:r>
+          </a:p>
+          <a:p>
+            <a:endParaRPr lang="en-GB" dirty="0"/>
+          </a:p>
+        </p:txBody>
+      </p:sp>
+    </p:spTree>
+    <p:extLst>
+      <p:ext uri="{BB962C8B-B14F-4D97-AF65-F5344CB8AC3E}">
+        <p14:creationId xmlns:p14="http://schemas.microsoft.com/office/powerpoint/2010/main" val="3458708405"/>
+      </p:ext>
+    </p:extLst>
+  </p:cSld>
+  <p:clrMapOvr>
+    <a:masterClrMapping/>
+  </p:clrMapOvr>
+</p:sld>
+</file>
+
+<file path=ppt/slides/slide8.xml><?xml version="1.0" encoding="utf-8"?>
+<p:sld xmlns:a="http://schemas.openxmlformats.org/drawingml/2006/main" xmlns:r="http://schemas.openxmlformats.org/officeDocument/2006/relationships" xmlns:p="http://schemas.openxmlformats.org/presentationml/2006/main">
+  <p:cSld>
+    <p:spTree>
+      <p:nvGrpSpPr>
+        <p:cNvPr id="1" name=""/>
+        <p:cNvGrpSpPr/>
+        <p:nvPr/>
+      </p:nvGrpSpPr>
+      <p:grpSpPr>
+        <a:xfrm>
+          <a:off x="0" y="0"/>
+          <a:ext cx="0" cy="0"/>
+          <a:chOff x="0" y="0"/>
+          <a:chExt cx="0" cy="0"/>
+        </a:xfrm>
+      </p:grpSpPr>
+      <p:sp>
+        <p:nvSpPr>
+          <p:cNvPr id="2" name="Title 1">
+            <a:extLst>
+              <a:ext uri="{FF2B5EF4-FFF2-40B4-BE49-F238E27FC236}">
+                <a16:creationId xmlns:a16="http://schemas.microsoft.com/office/drawing/2014/main" id="{A2A4123F-D174-4A68-B86B-3188058758C0}"/>
+              </a:ext>
+            </a:extLst>
+          </p:cNvPr>
+          <p:cNvSpPr>
+            <a:spLocks noGrp="1"/>
+          </p:cNvSpPr>
+          <p:nvPr>
+            <p:ph type="title"/>
+          </p:nvPr>
+        </p:nvSpPr>
+        <p:spPr/>
+        <p:txBody>
+          <a:bodyPr/>
+          <a:lstStyle/>
+          <a:p>
+            <a:r>
+              <a:rPr lang="en-GB" dirty="0"/>
+              <a:t>Early warning system</a:t>
+            </a:r>
+          </a:p>
+        </p:txBody>
+      </p:sp>
+      <p:sp>
+        <p:nvSpPr>
+          <p:cNvPr id="3" name="Content Placeholder 2">
+            <a:extLst>
+              <a:ext uri="{FF2B5EF4-FFF2-40B4-BE49-F238E27FC236}">
+                <a16:creationId xmlns:a16="http://schemas.microsoft.com/office/drawing/2014/main" id="{5B74B8A3-2114-402A-9144-4F502776A1B0}"/>
+              </a:ext>
+            </a:extLst>
+          </p:cNvPr>
+          <p:cNvSpPr>
+            <a:spLocks noGrp="1"/>
+          </p:cNvSpPr>
+          <p:nvPr>
+            <p:ph idx="1"/>
+          </p:nvPr>
+        </p:nvSpPr>
+        <p:spPr/>
+        <p:txBody>
+          <a:bodyPr>
+            <a:normAutofit fontScale="85000" lnSpcReduction="20000"/>
+          </a:bodyPr>
+          <a:lstStyle/>
+          <a:p>
+            <a:r>
+              <a:rPr lang="en-GB" dirty="0"/>
+              <a:t>Research was carried out using YouTube, reading articles.</a:t>
+            </a:r>
+          </a:p>
+          <a:p>
+            <a:endParaRPr lang="en-GB" dirty="0"/>
+          </a:p>
+          <a:p>
+            <a:pPr>
+              <a:lnSpc>
+                <a:spcPct val="107000"/>
+              </a:lnSpc>
+              <a:spcAft>
+                <a:spcPts val="800"/>
+              </a:spcAft>
+            </a:pPr>
+            <a:r>
+              <a:rPr lang="en-GB" sz="1800" dirty="0">
+                <a:effectLst/>
+                <a:latin typeface="Calibri" panose="020F0502020204030204" pitchFamily="34" charset="0"/>
+                <a:ea typeface="Calibri" panose="020F0502020204030204" pitchFamily="34" charset="0"/>
+                <a:cs typeface="Times New Roman" panose="02020603050405020304" pitchFamily="18" charset="0"/>
+              </a:rPr>
+              <a:t>Early warning is key to detecting threats and reducing the potential collateral damage that could take place. In the case of drones most airports will have this as the earlier the threat is countered the better the situation with detecting the drone and using the most effective method for countering drones. In addition to this you can detect which drone is a friendly drone(e.g. owned by you or your company) or an enemy drone(random drone or a spy drone that could be linked to industrial espionage).</a:t>
+            </a:r>
+          </a:p>
+          <a:p>
+            <a:pPr marL="0" indent="0">
+              <a:lnSpc>
+                <a:spcPct val="107000"/>
+              </a:lnSpc>
+              <a:spcAft>
+                <a:spcPts val="800"/>
+              </a:spcAft>
+              <a:buNone/>
+            </a:pPr>
+            <a:r>
+              <a:rPr lang="en-GB" sz="1800" dirty="0">
+                <a:effectLst/>
+                <a:latin typeface="Calibri" panose="020F0502020204030204" pitchFamily="34" charset="0"/>
+                <a:ea typeface="Calibri" panose="020F0502020204030204" pitchFamily="34" charset="0"/>
+                <a:cs typeface="Times New Roman" panose="02020603050405020304" pitchFamily="18" charset="0"/>
+              </a:rPr>
+              <a:t> – My interpretation from current knowledge</a:t>
+            </a:r>
+          </a:p>
+          <a:p>
+            <a:pPr marL="0" indent="0">
+              <a:lnSpc>
+                <a:spcPct val="107000"/>
+              </a:lnSpc>
+              <a:spcAft>
+                <a:spcPts val="800"/>
+              </a:spcAft>
+              <a:buNone/>
+            </a:pPr>
+            <a:endParaRPr lang="en-GB" sz="1800" dirty="0">
+              <a:effectLst/>
+              <a:latin typeface="Calibri" panose="020F0502020204030204" pitchFamily="34" charset="0"/>
+              <a:ea typeface="Calibri" panose="020F0502020204030204" pitchFamily="34" charset="0"/>
+              <a:cs typeface="Times New Roman" panose="02020603050405020304" pitchFamily="18" charset="0"/>
+            </a:endParaRPr>
+          </a:p>
+          <a:p>
+            <a:pPr>
+              <a:lnSpc>
+                <a:spcPct val="107000"/>
+              </a:lnSpc>
+              <a:spcAft>
+                <a:spcPts val="800"/>
+              </a:spcAft>
+            </a:pPr>
+            <a:r>
+              <a:rPr lang="en-GB" sz="1800" dirty="0">
+                <a:effectLst/>
+                <a:latin typeface="Calibri" panose="020F0502020204030204" pitchFamily="34" charset="0"/>
+                <a:ea typeface="Calibri" panose="020F0502020204030204" pitchFamily="34" charset="0"/>
+                <a:cs typeface="Times New Roman" panose="02020603050405020304" pitchFamily="18" charset="0"/>
+              </a:rPr>
+              <a:t>Radar and soundwaves are often used in early warning systems as they can track when objects are in range, but both come with advantages and disadvantages.</a:t>
+            </a:r>
+          </a:p>
+          <a:p>
+            <a:endParaRPr lang="en-GB" dirty="0"/>
+          </a:p>
+        </p:txBody>
+      </p:sp>
+    </p:spTree>
+    <p:extLst>
+      <p:ext uri="{BB962C8B-B14F-4D97-AF65-F5344CB8AC3E}">
+        <p14:creationId xmlns:p14="http://schemas.microsoft.com/office/powerpoint/2010/main" val="2500826057"/>
+      </p:ext>
+    </p:extLst>
+  </p:cSld>
+  <p:clrMapOvr>
+    <a:masterClrMapping/>
+  </p:clrMapOvr>
+</p:sld>
+</file>
+
+<file path=ppt/slides/slide9.xml><?xml version="1.0" encoding="utf-8"?>
+<p:sld xmlns:a="http://schemas.openxmlformats.org/drawingml/2006/main" xmlns:r="http://schemas.openxmlformats.org/officeDocument/2006/relationships" xmlns:p="http://schemas.openxmlformats.org/presentationml/2006/main">
+  <p:cSld>
+    <p:spTree>
+      <p:nvGrpSpPr>
+        <p:cNvPr id="1" name=""/>
+        <p:cNvGrpSpPr/>
+        <p:nvPr/>
+      </p:nvGrpSpPr>
+      <p:grpSpPr>
+        <a:xfrm>
+          <a:off x="0" y="0"/>
+          <a:ext cx="0" cy="0"/>
+          <a:chOff x="0" y="0"/>
+          <a:chExt cx="0" cy="0"/>
+        </a:xfrm>
+      </p:grpSpPr>
+      <p:sp>
+        <p:nvSpPr>
+          <p:cNvPr id="2" name="Title 1">
+            <a:extLst>
+              <a:ext uri="{FF2B5EF4-FFF2-40B4-BE49-F238E27FC236}">
+                <a16:creationId xmlns:a16="http://schemas.microsoft.com/office/drawing/2014/main" id="{F95086BE-500D-4654-86BC-3C95962AD1EE}"/>
+              </a:ext>
+            </a:extLst>
+          </p:cNvPr>
+          <p:cNvSpPr>
+            <a:spLocks noGrp="1"/>
+          </p:cNvSpPr>
+          <p:nvPr>
+            <p:ph type="title"/>
+          </p:nvPr>
+        </p:nvSpPr>
+        <p:spPr/>
+        <p:txBody>
+          <a:bodyPr/>
+          <a:lstStyle/>
+          <a:p>
+            <a:r>
+              <a:rPr lang="en-GB" dirty="0"/>
+              <a:t>Abstract</a:t>
+            </a:r>
+          </a:p>
+        </p:txBody>
+      </p:sp>
+      <p:sp>
+        <p:nvSpPr>
+          <p:cNvPr id="3" name="Content Placeholder 2">
+            <a:extLst>
+              <a:ext uri="{FF2B5EF4-FFF2-40B4-BE49-F238E27FC236}">
+                <a16:creationId xmlns:a16="http://schemas.microsoft.com/office/drawing/2014/main" id="{7F9DBA84-5577-4B2B-BD6A-CCAC6E01D120}"/>
+              </a:ext>
+            </a:extLst>
+          </p:cNvPr>
+          <p:cNvSpPr>
+            <a:spLocks noGrp="1"/>
+          </p:cNvSpPr>
+          <p:nvPr>
+            <p:ph idx="1"/>
+          </p:nvPr>
+        </p:nvSpPr>
+        <p:spPr>
+          <a:xfrm>
+            <a:off x="605161" y="2149550"/>
+            <a:ext cx="10981678" cy="2369184"/>
+          </a:xfrm>
+        </p:spPr>
+        <p:txBody>
+          <a:bodyPr/>
+          <a:lstStyle/>
+          <a:p>
+            <a:pPr marL="0" indent="0">
+              <a:buNone/>
+            </a:pPr>
+            <a:r>
+              <a:rPr lang="en-GB" i="1" dirty="0"/>
+              <a:t>“</a:t>
+            </a:r>
+            <a:r>
+              <a:rPr lang="en-GB" sz="1800" i="1" dirty="0">
+                <a:effectLst/>
+                <a:latin typeface="Calibri" panose="020F0502020204030204" pitchFamily="34" charset="0"/>
+                <a:ea typeface="Calibri" panose="020F0502020204030204" pitchFamily="34" charset="0"/>
+                <a:cs typeface="Times New Roman" panose="02020603050405020304" pitchFamily="18" charset="0"/>
+              </a:rPr>
+              <a:t>Drones have a unique history which started with being used for military applications and only in recent history to be used for private and commercial uses. In the right hands drones can be a force for good and saves lives whereas in the wrong hands drones have the potential to cause insurmountable collateral damage. The aim of this project is to find a solution to counter drones which a commercial drone and software define radio(SDR) will be used. Drones are controlled between the frequencies of 2.5 to 5.8GHz, although the signal can be jammed at 1.5GHz. Through the use of GPS spoofing a drone’s location can be false which may can cause a drone to either not fly or receive a signal from the flyer.”</a:t>
+            </a:r>
+          </a:p>
+        </p:txBody>
+      </p:sp>
+      <p:sp>
+        <p:nvSpPr>
+          <p:cNvPr id="6" name="Content Placeholder 2">
+            <a:extLst>
+              <a:ext uri="{FF2B5EF4-FFF2-40B4-BE49-F238E27FC236}">
+                <a16:creationId xmlns:a16="http://schemas.microsoft.com/office/drawing/2014/main" id="{BC849AA4-D4A6-4D6B-A75D-F02170AC153F}"/>
+              </a:ext>
+            </a:extLst>
+          </p:cNvPr>
+          <p:cNvSpPr txBox="1">
+            <a:spLocks/>
+          </p:cNvSpPr>
+          <p:nvPr/>
+        </p:nvSpPr>
+        <p:spPr>
+          <a:xfrm>
+            <a:off x="605161" y="4940068"/>
+            <a:ext cx="10981678" cy="1182209"/>
+          </a:xfrm>
+          <a:prstGeom prst="rect">
+            <a:avLst/>
+          </a:prstGeom>
+        </p:spPr>
+        <p:txBody>
+          <a:bodyPr vert="horz" lIns="91440" tIns="45720" rIns="91440" bIns="45720" rtlCol="0">
+            <a:normAutofit/>
+          </a:bodyPr>
+          <a:lstStyle>
+            <a:lvl1pPr marL="228600" indent="-228600" algn="l" defTabSz="914400" rtl="0" eaLnBrk="1" latinLnBrk="0" hangingPunct="1">
+              <a:lnSpc>
+                <a:spcPct val="110000"/>
+              </a:lnSpc>
+              <a:spcBef>
+                <a:spcPts val="1000"/>
+              </a:spcBef>
+              <a:buFont typeface="Arial" panose="020B0604020202020204" pitchFamily="34" charset="0"/>
+              <a:buChar char="•"/>
+              <a:defRPr sz="2800" kern="1200">
+                <a:solidFill>
+                  <a:schemeClr val="tx1"/>
+                </a:solidFill>
+                <a:latin typeface="+mn-lt"/>
+                <a:ea typeface="+mn-ea"/>
+                <a:cs typeface="+mn-cs"/>
+              </a:defRPr>
+            </a:lvl1pPr>
+            <a:lvl2pPr marL="685800" indent="-228600" algn="l" defTabSz="914400" rtl="0" eaLnBrk="1" latinLnBrk="0" hangingPunct="1">
+              <a:lnSpc>
+                <a:spcPct val="110000"/>
+              </a:lnSpc>
+              <a:spcBef>
+                <a:spcPts val="500"/>
+              </a:spcBef>
+              <a:buFont typeface="Arial" panose="020B0604020202020204" pitchFamily="34" charset="0"/>
+              <a:buChar char="•"/>
+              <a:defRPr sz="2400" kern="1200">
+                <a:solidFill>
+                  <a:schemeClr val="tx1"/>
+                </a:solidFill>
+                <a:latin typeface="+mn-lt"/>
+                <a:ea typeface="+mn-ea"/>
+                <a:cs typeface="+mn-cs"/>
+              </a:defRPr>
+            </a:lvl2pPr>
+            <a:lvl3pPr marL="1143000" indent="-228600" algn="l" defTabSz="914400" rtl="0" eaLnBrk="1" latinLnBrk="0" hangingPunct="1">
+              <a:lnSpc>
+                <a:spcPct val="110000"/>
+              </a:lnSpc>
+              <a:spcBef>
+                <a:spcPts val="500"/>
+              </a:spcBef>
+              <a:buFont typeface="Arial" panose="020B0604020202020204" pitchFamily="34" charset="0"/>
+              <a:buChar char="•"/>
+              <a:defRPr sz="2000" kern="1200">
+                <a:solidFill>
+                  <a:schemeClr val="tx1"/>
+                </a:solidFill>
+                <a:latin typeface="+mn-lt"/>
+                <a:ea typeface="+mn-ea"/>
+                <a:cs typeface="+mn-cs"/>
+              </a:defRPr>
+            </a:lvl3pPr>
+            <a:lvl4pPr marL="1600200" indent="-228600" algn="l" defTabSz="914400" rtl="0" eaLnBrk="1" latinLnBrk="0" hangingPunct="1">
+              <a:lnSpc>
+                <a:spcPct val="110000"/>
+              </a:lnSpc>
+              <a:spcBef>
+                <a:spcPts val="500"/>
+              </a:spcBef>
+              <a:buFont typeface="Arial" panose="020B0604020202020204" pitchFamily="34" charset="0"/>
+              <a:buChar char="•"/>
+              <a:defRPr sz="1800" kern="1200">
+                <a:solidFill>
+                  <a:schemeClr val="tx1"/>
+                </a:solidFill>
+                <a:latin typeface="+mn-lt"/>
+                <a:ea typeface="+mn-ea"/>
+                <a:cs typeface="+mn-cs"/>
+              </a:defRPr>
+            </a:lvl4pPr>
+            <a:lvl5pPr marL="2057400" indent="-228600" algn="l" defTabSz="914400" rtl="0" eaLnBrk="1" latinLnBrk="0" hangingPunct="1">
+              <a:lnSpc>
+                <a:spcPct val="110000"/>
+              </a:lnSpc>
+              <a:spcBef>
+                <a:spcPts val="500"/>
+              </a:spcBef>
+              <a:buFont typeface="Arial" panose="020B0604020202020204" pitchFamily="34" charset="0"/>
+              <a:buChar char="•"/>
+              <a:defRPr sz="1800" kern="1200">
+                <a:solidFill>
+                  <a:schemeClr val="tx1"/>
+                </a:solidFill>
+                <a:latin typeface="+mn-lt"/>
+                <a:ea typeface="+mn-ea"/>
+                <a:cs typeface="+mn-cs"/>
+              </a:defRPr>
+            </a:lvl5pPr>
+            <a:lvl6pPr marL="2514600" indent="-228600" algn="l" defTabSz="914400" rtl="0" eaLnBrk="1" latinLnBrk="0" hangingPunct="1">
+              <a:lnSpc>
+                <a:spcPct val="90000"/>
+              </a:lnSpc>
+              <a:spcBef>
+                <a:spcPts val="500"/>
+              </a:spcBef>
+              <a:buFont typeface="Arial" panose="020B0604020202020204" pitchFamily="34" charset="0"/>
+              <a:buChar char="•"/>
+              <a:defRPr sz="1800" kern="1200">
+                <a:solidFill>
+                  <a:schemeClr val="tx1"/>
+                </a:solidFill>
+                <a:latin typeface="+mn-lt"/>
+                <a:ea typeface="+mn-ea"/>
+                <a:cs typeface="+mn-cs"/>
+              </a:defRPr>
+            </a:lvl6pPr>
+            <a:lvl7pPr marL="2971800" indent="-228600" algn="l" defTabSz="914400" rtl="0" eaLnBrk="1" latinLnBrk="0" hangingPunct="1">
+              <a:lnSpc>
+                <a:spcPct val="90000"/>
+              </a:lnSpc>
+              <a:spcBef>
+                <a:spcPts val="500"/>
+              </a:spcBef>
+              <a:buFont typeface="Arial" panose="020B0604020202020204" pitchFamily="34" charset="0"/>
+              <a:buChar char="•"/>
+              <a:defRPr sz="1800" kern="1200">
+                <a:solidFill>
+                  <a:schemeClr val="tx1"/>
+                </a:solidFill>
+                <a:latin typeface="+mn-lt"/>
+                <a:ea typeface="+mn-ea"/>
+                <a:cs typeface="+mn-cs"/>
+              </a:defRPr>
+            </a:lvl7pPr>
+            <a:lvl8pPr marL="3429000" indent="-228600" algn="l" defTabSz="914400" rtl="0" eaLnBrk="1" latinLnBrk="0" hangingPunct="1">
+              <a:lnSpc>
+                <a:spcPct val="90000"/>
+              </a:lnSpc>
+              <a:spcBef>
+                <a:spcPts val="500"/>
+              </a:spcBef>
+              <a:buFont typeface="Arial" panose="020B0604020202020204" pitchFamily="34" charset="0"/>
+              <a:buChar char="•"/>
+              <a:defRPr sz="1800" kern="1200">
+                <a:solidFill>
+                  <a:schemeClr val="tx1"/>
+                </a:solidFill>
+                <a:latin typeface="+mn-lt"/>
+                <a:ea typeface="+mn-ea"/>
+                <a:cs typeface="+mn-cs"/>
+              </a:defRPr>
+            </a:lvl8pPr>
+            <a:lvl9pPr marL="3886200" indent="-228600" algn="l" defTabSz="914400" rtl="0" eaLnBrk="1" latinLnBrk="0" hangingPunct="1">
+              <a:lnSpc>
+                <a:spcPct val="90000"/>
+              </a:lnSpc>
+              <a:spcBef>
+                <a:spcPts val="500"/>
+              </a:spcBef>
+              <a:buFont typeface="Arial" panose="020B0604020202020204" pitchFamily="34" charset="0"/>
+              <a:buChar char="•"/>
+              <a:defRPr sz="1800" kern="1200">
+                <a:solidFill>
+                  <a:schemeClr val="tx1"/>
+                </a:solidFill>
+                <a:latin typeface="+mn-lt"/>
+                <a:ea typeface="+mn-ea"/>
+                <a:cs typeface="+mn-cs"/>
+              </a:defRPr>
+            </a:lvl9pPr>
+          </a:lstStyle>
+          <a:p>
+            <a:pPr marL="0" indent="0">
+              <a:buFont typeface="Arial" panose="020B0604020202020204" pitchFamily="34" charset="0"/>
+              <a:buNone/>
+            </a:pPr>
+            <a:r>
+              <a:rPr lang="en-GB" sz="1800" dirty="0">
+                <a:latin typeface="Calibri" panose="020F0502020204030204" pitchFamily="34" charset="0"/>
+                <a:ea typeface="Calibri" panose="020F0502020204030204" pitchFamily="34" charset="0"/>
+                <a:cs typeface="Times New Roman" panose="02020603050405020304" pitchFamily="18" charset="0"/>
+              </a:rPr>
+              <a:t>Although this is not the final version details mentioned in the abstract above will be used in the final version</a:t>
+            </a:r>
+          </a:p>
+        </p:txBody>
+      </p:sp>
+    </p:spTree>
+    <p:extLst>
+      <p:ext uri="{BB962C8B-B14F-4D97-AF65-F5344CB8AC3E}">
+        <p14:creationId xmlns:p14="http://schemas.microsoft.com/office/powerpoint/2010/main" val="608588099"/>
       </p:ext>
     </p:extLst>
   </p:cSld>
